--- a/lectures/Prisoners dilemma.pptx
+++ b/lectures/Prisoners dilemma.pptx
@@ -5,7 +5,7 @@
     <p:sldMasterId id="2147483699" r:id="rId1"/>
   </p:sldMasterIdLst>
   <p:notesMasterIdLst>
-    <p:notesMasterId r:id="rId44"/>
+    <p:notesMasterId r:id="rId36"/>
   </p:notesMasterIdLst>
   <p:sldIdLst>
     <p:sldId id="257" r:id="rId2"/>
@@ -37,19 +37,11 @@
     <p:sldId id="296" r:id="rId28"/>
     <p:sldId id="297" r:id="rId29"/>
     <p:sldId id="281" r:id="rId30"/>
-    <p:sldId id="294" r:id="rId31"/>
-    <p:sldId id="293" r:id="rId32"/>
-    <p:sldId id="262" r:id="rId33"/>
-    <p:sldId id="263" r:id="rId34"/>
-    <p:sldId id="264" r:id="rId35"/>
-    <p:sldId id="265" r:id="rId36"/>
-    <p:sldId id="266" r:id="rId37"/>
-    <p:sldId id="267" r:id="rId38"/>
-    <p:sldId id="268" r:id="rId39"/>
-    <p:sldId id="269" r:id="rId40"/>
-    <p:sldId id="270" r:id="rId41"/>
-    <p:sldId id="271" r:id="rId42"/>
-    <p:sldId id="256" r:id="rId43"/>
+    <p:sldId id="303" r:id="rId31"/>
+    <p:sldId id="304" r:id="rId32"/>
+    <p:sldId id="305" r:id="rId33"/>
+    <p:sldId id="306" r:id="rId34"/>
+    <p:sldId id="302" r:id="rId35"/>
   </p:sldIdLst>
   <p:sldSz cx="9144000" cy="6858000" type="screen4x3"/>
   <p:notesSz cx="6858000" cy="9144000"/>
@@ -250,7 +242,7 @@
             <a:fld id="{353FB7D0-3F83-5B4A-9D51-DB191047E9A5}" type="datetimeFigureOut">
               <a:rPr lang="en-US" smtClean="0"/>
               <a:pPr/>
-              <a:t>9/9/19</a:t>
+              <a:t>9/21/19</a:t>
             </a:fld>
             <a:endParaRPr lang="en-US"/>
           </a:p>
@@ -1766,967 +1758,6 @@
 </p:notes>
 </file>
 
-<file path=ppt/notesSlides/notesSlide21.xml><?xml version="1.0" encoding="utf-8"?>
-<p:notes xmlns:a="http://schemas.openxmlformats.org/drawingml/2006/main" xmlns:r="http://schemas.openxmlformats.org/officeDocument/2006/relationships" xmlns:p="http://schemas.openxmlformats.org/presentationml/2006/main">
-  <p:cSld>
-    <p:spTree>
-      <p:nvGrpSpPr>
-        <p:cNvPr id="1" name=""/>
-        <p:cNvGrpSpPr/>
-        <p:nvPr/>
-      </p:nvGrpSpPr>
-      <p:grpSpPr>
-        <a:xfrm>
-          <a:off x="0" y="0"/>
-          <a:ext cx="0" cy="0"/>
-          <a:chOff x="0" y="0"/>
-          <a:chExt cx="0" cy="0"/>
-        </a:xfrm>
-      </p:grpSpPr>
-      <p:sp>
-        <p:nvSpPr>
-          <p:cNvPr id="2" name="Slide Image Placeholder 1"/>
-          <p:cNvSpPr>
-            <a:spLocks noGrp="1" noRot="1" noChangeAspect="1"/>
-          </p:cNvSpPr>
-          <p:nvPr>
-            <p:ph type="sldImg"/>
-          </p:nvPr>
-        </p:nvSpPr>
-        <p:spPr/>
-      </p:sp>
-      <p:sp>
-        <p:nvSpPr>
-          <p:cNvPr id="3" name="Notes Placeholder 2"/>
-          <p:cNvSpPr>
-            <a:spLocks noGrp="1"/>
-          </p:cNvSpPr>
-          <p:nvPr>
-            <p:ph type="body" idx="1"/>
-          </p:nvPr>
-        </p:nvSpPr>
-        <p:spPr/>
-        <p:txBody>
-          <a:bodyPr>
-            <a:normAutofit/>
-          </a:bodyPr>
-          <a:lstStyle/>
-          <a:p>
-            <a:endParaRPr lang="en-US" dirty="0"/>
-          </a:p>
-        </p:txBody>
-      </p:sp>
-      <p:sp>
-        <p:nvSpPr>
-          <p:cNvPr id="4" name="Slide Number Placeholder 3"/>
-          <p:cNvSpPr>
-            <a:spLocks noGrp="1"/>
-          </p:cNvSpPr>
-          <p:nvPr>
-            <p:ph type="sldNum" sz="quarter" idx="10"/>
-          </p:nvPr>
-        </p:nvSpPr>
-        <p:spPr/>
-        <p:txBody>
-          <a:bodyPr/>
-          <a:lstStyle/>
-          <a:p>
-            <a:fld id="{F4CAE3AB-2FBD-A84E-8521-5C453A9C0EB0}" type="slidenum">
-              <a:rPr lang="en-US" smtClean="0"/>
-              <a:pPr/>
-              <a:t>30</a:t>
-            </a:fld>
-            <a:endParaRPr lang="en-US"/>
-          </a:p>
-        </p:txBody>
-      </p:sp>
-    </p:spTree>
-    <p:extLst>
-      <p:ext uri="{BB962C8B-B14F-4D97-AF65-F5344CB8AC3E}">
-        <p14:creationId xmlns:p14="http://schemas.microsoft.com/office/powerpoint/2010/main" val="269236289"/>
-      </p:ext>
-    </p:extLst>
-  </p:cSld>
-  <p:clrMapOvr>
-    <a:masterClrMapping/>
-  </p:clrMapOvr>
-</p:notes>
-</file>
-
-<file path=ppt/notesSlides/notesSlide22.xml><?xml version="1.0" encoding="utf-8"?>
-<p:notes xmlns:a="http://schemas.openxmlformats.org/drawingml/2006/main" xmlns:r="http://schemas.openxmlformats.org/officeDocument/2006/relationships" xmlns:p="http://schemas.openxmlformats.org/presentationml/2006/main">
-  <p:cSld>
-    <p:spTree>
-      <p:nvGrpSpPr>
-        <p:cNvPr id="1" name=""/>
-        <p:cNvGrpSpPr/>
-        <p:nvPr/>
-      </p:nvGrpSpPr>
-      <p:grpSpPr>
-        <a:xfrm>
-          <a:off x="0" y="0"/>
-          <a:ext cx="0" cy="0"/>
-          <a:chOff x="0" y="0"/>
-          <a:chExt cx="0" cy="0"/>
-        </a:xfrm>
-      </p:grpSpPr>
-      <p:sp>
-        <p:nvSpPr>
-          <p:cNvPr id="105474" name="Slide Image Placeholder 1"/>
-          <p:cNvSpPr>
-            <a:spLocks noGrp="1" noRot="1" noChangeAspect="1" noTextEdit="1"/>
-          </p:cNvSpPr>
-          <p:nvPr>
-            <p:ph type="sldImg"/>
-          </p:nvPr>
-        </p:nvSpPr>
-        <p:spPr bwMode="auto">
-          <a:noFill/>
-          <a:ln>
-            <a:solidFill>
-              <a:srgbClr val="000000"/>
-            </a:solidFill>
-            <a:miter lim="800000"/>
-            <a:headEnd/>
-            <a:tailEnd/>
-          </a:ln>
-        </p:spPr>
-      </p:sp>
-      <p:sp>
-        <p:nvSpPr>
-          <p:cNvPr id="105475" name="Notes Placeholder 2"/>
-          <p:cNvSpPr>
-            <a:spLocks noGrp="1"/>
-          </p:cNvSpPr>
-          <p:nvPr>
-            <p:ph type="body" idx="1"/>
-          </p:nvPr>
-        </p:nvSpPr>
-        <p:spPr bwMode="auto">
-          <a:noFill/>
-        </p:spPr>
-        <p:txBody>
-          <a:bodyPr wrap="square" numCol="1" anchor="t" anchorCtr="0" compatLnSpc="1">
-            <a:prstTxWarp prst="textNoShape">
-              <a:avLst/>
-            </a:prstTxWarp>
-          </a:bodyPr>
-          <a:lstStyle/>
-          <a:p>
-            <a:pPr eaLnBrk="1" hangingPunct="1"/>
-            <a:endParaRPr lang="en-US"/>
-          </a:p>
-        </p:txBody>
-      </p:sp>
-      <p:sp>
-        <p:nvSpPr>
-          <p:cNvPr id="4" name="Slide Number Placeholder 3"/>
-          <p:cNvSpPr>
-            <a:spLocks noGrp="1"/>
-          </p:cNvSpPr>
-          <p:nvPr>
-            <p:ph type="sldNum" sz="quarter" idx="5"/>
-          </p:nvPr>
-        </p:nvSpPr>
-        <p:spPr/>
-        <p:txBody>
-          <a:bodyPr/>
-          <a:lstStyle/>
-          <a:p>
-            <a:pPr>
-              <a:defRPr/>
-            </a:pPr>
-            <a:fld id="{9B25EBBB-47CC-425E-B6FB-7348698D55C9}" type="slidenum">
-              <a:rPr lang="en-US" smtClean="0"/>
-              <a:pPr>
-                <a:defRPr/>
-              </a:pPr>
-              <a:t>32</a:t>
-            </a:fld>
-            <a:endParaRPr lang="en-US"/>
-          </a:p>
-        </p:txBody>
-      </p:sp>
-    </p:spTree>
-  </p:cSld>
-  <p:clrMapOvr>
-    <a:masterClrMapping/>
-  </p:clrMapOvr>
-</p:notes>
-</file>
-
-<file path=ppt/notesSlides/notesSlide23.xml><?xml version="1.0" encoding="utf-8"?>
-<p:notes xmlns:a="http://schemas.openxmlformats.org/drawingml/2006/main" xmlns:r="http://schemas.openxmlformats.org/officeDocument/2006/relationships" xmlns:p="http://schemas.openxmlformats.org/presentationml/2006/main">
-  <p:cSld>
-    <p:spTree>
-      <p:nvGrpSpPr>
-        <p:cNvPr id="1" name=""/>
-        <p:cNvGrpSpPr/>
-        <p:nvPr/>
-      </p:nvGrpSpPr>
-      <p:grpSpPr>
-        <a:xfrm>
-          <a:off x="0" y="0"/>
-          <a:ext cx="0" cy="0"/>
-          <a:chOff x="0" y="0"/>
-          <a:chExt cx="0" cy="0"/>
-        </a:xfrm>
-      </p:grpSpPr>
-      <p:sp>
-        <p:nvSpPr>
-          <p:cNvPr id="106498" name="Slide Image Placeholder 1"/>
-          <p:cNvSpPr>
-            <a:spLocks noGrp="1" noRot="1" noChangeAspect="1" noTextEdit="1"/>
-          </p:cNvSpPr>
-          <p:nvPr>
-            <p:ph type="sldImg"/>
-          </p:nvPr>
-        </p:nvSpPr>
-        <p:spPr bwMode="auto">
-          <a:noFill/>
-          <a:ln>
-            <a:solidFill>
-              <a:srgbClr val="000000"/>
-            </a:solidFill>
-            <a:miter lim="800000"/>
-            <a:headEnd/>
-            <a:tailEnd/>
-          </a:ln>
-        </p:spPr>
-      </p:sp>
-      <p:sp>
-        <p:nvSpPr>
-          <p:cNvPr id="106499" name="Notes Placeholder 2"/>
-          <p:cNvSpPr>
-            <a:spLocks noGrp="1"/>
-          </p:cNvSpPr>
-          <p:nvPr>
-            <p:ph type="body" idx="1"/>
-          </p:nvPr>
-        </p:nvSpPr>
-        <p:spPr bwMode="auto">
-          <a:noFill/>
-        </p:spPr>
-        <p:txBody>
-          <a:bodyPr wrap="square" numCol="1" anchor="t" anchorCtr="0" compatLnSpc="1">
-            <a:prstTxWarp prst="textNoShape">
-              <a:avLst/>
-            </a:prstTxWarp>
-          </a:bodyPr>
-          <a:lstStyle/>
-          <a:p>
-            <a:r>
-              <a:rPr lang="en-US" dirty="0"/>
-              <a:t>Deal offered</a:t>
-            </a:r>
-          </a:p>
-          <a:p>
-            <a:r>
-              <a:rPr lang="en-US" dirty="0"/>
-              <a:t>Both silent: I have</a:t>
-            </a:r>
-            <a:r>
-              <a:rPr lang="en-US" baseline="0" dirty="0"/>
-              <a:t> sufficient evidence to convict both of you for something (trespassing).</a:t>
-            </a:r>
-          </a:p>
-          <a:p>
-            <a:r>
-              <a:rPr lang="en-US" baseline="0" dirty="0"/>
-              <a:t>You rat: I’ll be able to convict the other person for serious charge (armed robbery or something); I will charge you for something more minor (loitering). </a:t>
-            </a:r>
-          </a:p>
-          <a:p>
-            <a:endParaRPr lang="en-US" baseline="0" dirty="0"/>
-          </a:p>
-          <a:p>
-            <a:r>
-              <a:rPr lang="en-US" baseline="0" dirty="0"/>
-              <a:t>You know</a:t>
-            </a:r>
-          </a:p>
-          <a:p>
-            <a:r>
-              <a:rPr lang="en-US" baseline="0" dirty="0"/>
-              <a:t>If we both rat, she will be able to charge both an additional crime (conspiracy).</a:t>
-            </a:r>
-            <a:endParaRPr lang="en-US" dirty="0"/>
-          </a:p>
-        </p:txBody>
-      </p:sp>
-      <p:sp>
-        <p:nvSpPr>
-          <p:cNvPr id="4" name="Slide Number Placeholder 3"/>
-          <p:cNvSpPr>
-            <a:spLocks noGrp="1"/>
-          </p:cNvSpPr>
-          <p:nvPr>
-            <p:ph type="sldNum" sz="quarter" idx="5"/>
-          </p:nvPr>
-        </p:nvSpPr>
-        <p:spPr/>
-        <p:txBody>
-          <a:bodyPr/>
-          <a:lstStyle/>
-          <a:p>
-            <a:pPr>
-              <a:defRPr/>
-            </a:pPr>
-            <a:fld id="{37E5D1CA-3937-42BF-A6F0-0DB2181E5B11}" type="slidenum">
-              <a:rPr lang="en-US" smtClean="0"/>
-              <a:pPr>
-                <a:defRPr/>
-              </a:pPr>
-              <a:t>33</a:t>
-            </a:fld>
-            <a:endParaRPr lang="en-US"/>
-          </a:p>
-        </p:txBody>
-      </p:sp>
-    </p:spTree>
-  </p:cSld>
-  <p:clrMapOvr>
-    <a:masterClrMapping/>
-  </p:clrMapOvr>
-</p:notes>
-</file>
-
-<file path=ppt/notesSlides/notesSlide24.xml><?xml version="1.0" encoding="utf-8"?>
-<p:notes xmlns:a="http://schemas.openxmlformats.org/drawingml/2006/main" xmlns:r="http://schemas.openxmlformats.org/officeDocument/2006/relationships" xmlns:p="http://schemas.openxmlformats.org/presentationml/2006/main">
-  <p:cSld>
-    <p:spTree>
-      <p:nvGrpSpPr>
-        <p:cNvPr id="1" name=""/>
-        <p:cNvGrpSpPr/>
-        <p:nvPr/>
-      </p:nvGrpSpPr>
-      <p:grpSpPr>
-        <a:xfrm>
-          <a:off x="0" y="0"/>
-          <a:ext cx="0" cy="0"/>
-          <a:chOff x="0" y="0"/>
-          <a:chExt cx="0" cy="0"/>
-        </a:xfrm>
-      </p:grpSpPr>
-      <p:sp>
-        <p:nvSpPr>
-          <p:cNvPr id="105474" name="Slide Image Placeholder 1"/>
-          <p:cNvSpPr>
-            <a:spLocks noGrp="1" noRot="1" noChangeAspect="1" noTextEdit="1"/>
-          </p:cNvSpPr>
-          <p:nvPr>
-            <p:ph type="sldImg"/>
-          </p:nvPr>
-        </p:nvSpPr>
-        <p:spPr bwMode="auto">
-          <a:noFill/>
-          <a:ln>
-            <a:solidFill>
-              <a:srgbClr val="000000"/>
-            </a:solidFill>
-            <a:miter lim="800000"/>
-            <a:headEnd/>
-            <a:tailEnd/>
-          </a:ln>
-        </p:spPr>
-      </p:sp>
-      <p:sp>
-        <p:nvSpPr>
-          <p:cNvPr id="105475" name="Notes Placeholder 2"/>
-          <p:cNvSpPr>
-            <a:spLocks noGrp="1"/>
-          </p:cNvSpPr>
-          <p:nvPr>
-            <p:ph type="body" idx="1"/>
-          </p:nvPr>
-        </p:nvSpPr>
-        <p:spPr bwMode="auto">
-          <a:noFill/>
-        </p:spPr>
-        <p:txBody>
-          <a:bodyPr wrap="square" numCol="1" anchor="t" anchorCtr="0" compatLnSpc="1">
-            <a:prstTxWarp prst="textNoShape">
-              <a:avLst/>
-            </a:prstTxWarp>
-          </a:bodyPr>
-          <a:lstStyle/>
-          <a:p>
-            <a:pPr eaLnBrk="1" hangingPunct="1"/>
-            <a:endParaRPr lang="en-US"/>
-          </a:p>
-        </p:txBody>
-      </p:sp>
-      <p:sp>
-        <p:nvSpPr>
-          <p:cNvPr id="4" name="Slide Number Placeholder 3"/>
-          <p:cNvSpPr>
-            <a:spLocks noGrp="1"/>
-          </p:cNvSpPr>
-          <p:nvPr>
-            <p:ph type="sldNum" sz="quarter" idx="5"/>
-          </p:nvPr>
-        </p:nvSpPr>
-        <p:spPr/>
-        <p:txBody>
-          <a:bodyPr/>
-          <a:lstStyle/>
-          <a:p>
-            <a:pPr>
-              <a:defRPr/>
-            </a:pPr>
-            <a:fld id="{9B25EBBB-47CC-425E-B6FB-7348698D55C9}" type="slidenum">
-              <a:rPr lang="en-US" smtClean="0"/>
-              <a:pPr>
-                <a:defRPr/>
-              </a:pPr>
-              <a:t>34</a:t>
-            </a:fld>
-            <a:endParaRPr lang="en-US"/>
-          </a:p>
-        </p:txBody>
-      </p:sp>
-    </p:spTree>
-  </p:cSld>
-  <p:clrMapOvr>
-    <a:masterClrMapping/>
-  </p:clrMapOvr>
-</p:notes>
-</file>
-
-<file path=ppt/notesSlides/notesSlide25.xml><?xml version="1.0" encoding="utf-8"?>
-<p:notes xmlns:a="http://schemas.openxmlformats.org/drawingml/2006/main" xmlns:r="http://schemas.openxmlformats.org/officeDocument/2006/relationships" xmlns:p="http://schemas.openxmlformats.org/presentationml/2006/main">
-  <p:cSld>
-    <p:spTree>
-      <p:nvGrpSpPr>
-        <p:cNvPr id="1" name=""/>
-        <p:cNvGrpSpPr/>
-        <p:nvPr/>
-      </p:nvGrpSpPr>
-      <p:grpSpPr>
-        <a:xfrm>
-          <a:off x="0" y="0"/>
-          <a:ext cx="0" cy="0"/>
-          <a:chOff x="0" y="0"/>
-          <a:chExt cx="0" cy="0"/>
-        </a:xfrm>
-      </p:grpSpPr>
-      <p:sp>
-        <p:nvSpPr>
-          <p:cNvPr id="106498" name="Slide Image Placeholder 1"/>
-          <p:cNvSpPr>
-            <a:spLocks noGrp="1" noRot="1" noChangeAspect="1" noTextEdit="1"/>
-          </p:cNvSpPr>
-          <p:nvPr>
-            <p:ph type="sldImg"/>
-          </p:nvPr>
-        </p:nvSpPr>
-        <p:spPr bwMode="auto">
-          <a:noFill/>
-          <a:ln>
-            <a:solidFill>
-              <a:srgbClr val="000000"/>
-            </a:solidFill>
-            <a:miter lim="800000"/>
-            <a:headEnd/>
-            <a:tailEnd/>
-          </a:ln>
-        </p:spPr>
-      </p:sp>
-      <p:sp>
-        <p:nvSpPr>
-          <p:cNvPr id="106499" name="Notes Placeholder 2"/>
-          <p:cNvSpPr>
-            <a:spLocks noGrp="1"/>
-          </p:cNvSpPr>
-          <p:nvPr>
-            <p:ph type="body" idx="1"/>
-          </p:nvPr>
-        </p:nvSpPr>
-        <p:spPr bwMode="auto">
-          <a:noFill/>
-        </p:spPr>
-        <p:txBody>
-          <a:bodyPr wrap="square" numCol="1" anchor="t" anchorCtr="0" compatLnSpc="1">
-            <a:prstTxWarp prst="textNoShape">
-              <a:avLst/>
-            </a:prstTxWarp>
-          </a:bodyPr>
-          <a:lstStyle/>
-          <a:p>
-            <a:r>
-              <a:rPr lang="en-US" dirty="0"/>
-              <a:t>Deal offered</a:t>
-            </a:r>
-          </a:p>
-          <a:p>
-            <a:r>
-              <a:rPr lang="en-US" dirty="0"/>
-              <a:t>Both silent: I have</a:t>
-            </a:r>
-            <a:r>
-              <a:rPr lang="en-US" baseline="0" dirty="0"/>
-              <a:t> sufficient evidence to convict both of you for something (trespassing).</a:t>
-            </a:r>
-          </a:p>
-          <a:p>
-            <a:r>
-              <a:rPr lang="en-US" baseline="0" dirty="0"/>
-              <a:t>You rat: I’ll be able to convict the other person for serious charge (armed robbery or something); I will charge you for something more minor (loitering). </a:t>
-            </a:r>
-          </a:p>
-          <a:p>
-            <a:endParaRPr lang="en-US" baseline="0" dirty="0"/>
-          </a:p>
-          <a:p>
-            <a:r>
-              <a:rPr lang="en-US" baseline="0" dirty="0"/>
-              <a:t>You know</a:t>
-            </a:r>
-          </a:p>
-          <a:p>
-            <a:r>
-              <a:rPr lang="en-US" baseline="0" dirty="0"/>
-              <a:t>If we both rat, she will be able to charge both an additional crime (conspiracy).</a:t>
-            </a:r>
-            <a:endParaRPr lang="en-US" dirty="0"/>
-          </a:p>
-        </p:txBody>
-      </p:sp>
-      <p:sp>
-        <p:nvSpPr>
-          <p:cNvPr id="4" name="Slide Number Placeholder 3"/>
-          <p:cNvSpPr>
-            <a:spLocks noGrp="1"/>
-          </p:cNvSpPr>
-          <p:nvPr>
-            <p:ph type="sldNum" sz="quarter" idx="5"/>
-          </p:nvPr>
-        </p:nvSpPr>
-        <p:spPr/>
-        <p:txBody>
-          <a:bodyPr/>
-          <a:lstStyle/>
-          <a:p>
-            <a:pPr>
-              <a:defRPr/>
-            </a:pPr>
-            <a:fld id="{37E5D1CA-3937-42BF-A6F0-0DB2181E5B11}" type="slidenum">
-              <a:rPr lang="en-US" smtClean="0"/>
-              <a:pPr>
-                <a:defRPr/>
-              </a:pPr>
-              <a:t>35</a:t>
-            </a:fld>
-            <a:endParaRPr lang="en-US"/>
-          </a:p>
-        </p:txBody>
-      </p:sp>
-    </p:spTree>
-  </p:cSld>
-  <p:clrMapOvr>
-    <a:masterClrMapping/>
-  </p:clrMapOvr>
-</p:notes>
-</file>
-
-<file path=ppt/notesSlides/notesSlide26.xml><?xml version="1.0" encoding="utf-8"?>
-<p:notes xmlns:a="http://schemas.openxmlformats.org/drawingml/2006/main" xmlns:r="http://schemas.openxmlformats.org/officeDocument/2006/relationships" xmlns:p="http://schemas.openxmlformats.org/presentationml/2006/main">
-  <p:cSld>
-    <p:spTree>
-      <p:nvGrpSpPr>
-        <p:cNvPr id="1" name=""/>
-        <p:cNvGrpSpPr/>
-        <p:nvPr/>
-      </p:nvGrpSpPr>
-      <p:grpSpPr>
-        <a:xfrm>
-          <a:off x="0" y="0"/>
-          <a:ext cx="0" cy="0"/>
-          <a:chOff x="0" y="0"/>
-          <a:chExt cx="0" cy="0"/>
-        </a:xfrm>
-      </p:grpSpPr>
-      <p:sp>
-        <p:nvSpPr>
-          <p:cNvPr id="107522" name="Slide Image Placeholder 1"/>
-          <p:cNvSpPr>
-            <a:spLocks noGrp="1" noRot="1" noChangeAspect="1" noTextEdit="1"/>
-          </p:cNvSpPr>
-          <p:nvPr>
-            <p:ph type="sldImg"/>
-          </p:nvPr>
-        </p:nvSpPr>
-        <p:spPr bwMode="auto">
-          <a:noFill/>
-          <a:ln>
-            <a:solidFill>
-              <a:srgbClr val="000000"/>
-            </a:solidFill>
-            <a:miter lim="800000"/>
-            <a:headEnd/>
-            <a:tailEnd/>
-          </a:ln>
-        </p:spPr>
-      </p:sp>
-      <p:sp>
-        <p:nvSpPr>
-          <p:cNvPr id="107523" name="Notes Placeholder 2"/>
-          <p:cNvSpPr>
-            <a:spLocks noGrp="1"/>
-          </p:cNvSpPr>
-          <p:nvPr>
-            <p:ph type="body" idx="1"/>
-          </p:nvPr>
-        </p:nvSpPr>
-        <p:spPr bwMode="auto">
-          <a:noFill/>
-        </p:spPr>
-        <p:txBody>
-          <a:bodyPr wrap="square" numCol="1" anchor="t" anchorCtr="0" compatLnSpc="1">
-            <a:prstTxWarp prst="textNoShape">
-              <a:avLst/>
-            </a:prstTxWarp>
-          </a:bodyPr>
-          <a:lstStyle/>
-          <a:p>
-            <a:pPr lvl="2">
-              <a:buFont typeface="Arial"/>
-              <a:buChar char="•"/>
-            </a:pPr>
-            <a:endParaRPr lang="en-US" dirty="0"/>
-          </a:p>
-        </p:txBody>
-      </p:sp>
-      <p:sp>
-        <p:nvSpPr>
-          <p:cNvPr id="4" name="Slide Number Placeholder 3"/>
-          <p:cNvSpPr>
-            <a:spLocks noGrp="1"/>
-          </p:cNvSpPr>
-          <p:nvPr>
-            <p:ph type="sldNum" sz="quarter" idx="5"/>
-          </p:nvPr>
-        </p:nvSpPr>
-        <p:spPr/>
-        <p:txBody>
-          <a:bodyPr/>
-          <a:lstStyle/>
-          <a:p>
-            <a:pPr>
-              <a:defRPr/>
-            </a:pPr>
-            <a:fld id="{E188B5F9-A40C-4AFE-B9D3-DF907B7B6DA4}" type="slidenum">
-              <a:rPr lang="en-US" smtClean="0"/>
-              <a:pPr>
-                <a:defRPr/>
-              </a:pPr>
-              <a:t>36</a:t>
-            </a:fld>
-            <a:endParaRPr lang="en-US"/>
-          </a:p>
-        </p:txBody>
-      </p:sp>
-    </p:spTree>
-  </p:cSld>
-  <p:clrMapOvr>
-    <a:masterClrMapping/>
-  </p:clrMapOvr>
-</p:notes>
-</file>
-
-<file path=ppt/notesSlides/notesSlide27.xml><?xml version="1.0" encoding="utf-8"?>
-<p:notes xmlns:a="http://schemas.openxmlformats.org/drawingml/2006/main" xmlns:r="http://schemas.openxmlformats.org/officeDocument/2006/relationships" xmlns:p="http://schemas.openxmlformats.org/presentationml/2006/main">
-  <p:cSld>
-    <p:spTree>
-      <p:nvGrpSpPr>
-        <p:cNvPr id="1" name=""/>
-        <p:cNvGrpSpPr/>
-        <p:nvPr/>
-      </p:nvGrpSpPr>
-      <p:grpSpPr>
-        <a:xfrm>
-          <a:off x="0" y="0"/>
-          <a:ext cx="0" cy="0"/>
-          <a:chOff x="0" y="0"/>
-          <a:chExt cx="0" cy="0"/>
-        </a:xfrm>
-      </p:grpSpPr>
-      <p:sp>
-        <p:nvSpPr>
-          <p:cNvPr id="2" name="Slide Image Placeholder 1"/>
-          <p:cNvSpPr>
-            <a:spLocks noGrp="1" noRot="1" noChangeAspect="1"/>
-          </p:cNvSpPr>
-          <p:nvPr>
-            <p:ph type="sldImg"/>
-          </p:nvPr>
-        </p:nvSpPr>
-        <p:spPr/>
-      </p:sp>
-      <p:sp>
-        <p:nvSpPr>
-          <p:cNvPr id="3" name="Notes Placeholder 2"/>
-          <p:cNvSpPr>
-            <a:spLocks noGrp="1"/>
-          </p:cNvSpPr>
-          <p:nvPr>
-            <p:ph type="body" idx="1"/>
-          </p:nvPr>
-        </p:nvSpPr>
-        <p:spPr/>
-        <p:txBody>
-          <a:bodyPr>
-            <a:normAutofit/>
-          </a:bodyPr>
-          <a:lstStyle/>
-          <a:p>
-            <a:pPr>
-              <a:buFont typeface="Arial"/>
-              <a:buChar char="•"/>
-            </a:pPr>
-            <a:endParaRPr lang="en-US" dirty="0"/>
-          </a:p>
-        </p:txBody>
-      </p:sp>
-      <p:sp>
-        <p:nvSpPr>
-          <p:cNvPr id="4" name="Slide Number Placeholder 3"/>
-          <p:cNvSpPr>
-            <a:spLocks noGrp="1"/>
-          </p:cNvSpPr>
-          <p:nvPr>
-            <p:ph type="sldNum" sz="quarter" idx="10"/>
-          </p:nvPr>
-        </p:nvSpPr>
-        <p:spPr/>
-        <p:txBody>
-          <a:bodyPr/>
-          <a:lstStyle/>
-          <a:p>
-            <a:pPr>
-              <a:defRPr/>
-            </a:pPr>
-            <a:fld id="{4B3A6C9C-0853-485D-90F2-7354AD7B5641}" type="slidenum">
-              <a:rPr lang="en-US" smtClean="0"/>
-              <a:pPr>
-                <a:defRPr/>
-              </a:pPr>
-              <a:t>37</a:t>
-            </a:fld>
-            <a:endParaRPr lang="en-US"/>
-          </a:p>
-        </p:txBody>
-      </p:sp>
-    </p:spTree>
-  </p:cSld>
-  <p:clrMapOvr>
-    <a:masterClrMapping/>
-  </p:clrMapOvr>
-</p:notes>
-</file>
-
-<file path=ppt/notesSlides/notesSlide28.xml><?xml version="1.0" encoding="utf-8"?>
-<p:notes xmlns:a="http://schemas.openxmlformats.org/drawingml/2006/main" xmlns:r="http://schemas.openxmlformats.org/officeDocument/2006/relationships" xmlns:p="http://schemas.openxmlformats.org/presentationml/2006/main">
-  <p:cSld>
-    <p:spTree>
-      <p:nvGrpSpPr>
-        <p:cNvPr id="1" name=""/>
-        <p:cNvGrpSpPr/>
-        <p:nvPr/>
-      </p:nvGrpSpPr>
-      <p:grpSpPr>
-        <a:xfrm>
-          <a:off x="0" y="0"/>
-          <a:ext cx="0" cy="0"/>
-          <a:chOff x="0" y="0"/>
-          <a:chExt cx="0" cy="0"/>
-        </a:xfrm>
-      </p:grpSpPr>
-      <p:sp>
-        <p:nvSpPr>
-          <p:cNvPr id="108546" name="Slide Image Placeholder 1"/>
-          <p:cNvSpPr>
-            <a:spLocks noGrp="1" noRot="1" noChangeAspect="1" noTextEdit="1"/>
-          </p:cNvSpPr>
-          <p:nvPr>
-            <p:ph type="sldImg"/>
-          </p:nvPr>
-        </p:nvSpPr>
-        <p:spPr bwMode="auto">
-          <a:noFill/>
-          <a:ln>
-            <a:solidFill>
-              <a:srgbClr val="000000"/>
-            </a:solidFill>
-            <a:miter lim="800000"/>
-            <a:headEnd/>
-            <a:tailEnd/>
-          </a:ln>
-        </p:spPr>
-      </p:sp>
-      <p:sp>
-        <p:nvSpPr>
-          <p:cNvPr id="108547" name="Notes Placeholder 2"/>
-          <p:cNvSpPr>
-            <a:spLocks noGrp="1"/>
-          </p:cNvSpPr>
-          <p:nvPr>
-            <p:ph type="body" idx="1"/>
-          </p:nvPr>
-        </p:nvSpPr>
-        <p:spPr bwMode="auto">
-          <a:noFill/>
-        </p:spPr>
-        <p:txBody>
-          <a:bodyPr wrap="square" numCol="1" anchor="t" anchorCtr="0" compatLnSpc="1">
-            <a:prstTxWarp prst="textNoShape">
-              <a:avLst/>
-            </a:prstTxWarp>
-          </a:bodyPr>
-          <a:lstStyle/>
-          <a:p>
-            <a:endParaRPr lang="en-US"/>
-          </a:p>
-        </p:txBody>
-      </p:sp>
-      <p:sp>
-        <p:nvSpPr>
-          <p:cNvPr id="4" name="Slide Number Placeholder 3"/>
-          <p:cNvSpPr>
-            <a:spLocks noGrp="1"/>
-          </p:cNvSpPr>
-          <p:nvPr>
-            <p:ph type="sldNum" sz="quarter" idx="5"/>
-          </p:nvPr>
-        </p:nvSpPr>
-        <p:spPr/>
-        <p:txBody>
-          <a:bodyPr/>
-          <a:lstStyle/>
-          <a:p>
-            <a:pPr>
-              <a:defRPr/>
-            </a:pPr>
-            <a:fld id="{A93A0314-27E1-4F8D-889E-38EE1DCDBD63}" type="slidenum">
-              <a:rPr lang="en-US" smtClean="0"/>
-              <a:pPr>
-                <a:defRPr/>
-              </a:pPr>
-              <a:t>40</a:t>
-            </a:fld>
-            <a:endParaRPr lang="en-US"/>
-          </a:p>
-        </p:txBody>
-      </p:sp>
-    </p:spTree>
-  </p:cSld>
-  <p:clrMapOvr>
-    <a:masterClrMapping/>
-  </p:clrMapOvr>
-</p:notes>
-</file>
-
-<file path=ppt/notesSlides/notesSlide29.xml><?xml version="1.0" encoding="utf-8"?>
-<p:notes xmlns:a="http://schemas.openxmlformats.org/drawingml/2006/main" xmlns:r="http://schemas.openxmlformats.org/officeDocument/2006/relationships" xmlns:p="http://schemas.openxmlformats.org/presentationml/2006/main">
-  <p:cSld>
-    <p:spTree>
-      <p:nvGrpSpPr>
-        <p:cNvPr id="1" name=""/>
-        <p:cNvGrpSpPr/>
-        <p:nvPr/>
-      </p:nvGrpSpPr>
-      <p:grpSpPr>
-        <a:xfrm>
-          <a:off x="0" y="0"/>
-          <a:ext cx="0" cy="0"/>
-          <a:chOff x="0" y="0"/>
-          <a:chExt cx="0" cy="0"/>
-        </a:xfrm>
-      </p:grpSpPr>
-      <p:sp>
-        <p:nvSpPr>
-          <p:cNvPr id="109570" name="Slide Image Placeholder 1"/>
-          <p:cNvSpPr>
-            <a:spLocks noGrp="1" noRot="1" noChangeAspect="1" noTextEdit="1"/>
-          </p:cNvSpPr>
-          <p:nvPr>
-            <p:ph type="sldImg"/>
-          </p:nvPr>
-        </p:nvSpPr>
-        <p:spPr bwMode="auto">
-          <a:noFill/>
-          <a:ln>
-            <a:solidFill>
-              <a:srgbClr val="000000"/>
-            </a:solidFill>
-            <a:miter lim="800000"/>
-            <a:headEnd/>
-            <a:tailEnd/>
-          </a:ln>
-        </p:spPr>
-      </p:sp>
-      <p:sp>
-        <p:nvSpPr>
-          <p:cNvPr id="109571" name="Notes Placeholder 2"/>
-          <p:cNvSpPr>
-            <a:spLocks noGrp="1"/>
-          </p:cNvSpPr>
-          <p:nvPr>
-            <p:ph type="body" idx="1"/>
-          </p:nvPr>
-        </p:nvSpPr>
-        <p:spPr bwMode="auto">
-          <a:noFill/>
-        </p:spPr>
-        <p:txBody>
-          <a:bodyPr wrap="square" numCol="1" anchor="t" anchorCtr="0" compatLnSpc="1">
-            <a:prstTxWarp prst="textNoShape">
-              <a:avLst/>
-            </a:prstTxWarp>
-          </a:bodyPr>
-          <a:lstStyle/>
-          <a:p>
-            <a:endParaRPr lang="en-US"/>
-          </a:p>
-        </p:txBody>
-      </p:sp>
-      <p:sp>
-        <p:nvSpPr>
-          <p:cNvPr id="4" name="Slide Number Placeholder 3"/>
-          <p:cNvSpPr>
-            <a:spLocks noGrp="1"/>
-          </p:cNvSpPr>
-          <p:nvPr>
-            <p:ph type="sldNum" sz="quarter" idx="5"/>
-          </p:nvPr>
-        </p:nvSpPr>
-        <p:spPr/>
-        <p:txBody>
-          <a:bodyPr/>
-          <a:lstStyle/>
-          <a:p>
-            <a:pPr>
-              <a:defRPr/>
-            </a:pPr>
-            <a:fld id="{29FEC6EA-08E6-4478-8E11-F3BD974A02BE}" type="slidenum">
-              <a:rPr lang="en-US" smtClean="0"/>
-              <a:pPr>
-                <a:defRPr/>
-              </a:pPr>
-              <a:t>41</a:t>
-            </a:fld>
-            <a:endParaRPr lang="en-US"/>
-          </a:p>
-        </p:txBody>
-      </p:sp>
-    </p:spTree>
-  </p:cSld>
-  <p:clrMapOvr>
-    <a:masterClrMapping/>
-  </p:clrMapOvr>
-</p:notes>
-</file>
-
 <file path=ppt/notesSlides/notesSlide3.xml><?xml version="1.0" encoding="utf-8"?>
 <p:notes xmlns:a="http://schemas.openxmlformats.org/drawingml/2006/main" xmlns:r="http://schemas.openxmlformats.org/officeDocument/2006/relationships" xmlns:p="http://schemas.openxmlformats.org/presentationml/2006/main">
   <p:cSld>
@@ -4339,7 +3370,7 @@
             <a:fld id="{3224E3AE-F06B-384D-80BE-EAB0031E84E9}" type="datetimeFigureOut">
               <a:rPr lang="en-US" smtClean="0"/>
               <a:pPr/>
-              <a:t>9/9/19</a:t>
+              <a:t>9/21/19</a:t>
             </a:fld>
             <a:endParaRPr lang="en-US"/>
           </a:p>
@@ -4523,7 +3554,7 @@
             <a:fld id="{3224E3AE-F06B-384D-80BE-EAB0031E84E9}" type="datetimeFigureOut">
               <a:rPr lang="en-US" smtClean="0"/>
               <a:pPr/>
-              <a:t>9/9/19</a:t>
+              <a:t>9/21/19</a:t>
             </a:fld>
             <a:endParaRPr lang="en-US"/>
           </a:p>
@@ -4699,7 +3730,7 @@
             <a:fld id="{3224E3AE-F06B-384D-80BE-EAB0031E84E9}" type="datetimeFigureOut">
               <a:rPr lang="en-US" smtClean="0"/>
               <a:pPr/>
-              <a:t>9/9/19</a:t>
+              <a:t>9/21/19</a:t>
             </a:fld>
             <a:endParaRPr lang="en-US"/>
           </a:p>
@@ -4865,7 +3896,7 @@
             <a:fld id="{3224E3AE-F06B-384D-80BE-EAB0031E84E9}" type="datetimeFigureOut">
               <a:rPr lang="en-US" smtClean="0"/>
               <a:pPr/>
-              <a:t>9/9/19</a:t>
+              <a:t>9/21/19</a:t>
             </a:fld>
             <a:endParaRPr lang="en-US"/>
           </a:p>
@@ -5087,7 +4118,7 @@
             <a:fld id="{C3F416CD-67A3-4CF0-A210-F6AF31AC147F}" type="datetimeFigureOut">
               <a:rPr lang="en-US" smtClean="0"/>
               <a:pPr/>
-              <a:t>9/9/19</a:t>
+              <a:t>9/21/19</a:t>
             </a:fld>
             <a:endParaRPr lang="en-US"/>
           </a:p>
@@ -5347,7 +4378,7 @@
             <a:fld id="{3224E3AE-F06B-384D-80BE-EAB0031E84E9}" type="datetimeFigureOut">
               <a:rPr lang="en-US" smtClean="0"/>
               <a:pPr/>
-              <a:t>9/9/19</a:t>
+              <a:t>9/21/19</a:t>
             </a:fld>
             <a:endParaRPr lang="en-US"/>
           </a:p>
@@ -5752,7 +4783,7 @@
             <a:fld id="{3224E3AE-F06B-384D-80BE-EAB0031E84E9}" type="datetimeFigureOut">
               <a:rPr lang="en-US" smtClean="0"/>
               <a:pPr/>
-              <a:t>9/9/19</a:t>
+              <a:t>9/21/19</a:t>
             </a:fld>
             <a:endParaRPr lang="en-US"/>
           </a:p>
@@ -5884,7 +4915,7 @@
             <a:fld id="{3224E3AE-F06B-384D-80BE-EAB0031E84E9}" type="datetimeFigureOut">
               <a:rPr lang="en-US" smtClean="0"/>
               <a:pPr/>
-              <a:t>9/9/19</a:t>
+              <a:t>9/21/19</a:t>
             </a:fld>
             <a:endParaRPr lang="en-US"/>
           </a:p>
@@ -5986,7 +5017,7 @@
             <a:fld id="{3224E3AE-F06B-384D-80BE-EAB0031E84E9}" type="datetimeFigureOut">
               <a:rPr lang="en-US" smtClean="0"/>
               <a:pPr/>
-              <a:t>9/9/19</a:t>
+              <a:t>9/21/19</a:t>
             </a:fld>
             <a:endParaRPr lang="en-US"/>
           </a:p>
@@ -6232,7 +5263,7 @@
             <a:fld id="{3224E3AE-F06B-384D-80BE-EAB0031E84E9}" type="datetimeFigureOut">
               <a:rPr lang="en-US" smtClean="0"/>
               <a:pPr/>
-              <a:t>9/9/19</a:t>
+              <a:t>9/21/19</a:t>
             </a:fld>
             <a:endParaRPr lang="en-US"/>
           </a:p>
@@ -6477,7 +5508,7 @@
             <a:fld id="{3224E3AE-F06B-384D-80BE-EAB0031E84E9}" type="datetimeFigureOut">
               <a:rPr lang="en-US" smtClean="0"/>
               <a:pPr/>
-              <a:t>9/9/19</a:t>
+              <a:t>9/21/19</a:t>
             </a:fld>
             <a:endParaRPr lang="en-US"/>
           </a:p>
@@ -7301,7 +6332,7 @@
             <a:fld id="{3224E3AE-F06B-384D-80BE-EAB0031E84E9}" type="datetimeFigureOut">
               <a:rPr lang="en-US" smtClean="0"/>
               <a:pPr/>
-              <a:t>9/9/19</a:t>
+              <a:t>9/21/19</a:t>
             </a:fld>
             <a:endParaRPr lang="en-US"/>
           </a:p>
@@ -12052,7 +11083,7 @@
 </file>
 
 <file path=ppt/slides/slide30.xml><?xml version="1.0" encoding="utf-8"?>
-<p:sld xmlns:a="http://schemas.openxmlformats.org/drawingml/2006/main" xmlns:r="http://schemas.openxmlformats.org/officeDocument/2006/relationships" xmlns:p="http://schemas.openxmlformats.org/presentationml/2006/main" show="0">
+<p:sld xmlns:a="http://schemas.openxmlformats.org/drawingml/2006/main" xmlns:r="http://schemas.openxmlformats.org/officeDocument/2006/relationships" xmlns:p="http://schemas.openxmlformats.org/presentationml/2006/main">
   <p:cSld>
     <p:spTree>
       <p:nvGrpSpPr>
@@ -12068,338 +11099,63 @@
           <a:chExt cx="0" cy="0"/>
         </a:xfrm>
       </p:grpSpPr>
-      <p:cxnSp>
-        <p:nvCxnSpPr>
-          <p:cNvPr id="7" name="Straight Connector 6"/>
-          <p:cNvCxnSpPr/>
-          <p:nvPr/>
-        </p:nvCxnSpPr>
-        <p:spPr>
-          <a:xfrm rot="5400000">
-            <a:off x="1343289" y="3123673"/>
-            <a:ext cx="3323167" cy="1588"/>
-          </a:xfrm>
-          <a:prstGeom prst="line">
-            <a:avLst/>
-          </a:prstGeom>
-        </p:spPr>
-        <p:style>
-          <a:lnRef idx="3">
-            <a:schemeClr val="accent2"/>
-          </a:lnRef>
-          <a:fillRef idx="0">
-            <a:schemeClr val="accent2"/>
-          </a:fillRef>
-          <a:effectRef idx="2">
-            <a:schemeClr val="accent2"/>
-          </a:effectRef>
-          <a:fontRef idx="minor">
-            <a:schemeClr val="tx1"/>
-          </a:fontRef>
-        </p:style>
-      </p:cxnSp>
-      <p:cxnSp>
-        <p:nvCxnSpPr>
-          <p:cNvPr id="9" name="Straight Connector 8"/>
-          <p:cNvCxnSpPr/>
-          <p:nvPr/>
-        </p:nvCxnSpPr>
-        <p:spPr>
-          <a:xfrm>
-            <a:off x="3005667" y="4784462"/>
-            <a:ext cx="4360333" cy="1588"/>
-          </a:xfrm>
-          <a:prstGeom prst="line">
-            <a:avLst/>
-          </a:prstGeom>
-        </p:spPr>
-        <p:style>
-          <a:lnRef idx="3">
-            <a:schemeClr val="accent2"/>
-          </a:lnRef>
-          <a:fillRef idx="0">
-            <a:schemeClr val="accent2"/>
-          </a:fillRef>
-          <a:effectRef idx="2">
-            <a:schemeClr val="accent2"/>
-          </a:effectRef>
-          <a:fontRef idx="minor">
-            <a:schemeClr val="tx1"/>
-          </a:fontRef>
-        </p:style>
-      </p:cxnSp>
-      <p:cxnSp>
-        <p:nvCxnSpPr>
-          <p:cNvPr id="11" name="Straight Connector 10"/>
-          <p:cNvCxnSpPr/>
-          <p:nvPr/>
-        </p:nvCxnSpPr>
-        <p:spPr>
-          <a:xfrm>
-            <a:off x="2603500" y="3005667"/>
-            <a:ext cx="4762500" cy="21166"/>
-          </a:xfrm>
-          <a:prstGeom prst="line">
-            <a:avLst/>
-          </a:prstGeom>
-          <a:ln w="73025">
-            <a:solidFill>
-              <a:srgbClr val="008000"/>
-            </a:solidFill>
-          </a:ln>
-        </p:spPr>
-        <p:style>
-          <a:lnRef idx="3">
-            <a:schemeClr val="accent2"/>
-          </a:lnRef>
-          <a:fillRef idx="0">
-            <a:schemeClr val="accent2"/>
-          </a:fillRef>
-          <a:effectRef idx="2">
-            <a:schemeClr val="accent2"/>
-          </a:effectRef>
-          <a:fontRef idx="minor">
-            <a:schemeClr val="tx1"/>
-          </a:fontRef>
-        </p:style>
-      </p:cxnSp>
-      <p:cxnSp>
-        <p:nvCxnSpPr>
-          <p:cNvPr id="13" name="Straight Connector 12"/>
-          <p:cNvCxnSpPr/>
-          <p:nvPr/>
-        </p:nvCxnSpPr>
-        <p:spPr>
-          <a:xfrm>
-            <a:off x="2603500" y="1968500"/>
-            <a:ext cx="4762500" cy="42333"/>
-          </a:xfrm>
-          <a:prstGeom prst="line">
-            <a:avLst/>
-          </a:prstGeom>
-          <a:ln w="136525">
-            <a:solidFill>
-              <a:srgbClr val="FF0000"/>
-            </a:solidFill>
-          </a:ln>
-        </p:spPr>
-        <p:style>
-          <a:lnRef idx="3">
-            <a:schemeClr val="accent2"/>
-          </a:lnRef>
-          <a:fillRef idx="0">
-            <a:schemeClr val="accent2"/>
-          </a:fillRef>
-          <a:effectRef idx="2">
-            <a:schemeClr val="accent2"/>
-          </a:effectRef>
-          <a:fontRef idx="minor">
-            <a:schemeClr val="tx1"/>
-          </a:fontRef>
-        </p:style>
-      </p:cxnSp>
-      <p:sp>
-        <p:nvSpPr>
-          <p:cNvPr id="15" name="TextBox 14"/>
-          <p:cNvSpPr txBox="1"/>
-          <p:nvPr/>
-        </p:nvSpPr>
-        <p:spPr>
-          <a:xfrm>
-            <a:off x="613833" y="2603500"/>
-            <a:ext cx="2391834" cy="954107"/>
-          </a:xfrm>
-          <a:prstGeom prst="rect">
-            <a:avLst/>
-          </a:prstGeom>
-          <a:noFill/>
-        </p:spPr>
-        <p:txBody>
-          <a:bodyPr wrap="square" rtlCol="0">
-            <a:spAutoFit/>
-          </a:bodyPr>
-          <a:lstStyle/>
-          <a:p>
-            <a:r>
-              <a:rPr lang="en-US" sz="2800" b="1" dirty="0">
-                <a:solidFill>
-                  <a:srgbClr val="008000"/>
-                </a:solidFill>
-              </a:rPr>
-              <a:t>Current population</a:t>
-            </a:r>
-          </a:p>
-        </p:txBody>
-      </p:sp>
-      <p:sp>
-        <p:nvSpPr>
-          <p:cNvPr id="16" name="TextBox 15"/>
-          <p:cNvSpPr txBox="1"/>
-          <p:nvPr/>
-        </p:nvSpPr>
-        <p:spPr>
-          <a:xfrm>
-            <a:off x="615422" y="1462883"/>
-            <a:ext cx="2390245" cy="954107"/>
-          </a:xfrm>
-          <a:prstGeom prst="rect">
-            <a:avLst/>
-          </a:prstGeom>
-          <a:noFill/>
-        </p:spPr>
-        <p:txBody>
-          <a:bodyPr wrap="square" rtlCol="0">
-            <a:spAutoFit/>
-          </a:bodyPr>
-          <a:lstStyle/>
-          <a:p>
-            <a:r>
-              <a:rPr lang="en-US" sz="2800" b="1" dirty="0">
-                <a:solidFill>
-                  <a:srgbClr val="FF0000"/>
-                </a:solidFill>
-              </a:rPr>
-              <a:t>Carrying Capacity</a:t>
-            </a:r>
-          </a:p>
-        </p:txBody>
-      </p:sp>
-      <p:sp>
-        <p:nvSpPr>
-          <p:cNvPr id="17" name="Rectangle 16"/>
-          <p:cNvSpPr/>
-          <p:nvPr/>
-        </p:nvSpPr>
-        <p:spPr>
-          <a:xfrm>
-            <a:off x="3005667" y="1462884"/>
-            <a:ext cx="4360333" cy="505616"/>
-          </a:xfrm>
-          <a:prstGeom prst="rect">
-            <a:avLst/>
-          </a:prstGeom>
-        </p:spPr>
-        <p:style>
-          <a:lnRef idx="1">
-            <a:schemeClr val="accent2"/>
-          </a:lnRef>
-          <a:fillRef idx="2">
-            <a:schemeClr val="accent2"/>
-          </a:fillRef>
-          <a:effectRef idx="1">
-            <a:schemeClr val="accent2"/>
-          </a:effectRef>
-          <a:fontRef idx="minor">
-            <a:schemeClr val="dk1"/>
-          </a:fontRef>
-        </p:style>
-        <p:txBody>
-          <a:bodyPr rtlCol="0" anchor="ctr"/>
-          <a:lstStyle/>
-          <a:p>
-            <a:pPr algn="ctr"/>
+      <p:sp>
+        <p:nvSpPr>
+          <p:cNvPr id="2" name="Title 1">
+            <a:extLst>
+              <a:ext uri="{FF2B5EF4-FFF2-40B4-BE49-F238E27FC236}">
+                <a16:creationId xmlns:a16="http://schemas.microsoft.com/office/drawing/2014/main" id="{005B1352-F1DF-D84C-B7E3-1A600771DCF9}"/>
+              </a:ext>
+            </a:extLst>
+          </p:cNvPr>
+          <p:cNvSpPr>
+            <a:spLocks noGrp="1"/>
+          </p:cNvSpPr>
+          <p:nvPr>
+            <p:ph type="title"/>
+          </p:nvPr>
+        </p:nvSpPr>
+        <p:spPr/>
+        <p:txBody>
+          <a:bodyPr/>
+          <a:lstStyle/>
+          <a:p>
+            <a:r>
+              <a:rPr lang="en-US" dirty="0"/>
+              <a:t>CHANGE</a:t>
+            </a:r>
+          </a:p>
+        </p:txBody>
+      </p:sp>
+      <p:sp>
+        <p:nvSpPr>
+          <p:cNvPr id="3" name="Text Placeholder 2">
+            <a:extLst>
+              <a:ext uri="{FF2B5EF4-FFF2-40B4-BE49-F238E27FC236}">
+                <a16:creationId xmlns:a16="http://schemas.microsoft.com/office/drawing/2014/main" id="{9C42ADBC-8C3A-1046-85ED-9702C92C9F96}"/>
+              </a:ext>
+            </a:extLst>
+          </p:cNvPr>
+          <p:cNvSpPr>
+            <a:spLocks noGrp="1"/>
+          </p:cNvSpPr>
+          <p:nvPr>
+            <p:ph type="body" idx="1"/>
+          </p:nvPr>
+        </p:nvSpPr>
+        <p:spPr/>
+        <p:txBody>
+          <a:bodyPr/>
+          <a:lstStyle/>
+          <a:p>
             <a:endParaRPr lang="en-US"/>
-          </a:p>
-        </p:txBody>
-      </p:sp>
-      <p:sp>
-        <p:nvSpPr>
-          <p:cNvPr id="18" name="TextBox 17"/>
-          <p:cNvSpPr txBox="1"/>
-          <p:nvPr/>
-        </p:nvSpPr>
-        <p:spPr>
-          <a:xfrm>
-            <a:off x="3894667" y="1462883"/>
-            <a:ext cx="2709333" cy="369332"/>
-          </a:xfrm>
-          <a:prstGeom prst="rect">
-            <a:avLst/>
-          </a:prstGeom>
-          <a:noFill/>
-        </p:spPr>
-        <p:txBody>
-          <a:bodyPr wrap="square" rtlCol="0">
-            <a:spAutoFit/>
-          </a:bodyPr>
-          <a:lstStyle/>
-          <a:p>
-            <a:r>
-              <a:rPr lang="en-US" b="1" dirty="0"/>
-              <a:t>Overpopulation</a:t>
-            </a:r>
-          </a:p>
-        </p:txBody>
-      </p:sp>
-      <p:cxnSp>
-        <p:nvCxnSpPr>
-          <p:cNvPr id="20" name="Straight Arrow Connector 19"/>
-          <p:cNvCxnSpPr/>
-          <p:nvPr/>
-        </p:nvCxnSpPr>
-        <p:spPr>
-          <a:xfrm rot="5400000" flipH="1" flipV="1">
-            <a:off x="3413668" y="2491833"/>
-            <a:ext cx="961999" cy="1588"/>
-          </a:xfrm>
-          <a:prstGeom prst="straightConnector1">
-            <a:avLst/>
-          </a:prstGeom>
-          <a:ln>
-            <a:solidFill>
-              <a:schemeClr val="tx1"/>
-            </a:solidFill>
-            <a:tailEnd type="arrow"/>
-          </a:ln>
-        </p:spPr>
-        <p:style>
-          <a:lnRef idx="2">
-            <a:schemeClr val="accent2"/>
-          </a:lnRef>
-          <a:fillRef idx="0">
-            <a:schemeClr val="accent2"/>
-          </a:fillRef>
-          <a:effectRef idx="1">
-            <a:schemeClr val="accent2"/>
-          </a:effectRef>
-          <a:fontRef idx="minor">
-            <a:schemeClr val="tx1"/>
-          </a:fontRef>
-        </p:style>
-      </p:cxnSp>
-      <p:sp>
-        <p:nvSpPr>
-          <p:cNvPr id="22" name="TextBox 21"/>
-          <p:cNvSpPr txBox="1"/>
-          <p:nvPr/>
-        </p:nvSpPr>
-        <p:spPr>
-          <a:xfrm>
-            <a:off x="3895462" y="2349500"/>
-            <a:ext cx="1671371" cy="461665"/>
-          </a:xfrm>
-          <a:prstGeom prst="rect">
-            <a:avLst/>
-          </a:prstGeom>
-          <a:noFill/>
-        </p:spPr>
-        <p:txBody>
-          <a:bodyPr wrap="square" rtlCol="0">
-            <a:spAutoFit/>
-          </a:bodyPr>
-          <a:lstStyle/>
-          <a:p>
-            <a:r>
-              <a:rPr lang="en-US" sz="2400" b="1" dirty="0"/>
-              <a:t>Z</a:t>
-            </a:r>
           </a:p>
         </p:txBody>
       </p:sp>
     </p:spTree>
     <p:extLst>
       <p:ext uri="{BB962C8B-B14F-4D97-AF65-F5344CB8AC3E}">
-        <p14:creationId xmlns:p14="http://schemas.microsoft.com/office/powerpoint/2010/main" val="1934394454"/>
+        <p14:creationId xmlns:p14="http://schemas.microsoft.com/office/powerpoint/2010/main" val="1721797236"/>
       </p:ext>
     </p:extLst>
   </p:cSld>
@@ -12410,7 +11166,7 @@
 </file>
 
 <file path=ppt/slides/slide31.xml><?xml version="1.0" encoding="utf-8"?>
-<p:sld xmlns:a="http://schemas.openxmlformats.org/drawingml/2006/main" xmlns:r="http://schemas.openxmlformats.org/officeDocument/2006/relationships" xmlns:p="http://schemas.openxmlformats.org/presentationml/2006/main" show="0">
+<p:sld xmlns:a="http://schemas.openxmlformats.org/drawingml/2006/main" xmlns:r="http://schemas.openxmlformats.org/officeDocument/2006/relationships" xmlns:p="http://schemas.openxmlformats.org/presentationml/2006/main">
   <p:cSld>
     <p:spTree>
       <p:nvGrpSpPr>
@@ -12428,7 +11184,13 @@
       </p:grpSpPr>
       <p:sp>
         <p:nvSpPr>
-          <p:cNvPr id="4" name="Title 3"/>
+          <p:cNvPr id="2" name="Title 1">
+            <a:extLst>
+              <a:ext uri="{FF2B5EF4-FFF2-40B4-BE49-F238E27FC236}">
+                <a16:creationId xmlns:a16="http://schemas.microsoft.com/office/drawing/2014/main" id="{CBAA8BCE-6855-E546-B548-29CE7DBFE6DC}"/>
+              </a:ext>
+            </a:extLst>
+          </p:cNvPr>
           <p:cNvSpPr>
             <a:spLocks noGrp="1"/>
           </p:cNvSpPr>
@@ -12438,83 +11200,47 @@
         </p:nvSpPr>
         <p:spPr/>
         <p:txBody>
-          <a:bodyPr>
-            <a:normAutofit fontScale="90000"/>
-          </a:bodyPr>
+          <a:bodyPr/>
           <a:lstStyle/>
           <a:p>
             <a:r>
               <a:rPr lang="en-US" dirty="0"/>
-              <a:t>Population as a Tragedy of the commons</a:t>
-            </a:r>
-          </a:p>
-        </p:txBody>
-      </p:sp>
-      <p:sp>
-        <p:nvSpPr>
-          <p:cNvPr id="5" name="Content Placeholder 4"/>
-          <p:cNvSpPr>
-            <a:spLocks noGrp="1"/>
-          </p:cNvSpPr>
-          <p:nvPr>
-            <p:ph idx="1"/>
+              <a:t>THE</a:t>
+            </a:r>
+          </a:p>
+        </p:txBody>
+      </p:sp>
+      <p:sp>
+        <p:nvSpPr>
+          <p:cNvPr id="3" name="Text Placeholder 2">
+            <a:extLst>
+              <a:ext uri="{FF2B5EF4-FFF2-40B4-BE49-F238E27FC236}">
+                <a16:creationId xmlns:a16="http://schemas.microsoft.com/office/drawing/2014/main" id="{8CEFA3E7-E4BD-F445-A613-BA8860000985}"/>
+              </a:ext>
+            </a:extLst>
+          </p:cNvPr>
+          <p:cNvSpPr>
+            <a:spLocks noGrp="1"/>
+          </p:cNvSpPr>
+          <p:nvPr>
+            <p:ph type="body" idx="1"/>
           </p:nvPr>
         </p:nvSpPr>
         <p:spPr/>
         <p:txBody>
-          <a:bodyPr>
-            <a:normAutofit lnSpcReduction="10000"/>
-          </a:bodyPr>
-          <a:lstStyle/>
-          <a:p>
-            <a:r>
-              <a:rPr lang="en-US" dirty="0"/>
-              <a:t>Z = Number of third kids sufficient for overpopulation.</a:t>
-            </a:r>
-          </a:p>
-          <a:p>
-            <a:r>
-              <a:rPr lang="en-US" dirty="0"/>
-              <a:t>N = Number of women who actually have three kids.</a:t>
-            </a:r>
-          </a:p>
-          <a:p>
-            <a:pPr marL="514350" indent="-514350">
-              <a:buFont typeface="+mj-lt"/>
-              <a:buAutoNum type="arabicPeriod" startAt="2"/>
-            </a:pPr>
-            <a:r>
-              <a:rPr lang="en-US" dirty="0"/>
-              <a:t>If enough people do x, there will be overpopulation.</a:t>
-            </a:r>
-          </a:p>
-          <a:p>
-            <a:pPr marL="971550" lvl="1" indent="-514350"/>
-            <a:r>
-              <a:rPr lang="en-US" dirty="0"/>
-              <a:t>If N ≥ Z, then exceed carrying capacity</a:t>
-            </a:r>
-          </a:p>
-          <a:p>
-            <a:pPr marL="514350" indent="-514350">
-              <a:buFont typeface="+mj-lt"/>
-              <a:buAutoNum type="arabicPeriod" startAt="2"/>
-            </a:pPr>
-            <a:r>
-              <a:rPr lang="en-US" dirty="0"/>
-              <a:t>If not enough people do x, then there will not be overpopulation.</a:t>
-            </a:r>
-          </a:p>
-          <a:p>
-            <a:pPr marL="914400" lvl="1" indent="-514350"/>
-            <a:r>
-              <a:rPr lang="en-US" dirty="0"/>
-              <a:t>If N &lt; Z, then no overpopulation</a:t>
-            </a:r>
+          <a:bodyPr/>
+          <a:lstStyle/>
+          <a:p>
+            <a:endParaRPr lang="en-US"/>
           </a:p>
         </p:txBody>
       </p:sp>
     </p:spTree>
+    <p:extLst>
+      <p:ext uri="{BB962C8B-B14F-4D97-AF65-F5344CB8AC3E}">
+        <p14:creationId xmlns:p14="http://schemas.microsoft.com/office/powerpoint/2010/main" val="4077361648"/>
+      </p:ext>
+    </p:extLst>
   </p:cSld>
   <p:clrMapOvr>
     <a:masterClrMapping/>
@@ -12523,7 +11249,7 @@
 </file>
 
 <file path=ppt/slides/slide32.xml><?xml version="1.0" encoding="utf-8"?>
-<p:sld xmlns:a="http://schemas.openxmlformats.org/drawingml/2006/main" xmlns:r="http://schemas.openxmlformats.org/officeDocument/2006/relationships" xmlns:p="http://schemas.openxmlformats.org/presentationml/2006/main" show="0">
+<p:sld xmlns:a="http://schemas.openxmlformats.org/drawingml/2006/main" xmlns:r="http://schemas.openxmlformats.org/officeDocument/2006/relationships" xmlns:p="http://schemas.openxmlformats.org/presentationml/2006/main">
   <p:cSld>
     <p:spTree>
       <p:nvGrpSpPr>
@@ -12541,144 +11267,72 @@
       </p:grpSpPr>
       <p:sp>
         <p:nvSpPr>
-          <p:cNvPr id="32770" name="Title 1"/>
-          <p:cNvSpPr>
-            <a:spLocks noGrp="1"/>
-          </p:cNvSpPr>
-          <p:nvPr>
-            <p:ph type="title" idx="4294967295"/>
-          </p:nvPr>
-        </p:nvSpPr>
-        <p:spPr>
-          <a:xfrm>
-            <a:off x="0" y="152400"/>
-            <a:ext cx="8229600" cy="1219200"/>
-          </a:xfrm>
-        </p:spPr>
+          <p:cNvPr id="2" name="Title 1">
+            <a:extLst>
+              <a:ext uri="{FF2B5EF4-FFF2-40B4-BE49-F238E27FC236}">
+                <a16:creationId xmlns:a16="http://schemas.microsoft.com/office/drawing/2014/main" id="{EF0C1173-59EA-C644-9BA2-B292764136B9}"/>
+              </a:ext>
+            </a:extLst>
+          </p:cNvPr>
+          <p:cNvSpPr>
+            <a:spLocks noGrp="1"/>
+          </p:cNvSpPr>
+          <p:nvPr>
+            <p:ph type="title"/>
+          </p:nvPr>
+        </p:nvSpPr>
+        <p:spPr/>
         <p:txBody>
           <a:bodyPr/>
           <a:lstStyle/>
           <a:p>
-            <a:pPr eaLnBrk="1" hangingPunct="1"/>
             <a:r>
               <a:rPr lang="en-US" dirty="0"/>
-              <a:t>Prisoners’ Dilemma: Original</a:t>
-            </a:r>
-          </a:p>
-        </p:txBody>
-      </p:sp>
-      <p:pic>
-        <p:nvPicPr>
-          <p:cNvPr id="32771" name="Picture 4"/>
-          <p:cNvPicPr>
-            <a:picLocks noGrp="1" noChangeAspect="1" noChangeArrowheads="1"/>
-          </p:cNvPicPr>
-          <p:nvPr>
-            <p:ph sz="half" idx="4294967295"/>
-          </p:nvPr>
-        </p:nvPicPr>
-        <p:blipFill>
-          <a:blip r:embed="rId3"/>
-          <a:srcRect/>
-          <a:stretch>
-            <a:fillRect/>
-          </a:stretch>
-        </p:blipFill>
-        <p:spPr>
-          <a:xfrm>
-            <a:off x="0" y="1828800"/>
-            <a:ext cx="2212975" cy="2492375"/>
-          </a:xfrm>
-          <a:noFill/>
-        </p:spPr>
-      </p:pic>
-      <p:pic>
-        <p:nvPicPr>
-          <p:cNvPr id="32772" name="Picture 4"/>
-          <p:cNvPicPr>
-            <a:picLocks noGrp="1" noChangeAspect="1" noChangeArrowheads="1"/>
-          </p:cNvPicPr>
-          <p:nvPr>
-            <p:ph sz="half" idx="4294967295"/>
-          </p:nvPr>
-        </p:nvPicPr>
-        <p:blipFill>
-          <a:blip r:embed="rId3"/>
-          <a:srcRect/>
-          <a:stretch>
-            <a:fillRect/>
-          </a:stretch>
-        </p:blipFill>
-        <p:spPr>
-          <a:xfrm>
-            <a:off x="6931025" y="1987550"/>
-            <a:ext cx="2212975" cy="2492375"/>
-          </a:xfrm>
-          <a:noFill/>
-        </p:spPr>
-      </p:pic>
-      <p:sp>
-        <p:nvSpPr>
-          <p:cNvPr id="8" name="&quot;No&quot; Symbol 7"/>
-          <p:cNvSpPr>
-            <a:spLocks noChangeAspect="1"/>
-          </p:cNvSpPr>
-          <p:nvPr/>
-        </p:nvSpPr>
-        <p:spPr>
-          <a:xfrm>
-            <a:off x="5105400" y="1752600"/>
-            <a:ext cx="3090863" cy="3090863"/>
-          </a:xfrm>
-          <a:prstGeom prst="noSmoking">
-            <a:avLst/>
-          </a:prstGeom>
-          <a:solidFill>
-            <a:srgbClr val="FF0000"/>
-          </a:solidFill>
-        </p:spPr>
-        <p:style>
-          <a:lnRef idx="2">
-            <a:schemeClr val="accent1">
-              <a:shade val="50000"/>
-            </a:schemeClr>
-          </a:lnRef>
-          <a:fillRef idx="1">
-            <a:schemeClr val="accent1"/>
-          </a:fillRef>
-          <a:effectRef idx="0">
-            <a:schemeClr val="accent1"/>
-          </a:effectRef>
-          <a:fontRef idx="minor">
-            <a:schemeClr val="lt1"/>
-          </a:fontRef>
-        </p:style>
-        <p:txBody>
-          <a:bodyPr anchor="ctr"/>
-          <a:lstStyle/>
-          <a:p>
-            <a:pPr algn="ctr">
-              <a:defRPr/>
-            </a:pPr>
-            <a:endParaRPr lang="en-US">
-              <a:solidFill>
-                <a:schemeClr val="tx1"/>
-              </a:solidFill>
-            </a:endParaRPr>
+              <a:t>PAYOFF</a:t>
+            </a:r>
+          </a:p>
+        </p:txBody>
+      </p:sp>
+      <p:sp>
+        <p:nvSpPr>
+          <p:cNvPr id="3" name="Text Placeholder 2">
+            <a:extLst>
+              <a:ext uri="{FF2B5EF4-FFF2-40B4-BE49-F238E27FC236}">
+                <a16:creationId xmlns:a16="http://schemas.microsoft.com/office/drawing/2014/main" id="{B9924514-9B20-DF41-B779-7E56BA4F6CB1}"/>
+              </a:ext>
+            </a:extLst>
+          </p:cNvPr>
+          <p:cNvSpPr>
+            <a:spLocks noGrp="1"/>
+          </p:cNvSpPr>
+          <p:nvPr>
+            <p:ph type="body" idx="1"/>
+          </p:nvPr>
+        </p:nvSpPr>
+        <p:spPr/>
+        <p:txBody>
+          <a:bodyPr/>
+          <a:lstStyle/>
+          <a:p>
+            <a:endParaRPr lang="en-US"/>
           </a:p>
         </p:txBody>
       </p:sp>
     </p:spTree>
+    <p:extLst>
+      <p:ext uri="{BB962C8B-B14F-4D97-AF65-F5344CB8AC3E}">
+        <p14:creationId xmlns:p14="http://schemas.microsoft.com/office/powerpoint/2010/main" val="368323481"/>
+      </p:ext>
+    </p:extLst>
   </p:cSld>
   <p:clrMapOvr>
     <a:masterClrMapping/>
   </p:clrMapOvr>
-  <p:transition/>
 </p:sld>
 </file>
 
 <file path=ppt/slides/slide33.xml><?xml version="1.0" encoding="utf-8"?>
-<p:sld xmlns:a="http://schemas.openxmlformats.org/drawingml/2006/main" xmlns:r="http://schemas.openxmlformats.org/officeDocument/2006/relationships" xmlns:p="http://schemas.openxmlformats.org/presentationml/2006/main" show="0">
+<p:sld xmlns:a="http://schemas.openxmlformats.org/drawingml/2006/main" xmlns:r="http://schemas.openxmlformats.org/officeDocument/2006/relationships" xmlns:p="http://schemas.openxmlformats.org/presentationml/2006/main">
   <p:cSld>
     <p:spTree>
       <p:nvGrpSpPr>
@@ -12694,653 +11348,74 @@
           <a:chExt cx="0" cy="0"/>
         </a:xfrm>
       </p:grpSpPr>
-      <p:graphicFrame>
-        <p:nvGraphicFramePr>
-          <p:cNvPr id="7" name="Table 6"/>
-          <p:cNvGraphicFramePr>
-            <a:graphicFrameLocks noGrp="1"/>
-          </p:cNvGraphicFramePr>
-          <p:nvPr/>
-        </p:nvGraphicFramePr>
-        <p:xfrm>
-          <a:off x="609600" y="1397000"/>
-          <a:ext cx="8001000" cy="3997569"/>
-        </p:xfrm>
-        <a:graphic>
-          <a:graphicData uri="http://schemas.openxmlformats.org/drawingml/2006/table">
-            <a:tbl>
-              <a:tblPr firstRow="1" bandRow="1">
-                <a:tableStyleId>{5C22544A-7EE6-4342-B048-85BDC9FD1C3A}</a:tableStyleId>
-              </a:tblPr>
-              <a:tblGrid>
-                <a:gridCol w="2667000">
-                  <a:extLst>
-                    <a:ext uri="{9D8B030D-6E8A-4147-A177-3AD203B41FA5}">
-                      <a16:colId xmlns:a16="http://schemas.microsoft.com/office/drawing/2014/main" val="20000"/>
-                    </a:ext>
-                  </a:extLst>
-                </a:gridCol>
-                <a:gridCol w="2667000">
-                  <a:extLst>
-                    <a:ext uri="{9D8B030D-6E8A-4147-A177-3AD203B41FA5}">
-                      <a16:colId xmlns:a16="http://schemas.microsoft.com/office/drawing/2014/main" val="20001"/>
-                    </a:ext>
-                  </a:extLst>
-                </a:gridCol>
-                <a:gridCol w="2667000">
-                  <a:extLst>
-                    <a:ext uri="{9D8B030D-6E8A-4147-A177-3AD203B41FA5}">
-                      <a16:colId xmlns:a16="http://schemas.microsoft.com/office/drawing/2014/main" val="20002"/>
-                    </a:ext>
-                  </a:extLst>
-                </a:gridCol>
-              </a:tblGrid>
-              <a:tr h="884311">
-                <a:tc>
-                  <a:txBody>
-                    <a:bodyPr/>
-                    <a:lstStyle/>
-                    <a:p>
-                      <a:endParaRPr lang="en-US" dirty="0"/>
-                    </a:p>
-                  </a:txBody>
-                  <a:tcPr>
-                    <a:lnL w="12700" cap="flat" cmpd="sng" algn="ctr">
-                      <a:solidFill>
-                        <a:schemeClr val="tx1"/>
-                      </a:solidFill>
-                      <a:prstDash val="solid"/>
-                      <a:round/>
-                      <a:headEnd type="none" w="med" len="med"/>
-                      <a:tailEnd type="none" w="med" len="med"/>
-                    </a:lnL>
-                    <a:lnR w="12700" cap="flat" cmpd="sng" algn="ctr">
-                      <a:solidFill>
-                        <a:schemeClr val="tx1"/>
-                      </a:solidFill>
-                      <a:prstDash val="solid"/>
-                      <a:round/>
-                      <a:headEnd type="none" w="med" len="med"/>
-                      <a:tailEnd type="none" w="med" len="med"/>
-                    </a:lnR>
-                    <a:lnT w="12700" cap="flat" cmpd="sng" algn="ctr">
-                      <a:solidFill>
-                        <a:schemeClr val="tx1"/>
-                      </a:solidFill>
-                      <a:prstDash val="solid"/>
-                      <a:round/>
-                      <a:headEnd type="none" w="med" len="med"/>
-                      <a:tailEnd type="none" w="med" len="med"/>
-                    </a:lnT>
-                    <a:lnB w="12700" cap="flat" cmpd="sng" algn="ctr">
-                      <a:solidFill>
-                        <a:schemeClr val="tx1"/>
-                      </a:solidFill>
-                      <a:prstDash val="solid"/>
-                      <a:round/>
-                      <a:headEnd type="none" w="med" len="med"/>
-                      <a:tailEnd type="none" w="med" len="med"/>
-                    </a:lnB>
-                    <a:solidFill>
-                      <a:schemeClr val="bg1"/>
-                    </a:solidFill>
-                  </a:tcPr>
-                </a:tc>
-                <a:tc>
-                  <a:txBody>
-                    <a:bodyPr/>
-                    <a:lstStyle/>
-                    <a:p>
-                      <a:r>
-                        <a:rPr lang="en-US" sz="2800" baseline="0" dirty="0">
-                          <a:solidFill>
-                            <a:schemeClr val="tx1"/>
-                          </a:solidFill>
-                        </a:rPr>
-                        <a:t>Azure = Silent </a:t>
-                      </a:r>
-                    </a:p>
-                  </a:txBody>
-                  <a:tcPr>
-                    <a:lnL w="12700" cap="flat" cmpd="sng" algn="ctr">
-                      <a:solidFill>
-                        <a:schemeClr val="tx1"/>
-                      </a:solidFill>
-                      <a:prstDash val="solid"/>
-                      <a:round/>
-                      <a:headEnd type="none" w="med" len="med"/>
-                      <a:tailEnd type="none" w="med" len="med"/>
-                    </a:lnL>
-                    <a:lnR w="12700" cap="flat" cmpd="sng" algn="ctr">
-                      <a:solidFill>
-                        <a:schemeClr val="tx1"/>
-                      </a:solidFill>
-                      <a:prstDash val="solid"/>
-                      <a:round/>
-                      <a:headEnd type="none" w="med" len="med"/>
-                      <a:tailEnd type="none" w="med" len="med"/>
-                    </a:lnR>
-                    <a:lnT w="12700" cap="flat" cmpd="sng" algn="ctr">
-                      <a:solidFill>
-                        <a:schemeClr val="tx1"/>
-                      </a:solidFill>
-                      <a:prstDash val="solid"/>
-                      <a:round/>
-                      <a:headEnd type="none" w="med" len="med"/>
-                      <a:tailEnd type="none" w="med" len="med"/>
-                    </a:lnT>
-                    <a:lnB w="12700" cap="flat" cmpd="sng" algn="ctr">
-                      <a:solidFill>
-                        <a:schemeClr val="tx1"/>
-                      </a:solidFill>
-                      <a:prstDash val="solid"/>
-                      <a:round/>
-                      <a:headEnd type="none" w="med" len="med"/>
-                      <a:tailEnd type="none" w="med" len="med"/>
-                    </a:lnB>
-                    <a:noFill/>
-                  </a:tcPr>
-                </a:tc>
-                <a:tc>
-                  <a:txBody>
-                    <a:bodyPr/>
-                    <a:lstStyle/>
-                    <a:p>
-                      <a:r>
-                        <a:rPr lang="en-US" sz="2800" baseline="0" dirty="0">
-                          <a:solidFill>
-                            <a:schemeClr val="tx1"/>
-                          </a:solidFill>
-                        </a:rPr>
-                        <a:t>Azure = Rat</a:t>
-                      </a:r>
-                    </a:p>
-                  </a:txBody>
-                  <a:tcPr>
-                    <a:lnL w="12700" cap="flat" cmpd="sng" algn="ctr">
-                      <a:solidFill>
-                        <a:schemeClr val="tx1"/>
-                      </a:solidFill>
-                      <a:prstDash val="solid"/>
-                      <a:round/>
-                      <a:headEnd type="none" w="med" len="med"/>
-                      <a:tailEnd type="none" w="med" len="med"/>
-                    </a:lnL>
-                    <a:lnR w="12700" cap="flat" cmpd="sng" algn="ctr">
-                      <a:solidFill>
-                        <a:schemeClr val="tx1"/>
-                      </a:solidFill>
-                      <a:prstDash val="solid"/>
-                      <a:round/>
-                      <a:headEnd type="none" w="med" len="med"/>
-                      <a:tailEnd type="none" w="med" len="med"/>
-                    </a:lnR>
-                    <a:lnT w="12700" cap="flat" cmpd="sng" algn="ctr">
-                      <a:solidFill>
-                        <a:schemeClr val="tx1"/>
-                      </a:solidFill>
-                      <a:prstDash val="solid"/>
-                      <a:round/>
-                      <a:headEnd type="none" w="med" len="med"/>
-                      <a:tailEnd type="none" w="med" len="med"/>
-                    </a:lnT>
-                    <a:lnB w="12700" cap="flat" cmpd="sng" algn="ctr">
-                      <a:solidFill>
-                        <a:schemeClr val="tx1"/>
-                      </a:solidFill>
-                      <a:prstDash val="solid"/>
-                      <a:round/>
-                      <a:headEnd type="none" w="med" len="med"/>
-                      <a:tailEnd type="none" w="med" len="med"/>
-                    </a:lnB>
-                    <a:noFill/>
-                  </a:tcPr>
-                </a:tc>
-                <a:extLst>
-                  <a:ext uri="{0D108BD9-81ED-4DB2-BD59-A6C34878D82A}">
-                    <a16:rowId xmlns:a16="http://schemas.microsoft.com/office/drawing/2014/main" val="10000"/>
-                  </a:ext>
-                </a:extLst>
-              </a:tr>
-              <a:tr h="1526345">
-                <a:tc>
-                  <a:txBody>
-                    <a:bodyPr/>
-                    <a:lstStyle/>
-                    <a:p>
-                      <a:r>
-                        <a:rPr lang="en-US" sz="2800" b="1" dirty="0"/>
-                        <a:t>Scarlet</a:t>
-                      </a:r>
-                      <a:r>
-                        <a:rPr lang="en-US" sz="2800" b="1" baseline="0" dirty="0"/>
-                        <a:t> = Silent</a:t>
-                      </a:r>
-                      <a:endParaRPr lang="en-US" sz="2800" b="1" dirty="0"/>
-                    </a:p>
-                  </a:txBody>
-                  <a:tcPr>
-                    <a:lnL w="12700" cap="flat" cmpd="sng" algn="ctr">
-                      <a:solidFill>
-                        <a:schemeClr val="tx1"/>
-                      </a:solidFill>
-                      <a:prstDash val="solid"/>
-                      <a:round/>
-                      <a:headEnd type="none" w="med" len="med"/>
-                      <a:tailEnd type="none" w="med" len="med"/>
-                    </a:lnL>
-                    <a:lnR w="12700" cap="flat" cmpd="sng" algn="ctr">
-                      <a:solidFill>
-                        <a:schemeClr val="tx1"/>
-                      </a:solidFill>
-                      <a:prstDash val="solid"/>
-                      <a:round/>
-                      <a:headEnd type="none" w="med" len="med"/>
-                      <a:tailEnd type="none" w="med" len="med"/>
-                    </a:lnR>
-                    <a:lnT w="12700" cap="flat" cmpd="sng" algn="ctr">
-                      <a:solidFill>
-                        <a:schemeClr val="tx1"/>
-                      </a:solidFill>
-                      <a:prstDash val="solid"/>
-                      <a:round/>
-                      <a:headEnd type="none" w="med" len="med"/>
-                      <a:tailEnd type="none" w="med" len="med"/>
-                    </a:lnT>
-                    <a:lnB w="12700" cap="flat" cmpd="sng" algn="ctr">
-                      <a:solidFill>
-                        <a:schemeClr val="tx1"/>
-                      </a:solidFill>
-                      <a:prstDash val="solid"/>
-                      <a:round/>
-                      <a:headEnd type="none" w="med" len="med"/>
-                      <a:tailEnd type="none" w="med" len="med"/>
-                    </a:lnB>
-                  </a:tcPr>
-                </a:tc>
-                <a:tc>
-                  <a:txBody>
-                    <a:bodyPr/>
-                    <a:lstStyle/>
-                    <a:p>
-                      <a:r>
-                        <a:rPr lang="en-US" dirty="0"/>
-                        <a:t>Scarlet = 6</a:t>
-                      </a:r>
-                      <a:r>
-                        <a:rPr lang="en-US" baseline="0" dirty="0"/>
-                        <a:t> Months </a:t>
-                      </a:r>
-                    </a:p>
-                    <a:p>
-                      <a:r>
-                        <a:rPr lang="en-US" baseline="0" dirty="0"/>
-                        <a:t>(2</a:t>
-                      </a:r>
-                      <a:r>
-                        <a:rPr lang="en-US" baseline="30000" dirty="0"/>
-                        <a:t>nd</a:t>
-                      </a:r>
-                      <a:r>
-                        <a:rPr lang="en-US" baseline="0" dirty="0"/>
-                        <a:t> worst)</a:t>
-                      </a:r>
-                      <a:endParaRPr lang="en-US" dirty="0"/>
-                    </a:p>
-                    <a:p>
-                      <a:r>
-                        <a:rPr lang="en-US" dirty="0"/>
-                        <a:t>Azure = 6</a:t>
-                      </a:r>
-                      <a:r>
-                        <a:rPr lang="en-US" baseline="0" dirty="0"/>
-                        <a:t> Months</a:t>
-                      </a:r>
-                    </a:p>
-                    <a:p>
-                      <a:r>
-                        <a:rPr lang="en-US" baseline="0" dirty="0"/>
-                        <a:t>(2</a:t>
-                      </a:r>
-                      <a:r>
-                        <a:rPr lang="en-US" baseline="30000" dirty="0"/>
-                        <a:t>nd</a:t>
-                      </a:r>
-                      <a:r>
-                        <a:rPr lang="en-US" baseline="0" dirty="0"/>
-                        <a:t> worst)</a:t>
-                      </a:r>
-                      <a:endParaRPr lang="en-US" dirty="0"/>
-                    </a:p>
-                  </a:txBody>
-                  <a:tcPr>
-                    <a:lnL w="12700" cap="flat" cmpd="sng" algn="ctr">
-                      <a:solidFill>
-                        <a:schemeClr val="tx1"/>
-                      </a:solidFill>
-                      <a:prstDash val="solid"/>
-                      <a:round/>
-                      <a:headEnd type="none" w="med" len="med"/>
-                      <a:tailEnd type="none" w="med" len="med"/>
-                    </a:lnL>
-                    <a:lnR w="12700" cap="flat" cmpd="sng" algn="ctr">
-                      <a:solidFill>
-                        <a:schemeClr val="tx1"/>
-                      </a:solidFill>
-                      <a:prstDash val="solid"/>
-                      <a:round/>
-                      <a:headEnd type="none" w="med" len="med"/>
-                      <a:tailEnd type="none" w="med" len="med"/>
-                    </a:lnR>
-                    <a:lnT w="12700" cap="flat" cmpd="sng" algn="ctr">
-                      <a:solidFill>
-                        <a:schemeClr val="tx1"/>
-                      </a:solidFill>
-                      <a:prstDash val="solid"/>
-                      <a:round/>
-                      <a:headEnd type="none" w="med" len="med"/>
-                      <a:tailEnd type="none" w="med" len="med"/>
-                    </a:lnT>
-                    <a:lnB w="12700" cap="flat" cmpd="sng" algn="ctr">
-                      <a:solidFill>
-                        <a:schemeClr val="tx1"/>
-                      </a:solidFill>
-                      <a:prstDash val="solid"/>
-                      <a:round/>
-                      <a:headEnd type="none" w="med" len="med"/>
-                      <a:tailEnd type="none" w="med" len="med"/>
-                    </a:lnB>
-                  </a:tcPr>
-                </a:tc>
-                <a:tc>
-                  <a:txBody>
-                    <a:bodyPr/>
-                    <a:lstStyle/>
-                    <a:p>
-                      <a:r>
-                        <a:rPr lang="en-US" dirty="0"/>
-                        <a:t>Scarlet</a:t>
-                      </a:r>
-                      <a:r>
-                        <a:rPr lang="en-US" baseline="0" dirty="0"/>
-                        <a:t> = 10 years (worst)</a:t>
-                      </a:r>
-                    </a:p>
-                    <a:p>
-                      <a:r>
-                        <a:rPr lang="en-US" baseline="0" dirty="0"/>
-                        <a:t>Azure = Free (best)</a:t>
-                      </a:r>
-                      <a:endParaRPr lang="en-US" dirty="0"/>
-                    </a:p>
-                  </a:txBody>
-                  <a:tcPr>
-                    <a:lnL w="12700" cap="flat" cmpd="sng" algn="ctr">
-                      <a:solidFill>
-                        <a:schemeClr val="tx1"/>
-                      </a:solidFill>
-                      <a:prstDash val="solid"/>
-                      <a:round/>
-                      <a:headEnd type="none" w="med" len="med"/>
-                      <a:tailEnd type="none" w="med" len="med"/>
-                    </a:lnL>
-                    <a:lnR w="12700" cap="flat" cmpd="sng" algn="ctr">
-                      <a:solidFill>
-                        <a:schemeClr val="tx1"/>
-                      </a:solidFill>
-                      <a:prstDash val="solid"/>
-                      <a:round/>
-                      <a:headEnd type="none" w="med" len="med"/>
-                      <a:tailEnd type="none" w="med" len="med"/>
-                    </a:lnR>
-                    <a:lnT w="12700" cap="flat" cmpd="sng" algn="ctr">
-                      <a:solidFill>
-                        <a:schemeClr val="tx1"/>
-                      </a:solidFill>
-                      <a:prstDash val="solid"/>
-                      <a:round/>
-                      <a:headEnd type="none" w="med" len="med"/>
-                      <a:tailEnd type="none" w="med" len="med"/>
-                    </a:lnT>
-                    <a:lnB w="12700" cap="flat" cmpd="sng" algn="ctr">
-                      <a:solidFill>
-                        <a:schemeClr val="tx1"/>
-                      </a:solidFill>
-                      <a:prstDash val="solid"/>
-                      <a:round/>
-                      <a:headEnd type="none" w="med" len="med"/>
-                      <a:tailEnd type="none" w="med" len="med"/>
-                    </a:lnB>
-                  </a:tcPr>
-                </a:tc>
-                <a:extLst>
-                  <a:ext uri="{0D108BD9-81ED-4DB2-BD59-A6C34878D82A}">
-                    <a16:rowId xmlns:a16="http://schemas.microsoft.com/office/drawing/2014/main" val="10001"/>
-                  </a:ext>
-                </a:extLst>
-              </a:tr>
-              <a:tr h="1526345">
-                <a:tc>
-                  <a:txBody>
-                    <a:bodyPr/>
-                    <a:lstStyle/>
-                    <a:p>
-                      <a:r>
-                        <a:rPr lang="en-US" sz="2800" b="1" dirty="0"/>
-                        <a:t>Scarlet = Rat</a:t>
-                      </a:r>
-                    </a:p>
-                  </a:txBody>
-                  <a:tcPr>
-                    <a:lnL w="12700" cap="flat" cmpd="sng" algn="ctr">
-                      <a:solidFill>
-                        <a:schemeClr val="tx1"/>
-                      </a:solidFill>
-                      <a:prstDash val="solid"/>
-                      <a:round/>
-                      <a:headEnd type="none" w="med" len="med"/>
-                      <a:tailEnd type="none" w="med" len="med"/>
-                    </a:lnL>
-                    <a:lnR w="12700" cap="flat" cmpd="sng" algn="ctr">
-                      <a:solidFill>
-                        <a:schemeClr val="tx1"/>
-                      </a:solidFill>
-                      <a:prstDash val="solid"/>
-                      <a:round/>
-                      <a:headEnd type="none" w="med" len="med"/>
-                      <a:tailEnd type="none" w="med" len="med"/>
-                    </a:lnR>
-                    <a:lnT w="12700" cap="flat" cmpd="sng" algn="ctr">
-                      <a:solidFill>
-                        <a:schemeClr val="tx1"/>
-                      </a:solidFill>
-                      <a:prstDash val="solid"/>
-                      <a:round/>
-                      <a:headEnd type="none" w="med" len="med"/>
-                      <a:tailEnd type="none" w="med" len="med"/>
-                    </a:lnT>
-                    <a:lnB w="12700" cap="flat" cmpd="sng" algn="ctr">
-                      <a:solidFill>
-                        <a:schemeClr val="tx1"/>
-                      </a:solidFill>
-                      <a:prstDash val="solid"/>
-                      <a:round/>
-                      <a:headEnd type="none" w="med" len="med"/>
-                      <a:tailEnd type="none" w="med" len="med"/>
-                    </a:lnB>
-                  </a:tcPr>
-                </a:tc>
-                <a:tc>
-                  <a:txBody>
-                    <a:bodyPr/>
-                    <a:lstStyle/>
-                    <a:p>
-                      <a:r>
-                        <a:rPr lang="en-US" dirty="0"/>
-                        <a:t>Scarlet</a:t>
-                      </a:r>
-                      <a:r>
-                        <a:rPr lang="en-US" baseline="0" dirty="0"/>
-                        <a:t> = Free (best)</a:t>
-                      </a:r>
-                    </a:p>
-                    <a:p>
-                      <a:r>
-                        <a:rPr lang="en-US" baseline="0" dirty="0"/>
-                        <a:t>Azure = 10 years (worst)</a:t>
-                      </a:r>
-                      <a:endParaRPr lang="en-US" dirty="0"/>
-                    </a:p>
-                  </a:txBody>
-                  <a:tcPr>
-                    <a:lnL w="12700" cap="flat" cmpd="sng" algn="ctr">
-                      <a:solidFill>
-                        <a:schemeClr val="tx1"/>
-                      </a:solidFill>
-                      <a:prstDash val="solid"/>
-                      <a:round/>
-                      <a:headEnd type="none" w="med" len="med"/>
-                      <a:tailEnd type="none" w="med" len="med"/>
-                    </a:lnL>
-                    <a:lnR w="12700" cap="flat" cmpd="sng" algn="ctr">
-                      <a:solidFill>
-                        <a:schemeClr val="tx1"/>
-                      </a:solidFill>
-                      <a:prstDash val="solid"/>
-                      <a:round/>
-                      <a:headEnd type="none" w="med" len="med"/>
-                      <a:tailEnd type="none" w="med" len="med"/>
-                    </a:lnR>
-                    <a:lnT w="12700" cap="flat" cmpd="sng" algn="ctr">
-                      <a:solidFill>
-                        <a:schemeClr val="tx1"/>
-                      </a:solidFill>
-                      <a:prstDash val="solid"/>
-                      <a:round/>
-                      <a:headEnd type="none" w="med" len="med"/>
-                      <a:tailEnd type="none" w="med" len="med"/>
-                    </a:lnT>
-                    <a:lnB w="12700" cap="flat" cmpd="sng" algn="ctr">
-                      <a:solidFill>
-                        <a:schemeClr val="tx1"/>
-                      </a:solidFill>
-                      <a:prstDash val="solid"/>
-                      <a:round/>
-                      <a:headEnd type="none" w="med" len="med"/>
-                      <a:tailEnd type="none" w="med" len="med"/>
-                    </a:lnB>
-                  </a:tcPr>
-                </a:tc>
-                <a:tc>
-                  <a:txBody>
-                    <a:bodyPr/>
-                    <a:lstStyle/>
-                    <a:p>
-                      <a:r>
-                        <a:rPr lang="en-US" dirty="0"/>
-                        <a:t>Scarlet =</a:t>
-                      </a:r>
-                      <a:r>
-                        <a:rPr lang="en-US" baseline="0" dirty="0"/>
-                        <a:t> 2 years </a:t>
-                      </a:r>
-                    </a:p>
-                    <a:p>
-                      <a:r>
-                        <a:rPr lang="en-US" baseline="0" dirty="0"/>
-                        <a:t>(2</a:t>
-                      </a:r>
-                      <a:r>
-                        <a:rPr lang="en-US" baseline="30000" dirty="0"/>
-                        <a:t>nd</a:t>
-                      </a:r>
-                      <a:r>
-                        <a:rPr lang="en-US" baseline="0" dirty="0"/>
-                        <a:t> best)</a:t>
-                      </a:r>
-                    </a:p>
-                    <a:p>
-                      <a:r>
-                        <a:rPr lang="en-US" baseline="0" dirty="0"/>
-                        <a:t>Azure = 2 years</a:t>
-                      </a:r>
-                    </a:p>
-                    <a:p>
-                      <a:r>
-                        <a:rPr lang="en-US" baseline="0" dirty="0"/>
-                        <a:t>(2</a:t>
-                      </a:r>
-                      <a:r>
-                        <a:rPr lang="en-US" baseline="30000" dirty="0"/>
-                        <a:t>nd</a:t>
-                      </a:r>
-                      <a:r>
-                        <a:rPr lang="en-US" baseline="0" dirty="0"/>
-                        <a:t> best)</a:t>
-                      </a:r>
-                      <a:endParaRPr lang="en-US" dirty="0"/>
-                    </a:p>
-                  </a:txBody>
-                  <a:tcPr>
-                    <a:lnL w="12700" cap="flat" cmpd="sng" algn="ctr">
-                      <a:solidFill>
-                        <a:schemeClr val="tx1"/>
-                      </a:solidFill>
-                      <a:prstDash val="solid"/>
-                      <a:round/>
-                      <a:headEnd type="none" w="med" len="med"/>
-                      <a:tailEnd type="none" w="med" len="med"/>
-                    </a:lnL>
-                    <a:lnR w="12700" cap="flat" cmpd="sng" algn="ctr">
-                      <a:solidFill>
-                        <a:schemeClr val="tx1"/>
-                      </a:solidFill>
-                      <a:prstDash val="solid"/>
-                      <a:round/>
-                      <a:headEnd type="none" w="med" len="med"/>
-                      <a:tailEnd type="none" w="med" len="med"/>
-                    </a:lnR>
-                    <a:lnT w="12700" cap="flat" cmpd="sng" algn="ctr">
-                      <a:solidFill>
-                        <a:schemeClr val="tx1"/>
-                      </a:solidFill>
-                      <a:prstDash val="solid"/>
-                      <a:round/>
-                      <a:headEnd type="none" w="med" len="med"/>
-                      <a:tailEnd type="none" w="med" len="med"/>
-                    </a:lnT>
-                    <a:lnB w="12700" cap="flat" cmpd="sng" algn="ctr">
-                      <a:solidFill>
-                        <a:schemeClr val="tx1"/>
-                      </a:solidFill>
-                      <a:prstDash val="solid"/>
-                      <a:round/>
-                      <a:headEnd type="none" w="med" len="med"/>
-                      <a:tailEnd type="none" w="med" len="med"/>
-                    </a:lnB>
-                  </a:tcPr>
-                </a:tc>
-                <a:extLst>
-                  <a:ext uri="{0D108BD9-81ED-4DB2-BD59-A6C34878D82A}">
-                    <a16:rowId xmlns:a16="http://schemas.microsoft.com/office/drawing/2014/main" val="10002"/>
-                  </a:ext>
-                </a:extLst>
-              </a:tr>
-            </a:tbl>
-          </a:graphicData>
-        </a:graphic>
-      </p:graphicFrame>
+      <p:sp>
+        <p:nvSpPr>
+          <p:cNvPr id="2" name="Title 1">
+            <a:extLst>
+              <a:ext uri="{FF2B5EF4-FFF2-40B4-BE49-F238E27FC236}">
+                <a16:creationId xmlns:a16="http://schemas.microsoft.com/office/drawing/2014/main" id="{77ADA344-B39C-1E44-ADE4-EFCD2A279E75}"/>
+              </a:ext>
+            </a:extLst>
+          </p:cNvPr>
+          <p:cNvSpPr>
+            <a:spLocks noGrp="1"/>
+          </p:cNvSpPr>
+          <p:nvPr>
+            <p:ph type="title"/>
+          </p:nvPr>
+        </p:nvSpPr>
+        <p:spPr/>
+        <p:txBody>
+          <a:bodyPr/>
+          <a:lstStyle/>
+          <a:p>
+            <a:r>
+              <a:rPr lang="en-US" dirty="0"/>
+              <a:t>STRUCTURE</a:t>
+            </a:r>
+          </a:p>
+        </p:txBody>
+      </p:sp>
+      <p:sp>
+        <p:nvSpPr>
+          <p:cNvPr id="3" name="Text Placeholder 2">
+            <a:extLst>
+              <a:ext uri="{FF2B5EF4-FFF2-40B4-BE49-F238E27FC236}">
+                <a16:creationId xmlns:a16="http://schemas.microsoft.com/office/drawing/2014/main" id="{9AB4D388-9106-8D4E-9C82-4BD7EEF16BE9}"/>
+              </a:ext>
+            </a:extLst>
+          </p:cNvPr>
+          <p:cNvSpPr>
+            <a:spLocks noGrp="1"/>
+          </p:cNvSpPr>
+          <p:nvPr>
+            <p:ph type="body" idx="1"/>
+          </p:nvPr>
+        </p:nvSpPr>
+        <p:spPr/>
+        <p:txBody>
+          <a:bodyPr/>
+          <a:lstStyle/>
+          <a:p>
+            <a:endParaRPr lang="en-US"/>
+          </a:p>
+        </p:txBody>
+      </p:sp>
     </p:spTree>
+    <p:extLst>
+      <p:ext uri="{BB962C8B-B14F-4D97-AF65-F5344CB8AC3E}">
+        <p14:creationId xmlns:p14="http://schemas.microsoft.com/office/powerpoint/2010/main" val="565600873"/>
+      </p:ext>
+    </p:extLst>
   </p:cSld>
   <p:clrMapOvr>
     <a:masterClrMapping/>
   </p:clrMapOvr>
-  <p:transition/>
 </p:sld>
 </file>
 
 <file path=ppt/slides/slide34.xml><?xml version="1.0" encoding="utf-8"?>
-<p:sld xmlns:a="http://schemas.openxmlformats.org/drawingml/2006/main" xmlns:r="http://schemas.openxmlformats.org/officeDocument/2006/relationships" xmlns:p="http://schemas.openxmlformats.org/presentationml/2006/main" show="0">
+<p:sld xmlns:a="http://schemas.openxmlformats.org/drawingml/2006/main" xmlns:r="http://schemas.openxmlformats.org/officeDocument/2006/relationships" xmlns:p="http://schemas.openxmlformats.org/presentationml/2006/main">
   <p:cSld>
     <p:spTree>
       <p:nvGrpSpPr>
@@ -13358,1838 +11433,109 @@
       </p:grpSpPr>
       <p:sp>
         <p:nvSpPr>
-          <p:cNvPr id="32770" name="Title 1"/>
-          <p:cNvSpPr>
-            <a:spLocks noGrp="1"/>
-          </p:cNvSpPr>
-          <p:nvPr>
-            <p:ph type="title" idx="4294967295"/>
-          </p:nvPr>
-        </p:nvSpPr>
-        <p:spPr>
-          <a:xfrm>
-            <a:off x="0" y="152400"/>
-            <a:ext cx="8229600" cy="1219200"/>
-          </a:xfrm>
-        </p:spPr>
+          <p:cNvPr id="4" name="Title 3">
+            <a:extLst>
+              <a:ext uri="{FF2B5EF4-FFF2-40B4-BE49-F238E27FC236}">
+                <a16:creationId xmlns:a16="http://schemas.microsoft.com/office/drawing/2014/main" id="{74B592D1-6968-8F44-BC7E-957A1A705A48}"/>
+              </a:ext>
+            </a:extLst>
+          </p:cNvPr>
+          <p:cNvSpPr>
+            <a:spLocks noGrp="1"/>
+          </p:cNvSpPr>
+          <p:nvPr>
+            <p:ph type="title"/>
+          </p:nvPr>
+        </p:nvSpPr>
+        <p:spPr/>
         <p:txBody>
           <a:bodyPr/>
           <a:lstStyle/>
           <a:p>
-            <a:pPr eaLnBrk="1" hangingPunct="1"/>
             <a:r>
               <a:rPr lang="en-US" dirty="0"/>
-              <a:t>Prisoners’ Dilemma: tricky</a:t>
-            </a:r>
-          </a:p>
-        </p:txBody>
-      </p:sp>
-      <p:pic>
-        <p:nvPicPr>
-          <p:cNvPr id="32771" name="Picture 4"/>
-          <p:cNvPicPr>
-            <a:picLocks noGrp="1" noChangeAspect="1" noChangeArrowheads="1"/>
-          </p:cNvPicPr>
-          <p:nvPr>
-            <p:ph sz="half" idx="4294967295"/>
-          </p:nvPr>
-        </p:nvPicPr>
-        <p:blipFill>
-          <a:blip r:embed="rId3"/>
-          <a:srcRect/>
-          <a:stretch>
-            <a:fillRect/>
-          </a:stretch>
-        </p:blipFill>
-        <p:spPr>
-          <a:xfrm>
-            <a:off x="0" y="2076450"/>
-            <a:ext cx="2212975" cy="2492375"/>
-          </a:xfrm>
-          <a:noFill/>
-        </p:spPr>
-      </p:pic>
-      <p:pic>
-        <p:nvPicPr>
-          <p:cNvPr id="32772" name="Picture 4"/>
-          <p:cNvPicPr>
-            <a:picLocks noGrp="1" noChangeAspect="1" noChangeArrowheads="1"/>
-          </p:cNvPicPr>
-          <p:nvPr>
-            <p:ph sz="half" idx="4294967295"/>
-          </p:nvPr>
-        </p:nvPicPr>
-        <p:blipFill>
-          <a:blip r:embed="rId3"/>
-          <a:srcRect/>
-          <a:stretch>
-            <a:fillRect/>
-          </a:stretch>
-        </p:blipFill>
-        <p:spPr>
-          <a:xfrm>
-            <a:off x="6931025" y="2076450"/>
-            <a:ext cx="2212975" cy="2492375"/>
-          </a:xfrm>
-          <a:noFill/>
-        </p:spPr>
-      </p:pic>
-      <p:sp>
-        <p:nvSpPr>
-          <p:cNvPr id="8" name="&quot;No&quot; Symbol 7"/>
-          <p:cNvSpPr>
-            <a:spLocks noChangeAspect="1"/>
-          </p:cNvSpPr>
-          <p:nvPr/>
-        </p:nvSpPr>
-        <p:spPr>
-          <a:xfrm>
-            <a:off x="5105400" y="1752600"/>
-            <a:ext cx="3090863" cy="3090863"/>
-          </a:xfrm>
-          <a:prstGeom prst="noSmoking">
-            <a:avLst/>
-          </a:prstGeom>
-          <a:solidFill>
-            <a:srgbClr val="FF0000"/>
-          </a:solidFill>
-        </p:spPr>
-        <p:style>
-          <a:lnRef idx="2">
-            <a:schemeClr val="accent1">
-              <a:shade val="50000"/>
-            </a:schemeClr>
-          </a:lnRef>
-          <a:fillRef idx="1">
-            <a:schemeClr val="accent1"/>
-          </a:fillRef>
-          <a:effectRef idx="0">
-            <a:schemeClr val="accent1"/>
-          </a:effectRef>
-          <a:fontRef idx="minor">
-            <a:schemeClr val="lt1"/>
-          </a:fontRef>
-        </p:style>
-        <p:txBody>
-          <a:bodyPr anchor="ctr"/>
-          <a:lstStyle/>
-          <a:p>
-            <a:pPr algn="ctr">
-              <a:defRPr/>
-            </a:pPr>
-            <a:endParaRPr lang="en-US">
-              <a:solidFill>
-                <a:schemeClr val="tx1"/>
-              </a:solidFill>
-            </a:endParaRPr>
+              <a:t>Other (optional) related stuff</a:t>
+            </a:r>
+          </a:p>
+        </p:txBody>
+      </p:sp>
+      <p:sp>
+        <p:nvSpPr>
+          <p:cNvPr id="5" name="Content Placeholder 4">
+            <a:extLst>
+              <a:ext uri="{FF2B5EF4-FFF2-40B4-BE49-F238E27FC236}">
+                <a16:creationId xmlns:a16="http://schemas.microsoft.com/office/drawing/2014/main" id="{D8CBA14E-FE9A-0D4D-A83D-89FE79E1A00E}"/>
+              </a:ext>
+            </a:extLst>
+          </p:cNvPr>
+          <p:cNvSpPr>
+            <a:spLocks noGrp="1"/>
+          </p:cNvSpPr>
+          <p:nvPr>
+            <p:ph idx="1"/>
+          </p:nvPr>
+        </p:nvSpPr>
+        <p:spPr/>
+        <p:txBody>
+          <a:bodyPr/>
+          <a:lstStyle/>
+          <a:p>
+            <a:r>
+              <a:rPr lang="en-US" dirty="0"/>
+              <a:t>Play an iterated prisoners’ dilemma</a:t>
+            </a:r>
+          </a:p>
+          <a:p>
+            <a:pPr lvl="1"/>
+            <a:r>
+              <a:rPr lang="en-US" dirty="0">
+                <a:hlinkClick r:id="rId2"/>
+              </a:rPr>
+              <a:t>https://serendipstudio.org/playground/pd.html</a:t>
+            </a:r>
+            <a:endParaRPr lang="en-US" dirty="0"/>
+          </a:p>
+          <a:p>
+            <a:r>
+              <a:rPr lang="en-US" dirty="0"/>
+              <a:t>NPR story on prisoners’ dilemmas</a:t>
+            </a:r>
+          </a:p>
+          <a:p>
+            <a:pPr lvl="1"/>
+            <a:r>
+              <a:rPr lang="en-US" dirty="0"/>
+              <a:t>https://</a:t>
+            </a:r>
+            <a:r>
+              <a:rPr lang="en-US" dirty="0" err="1"/>
+              <a:t>www.wnycstudios.org</a:t>
+            </a:r>
+            <a:r>
+              <a:rPr lang="en-US" dirty="0"/>
+              <a:t>/podcasts/</a:t>
+            </a:r>
+            <a:r>
+              <a:rPr lang="en-US" dirty="0" err="1"/>
+              <a:t>radiolab</a:t>
+            </a:r>
+            <a:r>
+              <a:rPr lang="en-US" dirty="0"/>
+              <a:t>/segments/104010-one-good-deed-deserves-another</a:t>
+            </a:r>
           </a:p>
         </p:txBody>
       </p:sp>
     </p:spTree>
+    <p:extLst>
+      <p:ext uri="{BB962C8B-B14F-4D97-AF65-F5344CB8AC3E}">
+        <p14:creationId xmlns:p14="http://schemas.microsoft.com/office/powerpoint/2010/main" val="3560458074"/>
+      </p:ext>
+    </p:extLst>
   </p:cSld>
   <p:clrMapOvr>
     <a:masterClrMapping/>
   </p:clrMapOvr>
-  <p:transition/>
-</p:sld>
-</file>
-
-<file path=ppt/slides/slide35.xml><?xml version="1.0" encoding="utf-8"?>
-<p:sld xmlns:a="http://schemas.openxmlformats.org/drawingml/2006/main" xmlns:r="http://schemas.openxmlformats.org/officeDocument/2006/relationships" xmlns:p="http://schemas.openxmlformats.org/presentationml/2006/main" show="0">
-  <p:cSld>
-    <p:spTree>
-      <p:nvGrpSpPr>
-        <p:cNvPr id="1" name=""/>
-        <p:cNvGrpSpPr/>
-        <p:nvPr/>
-      </p:nvGrpSpPr>
-      <p:grpSpPr>
-        <a:xfrm>
-          <a:off x="0" y="0"/>
-          <a:ext cx="0" cy="0"/>
-          <a:chOff x="0" y="0"/>
-          <a:chExt cx="0" cy="0"/>
-        </a:xfrm>
-      </p:grpSpPr>
-      <p:graphicFrame>
-        <p:nvGraphicFramePr>
-          <p:cNvPr id="7" name="Table 6"/>
-          <p:cNvGraphicFramePr>
-            <a:graphicFrameLocks noGrp="1"/>
-          </p:cNvGraphicFramePr>
-          <p:nvPr/>
-        </p:nvGraphicFramePr>
-        <p:xfrm>
-          <a:off x="609600" y="1397000"/>
-          <a:ext cx="8001000" cy="3997569"/>
-        </p:xfrm>
-        <a:graphic>
-          <a:graphicData uri="http://schemas.openxmlformats.org/drawingml/2006/table">
-            <a:tbl>
-              <a:tblPr firstRow="1" bandRow="1">
-                <a:tableStyleId>{5C22544A-7EE6-4342-B048-85BDC9FD1C3A}</a:tableStyleId>
-              </a:tblPr>
-              <a:tblGrid>
-                <a:gridCol w="2667000">
-                  <a:extLst>
-                    <a:ext uri="{9D8B030D-6E8A-4147-A177-3AD203B41FA5}">
-                      <a16:colId xmlns:a16="http://schemas.microsoft.com/office/drawing/2014/main" val="20000"/>
-                    </a:ext>
-                  </a:extLst>
-                </a:gridCol>
-                <a:gridCol w="2667000">
-                  <a:extLst>
-                    <a:ext uri="{9D8B030D-6E8A-4147-A177-3AD203B41FA5}">
-                      <a16:colId xmlns:a16="http://schemas.microsoft.com/office/drawing/2014/main" val="20001"/>
-                    </a:ext>
-                  </a:extLst>
-                </a:gridCol>
-                <a:gridCol w="2667000">
-                  <a:extLst>
-                    <a:ext uri="{9D8B030D-6E8A-4147-A177-3AD203B41FA5}">
-                      <a16:colId xmlns:a16="http://schemas.microsoft.com/office/drawing/2014/main" val="20002"/>
-                    </a:ext>
-                  </a:extLst>
-                </a:gridCol>
-              </a:tblGrid>
-              <a:tr h="884311">
-                <a:tc>
-                  <a:txBody>
-                    <a:bodyPr/>
-                    <a:lstStyle/>
-                    <a:p>
-                      <a:endParaRPr lang="en-US" dirty="0"/>
-                    </a:p>
-                  </a:txBody>
-                  <a:tcPr>
-                    <a:lnL w="12700" cap="flat" cmpd="sng" algn="ctr">
-                      <a:solidFill>
-                        <a:schemeClr val="tx1"/>
-                      </a:solidFill>
-                      <a:prstDash val="solid"/>
-                      <a:round/>
-                      <a:headEnd type="none" w="med" len="med"/>
-                      <a:tailEnd type="none" w="med" len="med"/>
-                    </a:lnL>
-                    <a:lnR w="12700" cap="flat" cmpd="sng" algn="ctr">
-                      <a:solidFill>
-                        <a:schemeClr val="tx1"/>
-                      </a:solidFill>
-                      <a:prstDash val="solid"/>
-                      <a:round/>
-                      <a:headEnd type="none" w="med" len="med"/>
-                      <a:tailEnd type="none" w="med" len="med"/>
-                    </a:lnR>
-                    <a:lnT w="12700" cap="flat" cmpd="sng" algn="ctr">
-                      <a:solidFill>
-                        <a:schemeClr val="tx1"/>
-                      </a:solidFill>
-                      <a:prstDash val="solid"/>
-                      <a:round/>
-                      <a:headEnd type="none" w="med" len="med"/>
-                      <a:tailEnd type="none" w="med" len="med"/>
-                    </a:lnT>
-                    <a:lnB w="12700" cap="flat" cmpd="sng" algn="ctr">
-                      <a:solidFill>
-                        <a:schemeClr val="tx1"/>
-                      </a:solidFill>
-                      <a:prstDash val="solid"/>
-                      <a:round/>
-                      <a:headEnd type="none" w="med" len="med"/>
-                      <a:tailEnd type="none" w="med" len="med"/>
-                    </a:lnB>
-                    <a:solidFill>
-                      <a:schemeClr val="bg1"/>
-                    </a:solidFill>
-                  </a:tcPr>
-                </a:tc>
-                <a:tc>
-                  <a:txBody>
-                    <a:bodyPr/>
-                    <a:lstStyle/>
-                    <a:p>
-                      <a:r>
-                        <a:rPr lang="en-US" sz="2800" baseline="0" dirty="0">
-                          <a:solidFill>
-                            <a:schemeClr val="tx1"/>
-                          </a:solidFill>
-                        </a:rPr>
-                        <a:t>Azure = Silent </a:t>
-                      </a:r>
-                    </a:p>
-                  </a:txBody>
-                  <a:tcPr>
-                    <a:lnL w="12700" cap="flat" cmpd="sng" algn="ctr">
-                      <a:solidFill>
-                        <a:schemeClr val="tx1"/>
-                      </a:solidFill>
-                      <a:prstDash val="solid"/>
-                      <a:round/>
-                      <a:headEnd type="none" w="med" len="med"/>
-                      <a:tailEnd type="none" w="med" len="med"/>
-                    </a:lnL>
-                    <a:lnR w="12700" cap="flat" cmpd="sng" algn="ctr">
-                      <a:solidFill>
-                        <a:schemeClr val="tx1"/>
-                      </a:solidFill>
-                      <a:prstDash val="solid"/>
-                      <a:round/>
-                      <a:headEnd type="none" w="med" len="med"/>
-                      <a:tailEnd type="none" w="med" len="med"/>
-                    </a:lnR>
-                    <a:lnT w="12700" cap="flat" cmpd="sng" algn="ctr">
-                      <a:solidFill>
-                        <a:schemeClr val="tx1"/>
-                      </a:solidFill>
-                      <a:prstDash val="solid"/>
-                      <a:round/>
-                      <a:headEnd type="none" w="med" len="med"/>
-                      <a:tailEnd type="none" w="med" len="med"/>
-                    </a:lnT>
-                    <a:lnB w="12700" cap="flat" cmpd="sng" algn="ctr">
-                      <a:solidFill>
-                        <a:schemeClr val="tx1"/>
-                      </a:solidFill>
-                      <a:prstDash val="solid"/>
-                      <a:round/>
-                      <a:headEnd type="none" w="med" len="med"/>
-                      <a:tailEnd type="none" w="med" len="med"/>
-                    </a:lnB>
-                    <a:noFill/>
-                  </a:tcPr>
-                </a:tc>
-                <a:tc>
-                  <a:txBody>
-                    <a:bodyPr/>
-                    <a:lstStyle/>
-                    <a:p>
-                      <a:r>
-                        <a:rPr lang="en-US" sz="2800" baseline="0" dirty="0">
-                          <a:solidFill>
-                            <a:schemeClr val="tx1"/>
-                          </a:solidFill>
-                        </a:rPr>
-                        <a:t>Azure = Rat</a:t>
-                      </a:r>
-                    </a:p>
-                  </a:txBody>
-                  <a:tcPr>
-                    <a:lnL w="12700" cap="flat" cmpd="sng" algn="ctr">
-                      <a:solidFill>
-                        <a:schemeClr val="tx1"/>
-                      </a:solidFill>
-                      <a:prstDash val="solid"/>
-                      <a:round/>
-                      <a:headEnd type="none" w="med" len="med"/>
-                      <a:tailEnd type="none" w="med" len="med"/>
-                    </a:lnL>
-                    <a:lnR w="12700" cap="flat" cmpd="sng" algn="ctr">
-                      <a:solidFill>
-                        <a:schemeClr val="tx1"/>
-                      </a:solidFill>
-                      <a:prstDash val="solid"/>
-                      <a:round/>
-                      <a:headEnd type="none" w="med" len="med"/>
-                      <a:tailEnd type="none" w="med" len="med"/>
-                    </a:lnR>
-                    <a:lnT w="12700" cap="flat" cmpd="sng" algn="ctr">
-                      <a:solidFill>
-                        <a:schemeClr val="tx1"/>
-                      </a:solidFill>
-                      <a:prstDash val="solid"/>
-                      <a:round/>
-                      <a:headEnd type="none" w="med" len="med"/>
-                      <a:tailEnd type="none" w="med" len="med"/>
-                    </a:lnT>
-                    <a:lnB w="12700" cap="flat" cmpd="sng" algn="ctr">
-                      <a:solidFill>
-                        <a:schemeClr val="tx1"/>
-                      </a:solidFill>
-                      <a:prstDash val="solid"/>
-                      <a:round/>
-                      <a:headEnd type="none" w="med" len="med"/>
-                      <a:tailEnd type="none" w="med" len="med"/>
-                    </a:lnB>
-                    <a:noFill/>
-                  </a:tcPr>
-                </a:tc>
-                <a:extLst>
-                  <a:ext uri="{0D108BD9-81ED-4DB2-BD59-A6C34878D82A}">
-                    <a16:rowId xmlns:a16="http://schemas.microsoft.com/office/drawing/2014/main" val="10000"/>
-                  </a:ext>
-                </a:extLst>
-              </a:tr>
-              <a:tr h="1526345">
-                <a:tc>
-                  <a:txBody>
-                    <a:bodyPr/>
-                    <a:lstStyle/>
-                    <a:p>
-                      <a:r>
-                        <a:rPr lang="en-US" sz="2800" b="1" dirty="0"/>
-                        <a:t>Scarlet</a:t>
-                      </a:r>
-                      <a:r>
-                        <a:rPr lang="en-US" sz="2800" b="1" baseline="0" dirty="0"/>
-                        <a:t> = Silent</a:t>
-                      </a:r>
-                      <a:endParaRPr lang="en-US" sz="2800" b="1" dirty="0"/>
-                    </a:p>
-                  </a:txBody>
-                  <a:tcPr>
-                    <a:lnL w="12700" cap="flat" cmpd="sng" algn="ctr">
-                      <a:solidFill>
-                        <a:schemeClr val="tx1"/>
-                      </a:solidFill>
-                      <a:prstDash val="solid"/>
-                      <a:round/>
-                      <a:headEnd type="none" w="med" len="med"/>
-                      <a:tailEnd type="none" w="med" len="med"/>
-                    </a:lnL>
-                    <a:lnR w="12700" cap="flat" cmpd="sng" algn="ctr">
-                      <a:solidFill>
-                        <a:schemeClr val="tx1"/>
-                      </a:solidFill>
-                      <a:prstDash val="solid"/>
-                      <a:round/>
-                      <a:headEnd type="none" w="med" len="med"/>
-                      <a:tailEnd type="none" w="med" len="med"/>
-                    </a:lnR>
-                    <a:lnT w="12700" cap="flat" cmpd="sng" algn="ctr">
-                      <a:solidFill>
-                        <a:schemeClr val="tx1"/>
-                      </a:solidFill>
-                      <a:prstDash val="solid"/>
-                      <a:round/>
-                      <a:headEnd type="none" w="med" len="med"/>
-                      <a:tailEnd type="none" w="med" len="med"/>
-                    </a:lnT>
-                    <a:lnB w="12700" cap="flat" cmpd="sng" algn="ctr">
-                      <a:solidFill>
-                        <a:schemeClr val="tx1"/>
-                      </a:solidFill>
-                      <a:prstDash val="solid"/>
-                      <a:round/>
-                      <a:headEnd type="none" w="med" len="med"/>
-                      <a:tailEnd type="none" w="med" len="med"/>
-                    </a:lnB>
-                  </a:tcPr>
-                </a:tc>
-                <a:tc>
-                  <a:txBody>
-                    <a:bodyPr/>
-                    <a:lstStyle/>
-                    <a:p>
-                      <a:r>
-                        <a:rPr lang="en-US" dirty="0"/>
-                        <a:t>Scarlet = 5</a:t>
-                      </a:r>
-                      <a:r>
-                        <a:rPr lang="en-US" baseline="0" dirty="0"/>
-                        <a:t> years</a:t>
-                      </a:r>
-                      <a:endParaRPr lang="en-US" dirty="0"/>
-                    </a:p>
-                    <a:p>
-                      <a:r>
-                        <a:rPr lang="en-US" dirty="0"/>
-                        <a:t>Azure = 5 years</a:t>
-                      </a:r>
-                    </a:p>
-                  </a:txBody>
-                  <a:tcPr>
-                    <a:lnL w="12700" cap="flat" cmpd="sng" algn="ctr">
-                      <a:solidFill>
-                        <a:schemeClr val="tx1"/>
-                      </a:solidFill>
-                      <a:prstDash val="solid"/>
-                      <a:round/>
-                      <a:headEnd type="none" w="med" len="med"/>
-                      <a:tailEnd type="none" w="med" len="med"/>
-                    </a:lnL>
-                    <a:lnR w="12700" cap="flat" cmpd="sng" algn="ctr">
-                      <a:solidFill>
-                        <a:schemeClr val="tx1"/>
-                      </a:solidFill>
-                      <a:prstDash val="solid"/>
-                      <a:round/>
-                      <a:headEnd type="none" w="med" len="med"/>
-                      <a:tailEnd type="none" w="med" len="med"/>
-                    </a:lnR>
-                    <a:lnT w="12700" cap="flat" cmpd="sng" algn="ctr">
-                      <a:solidFill>
-                        <a:schemeClr val="tx1"/>
-                      </a:solidFill>
-                      <a:prstDash val="solid"/>
-                      <a:round/>
-                      <a:headEnd type="none" w="med" len="med"/>
-                      <a:tailEnd type="none" w="med" len="med"/>
-                    </a:lnT>
-                    <a:lnB w="12700" cap="flat" cmpd="sng" algn="ctr">
-                      <a:solidFill>
-                        <a:schemeClr val="tx1"/>
-                      </a:solidFill>
-                      <a:prstDash val="solid"/>
-                      <a:round/>
-                      <a:headEnd type="none" w="med" len="med"/>
-                      <a:tailEnd type="none" w="med" len="med"/>
-                    </a:lnB>
-                  </a:tcPr>
-                </a:tc>
-                <a:tc>
-                  <a:txBody>
-                    <a:bodyPr/>
-                    <a:lstStyle/>
-                    <a:p>
-                      <a:r>
-                        <a:rPr lang="en-US" dirty="0"/>
-                        <a:t>Scarlet</a:t>
-                      </a:r>
-                      <a:r>
-                        <a:rPr lang="en-US" baseline="0" dirty="0"/>
-                        <a:t> = 10 years</a:t>
-                      </a:r>
-                    </a:p>
-                    <a:p>
-                      <a:r>
-                        <a:rPr lang="en-US" baseline="0" dirty="0"/>
-                        <a:t>Azure = 1 year</a:t>
-                      </a:r>
-                      <a:endParaRPr lang="en-US" dirty="0"/>
-                    </a:p>
-                  </a:txBody>
-                  <a:tcPr>
-                    <a:lnL w="12700" cap="flat" cmpd="sng" algn="ctr">
-                      <a:solidFill>
-                        <a:schemeClr val="tx1"/>
-                      </a:solidFill>
-                      <a:prstDash val="solid"/>
-                      <a:round/>
-                      <a:headEnd type="none" w="med" len="med"/>
-                      <a:tailEnd type="none" w="med" len="med"/>
-                    </a:lnL>
-                    <a:lnR w="12700" cap="flat" cmpd="sng" algn="ctr">
-                      <a:solidFill>
-                        <a:schemeClr val="tx1"/>
-                      </a:solidFill>
-                      <a:prstDash val="solid"/>
-                      <a:round/>
-                      <a:headEnd type="none" w="med" len="med"/>
-                      <a:tailEnd type="none" w="med" len="med"/>
-                    </a:lnR>
-                    <a:lnT w="12700" cap="flat" cmpd="sng" algn="ctr">
-                      <a:solidFill>
-                        <a:schemeClr val="tx1"/>
-                      </a:solidFill>
-                      <a:prstDash val="solid"/>
-                      <a:round/>
-                      <a:headEnd type="none" w="med" len="med"/>
-                      <a:tailEnd type="none" w="med" len="med"/>
-                    </a:lnT>
-                    <a:lnB w="12700" cap="flat" cmpd="sng" algn="ctr">
-                      <a:solidFill>
-                        <a:schemeClr val="tx1"/>
-                      </a:solidFill>
-                      <a:prstDash val="solid"/>
-                      <a:round/>
-                      <a:headEnd type="none" w="med" len="med"/>
-                      <a:tailEnd type="none" w="med" len="med"/>
-                    </a:lnB>
-                  </a:tcPr>
-                </a:tc>
-                <a:extLst>
-                  <a:ext uri="{0D108BD9-81ED-4DB2-BD59-A6C34878D82A}">
-                    <a16:rowId xmlns:a16="http://schemas.microsoft.com/office/drawing/2014/main" val="10001"/>
-                  </a:ext>
-                </a:extLst>
-              </a:tr>
-              <a:tr h="1526345">
-                <a:tc>
-                  <a:txBody>
-                    <a:bodyPr/>
-                    <a:lstStyle/>
-                    <a:p>
-                      <a:r>
-                        <a:rPr lang="en-US" sz="2800" b="1" dirty="0"/>
-                        <a:t>Scarlet = Rat</a:t>
-                      </a:r>
-                    </a:p>
-                  </a:txBody>
-                  <a:tcPr>
-                    <a:lnL w="12700" cap="flat" cmpd="sng" algn="ctr">
-                      <a:solidFill>
-                        <a:schemeClr val="tx1"/>
-                      </a:solidFill>
-                      <a:prstDash val="solid"/>
-                      <a:round/>
-                      <a:headEnd type="none" w="med" len="med"/>
-                      <a:tailEnd type="none" w="med" len="med"/>
-                    </a:lnL>
-                    <a:lnR w="12700" cap="flat" cmpd="sng" algn="ctr">
-                      <a:solidFill>
-                        <a:schemeClr val="tx1"/>
-                      </a:solidFill>
-                      <a:prstDash val="solid"/>
-                      <a:round/>
-                      <a:headEnd type="none" w="med" len="med"/>
-                      <a:tailEnd type="none" w="med" len="med"/>
-                    </a:lnR>
-                    <a:lnT w="12700" cap="flat" cmpd="sng" algn="ctr">
-                      <a:solidFill>
-                        <a:schemeClr val="tx1"/>
-                      </a:solidFill>
-                      <a:prstDash val="solid"/>
-                      <a:round/>
-                      <a:headEnd type="none" w="med" len="med"/>
-                      <a:tailEnd type="none" w="med" len="med"/>
-                    </a:lnT>
-                    <a:lnB w="12700" cap="flat" cmpd="sng" algn="ctr">
-                      <a:solidFill>
-                        <a:schemeClr val="tx1"/>
-                      </a:solidFill>
-                      <a:prstDash val="solid"/>
-                      <a:round/>
-                      <a:headEnd type="none" w="med" len="med"/>
-                      <a:tailEnd type="none" w="med" len="med"/>
-                    </a:lnB>
-                  </a:tcPr>
-                </a:tc>
-                <a:tc>
-                  <a:txBody>
-                    <a:bodyPr/>
-                    <a:lstStyle/>
-                    <a:p>
-                      <a:r>
-                        <a:rPr lang="en-US" dirty="0"/>
-                        <a:t>Scarlet</a:t>
-                      </a:r>
-                      <a:r>
-                        <a:rPr lang="en-US" baseline="0" dirty="0"/>
-                        <a:t> = 1 year</a:t>
-                      </a:r>
-                    </a:p>
-                    <a:p>
-                      <a:r>
-                        <a:rPr lang="en-US" baseline="0" dirty="0"/>
-                        <a:t>Azure = 10 years</a:t>
-                      </a:r>
-                      <a:endParaRPr lang="en-US" dirty="0"/>
-                    </a:p>
-                  </a:txBody>
-                  <a:tcPr>
-                    <a:lnL w="12700" cap="flat" cmpd="sng" algn="ctr">
-                      <a:solidFill>
-                        <a:schemeClr val="tx1"/>
-                      </a:solidFill>
-                      <a:prstDash val="solid"/>
-                      <a:round/>
-                      <a:headEnd type="none" w="med" len="med"/>
-                      <a:tailEnd type="none" w="med" len="med"/>
-                    </a:lnL>
-                    <a:lnR w="12700" cap="flat" cmpd="sng" algn="ctr">
-                      <a:solidFill>
-                        <a:schemeClr val="tx1"/>
-                      </a:solidFill>
-                      <a:prstDash val="solid"/>
-                      <a:round/>
-                      <a:headEnd type="none" w="med" len="med"/>
-                      <a:tailEnd type="none" w="med" len="med"/>
-                    </a:lnR>
-                    <a:lnT w="12700" cap="flat" cmpd="sng" algn="ctr">
-                      <a:solidFill>
-                        <a:schemeClr val="tx1"/>
-                      </a:solidFill>
-                      <a:prstDash val="solid"/>
-                      <a:round/>
-                      <a:headEnd type="none" w="med" len="med"/>
-                      <a:tailEnd type="none" w="med" len="med"/>
-                    </a:lnT>
-                    <a:lnB w="12700" cap="flat" cmpd="sng" algn="ctr">
-                      <a:solidFill>
-                        <a:schemeClr val="tx1"/>
-                      </a:solidFill>
-                      <a:prstDash val="solid"/>
-                      <a:round/>
-                      <a:headEnd type="none" w="med" len="med"/>
-                      <a:tailEnd type="none" w="med" len="med"/>
-                    </a:lnB>
-                  </a:tcPr>
-                </a:tc>
-                <a:tc>
-                  <a:txBody>
-                    <a:bodyPr/>
-                    <a:lstStyle/>
-                    <a:p>
-                      <a:r>
-                        <a:rPr lang="en-US" dirty="0"/>
-                        <a:t>Scarlet =</a:t>
-                      </a:r>
-                      <a:r>
-                        <a:rPr lang="en-US" baseline="0" dirty="0"/>
-                        <a:t> 15 years</a:t>
-                      </a:r>
-                    </a:p>
-                    <a:p>
-                      <a:r>
-                        <a:rPr lang="en-US" baseline="0" dirty="0"/>
-                        <a:t>Azure = 15 years</a:t>
-                      </a:r>
-                      <a:endParaRPr lang="en-US" dirty="0"/>
-                    </a:p>
-                  </a:txBody>
-                  <a:tcPr>
-                    <a:lnL w="12700" cap="flat" cmpd="sng" algn="ctr">
-                      <a:solidFill>
-                        <a:schemeClr val="tx1"/>
-                      </a:solidFill>
-                      <a:prstDash val="solid"/>
-                      <a:round/>
-                      <a:headEnd type="none" w="med" len="med"/>
-                      <a:tailEnd type="none" w="med" len="med"/>
-                    </a:lnL>
-                    <a:lnR w="12700" cap="flat" cmpd="sng" algn="ctr">
-                      <a:solidFill>
-                        <a:schemeClr val="tx1"/>
-                      </a:solidFill>
-                      <a:prstDash val="solid"/>
-                      <a:round/>
-                      <a:headEnd type="none" w="med" len="med"/>
-                      <a:tailEnd type="none" w="med" len="med"/>
-                    </a:lnR>
-                    <a:lnT w="12700" cap="flat" cmpd="sng" algn="ctr">
-                      <a:solidFill>
-                        <a:schemeClr val="tx1"/>
-                      </a:solidFill>
-                      <a:prstDash val="solid"/>
-                      <a:round/>
-                      <a:headEnd type="none" w="med" len="med"/>
-                      <a:tailEnd type="none" w="med" len="med"/>
-                    </a:lnT>
-                    <a:lnB w="12700" cap="flat" cmpd="sng" algn="ctr">
-                      <a:solidFill>
-                        <a:schemeClr val="tx1"/>
-                      </a:solidFill>
-                      <a:prstDash val="solid"/>
-                      <a:round/>
-                      <a:headEnd type="none" w="med" len="med"/>
-                      <a:tailEnd type="none" w="med" len="med"/>
-                    </a:lnB>
-                  </a:tcPr>
-                </a:tc>
-                <a:extLst>
-                  <a:ext uri="{0D108BD9-81ED-4DB2-BD59-A6C34878D82A}">
-                    <a16:rowId xmlns:a16="http://schemas.microsoft.com/office/drawing/2014/main" val="10002"/>
-                  </a:ext>
-                </a:extLst>
-              </a:tr>
-            </a:tbl>
-          </a:graphicData>
-        </a:graphic>
-      </p:graphicFrame>
-    </p:spTree>
-  </p:cSld>
-  <p:clrMapOvr>
-    <a:masterClrMapping/>
-  </p:clrMapOvr>
-  <p:transition/>
-</p:sld>
-</file>
-
-<file path=ppt/slides/slide36.xml><?xml version="1.0" encoding="utf-8"?>
-<p:sld xmlns:a="http://schemas.openxmlformats.org/drawingml/2006/main" xmlns:r="http://schemas.openxmlformats.org/officeDocument/2006/relationships" xmlns:p="http://schemas.openxmlformats.org/presentationml/2006/main" show="0">
-  <p:cSld>
-    <p:spTree>
-      <p:nvGrpSpPr>
-        <p:cNvPr id="1" name=""/>
-        <p:cNvGrpSpPr/>
-        <p:nvPr/>
-      </p:nvGrpSpPr>
-      <p:grpSpPr>
-        <a:xfrm>
-          <a:off x="0" y="0"/>
-          <a:ext cx="0" cy="0"/>
-          <a:chOff x="0" y="0"/>
-          <a:chExt cx="0" cy="0"/>
-        </a:xfrm>
-      </p:grpSpPr>
-      <p:graphicFrame>
-        <p:nvGraphicFramePr>
-          <p:cNvPr id="3" name="Table 2"/>
-          <p:cNvGraphicFramePr>
-            <a:graphicFrameLocks noGrp="1"/>
-          </p:cNvGraphicFramePr>
-          <p:nvPr/>
-        </p:nvGraphicFramePr>
-        <p:xfrm>
-          <a:off x="609600" y="1397000"/>
-          <a:ext cx="8001000" cy="3997569"/>
-        </p:xfrm>
-        <a:graphic>
-          <a:graphicData uri="http://schemas.openxmlformats.org/drawingml/2006/table">
-            <a:tbl>
-              <a:tblPr firstRow="1" bandRow="1">
-                <a:tableStyleId>{5C22544A-7EE6-4342-B048-85BDC9FD1C3A}</a:tableStyleId>
-              </a:tblPr>
-              <a:tblGrid>
-                <a:gridCol w="2667000">
-                  <a:extLst>
-                    <a:ext uri="{9D8B030D-6E8A-4147-A177-3AD203B41FA5}">
-                      <a16:colId xmlns:a16="http://schemas.microsoft.com/office/drawing/2014/main" val="20000"/>
-                    </a:ext>
-                  </a:extLst>
-                </a:gridCol>
-                <a:gridCol w="2667000">
-                  <a:extLst>
-                    <a:ext uri="{9D8B030D-6E8A-4147-A177-3AD203B41FA5}">
-                      <a16:colId xmlns:a16="http://schemas.microsoft.com/office/drawing/2014/main" val="20001"/>
-                    </a:ext>
-                  </a:extLst>
-                </a:gridCol>
-                <a:gridCol w="2667000">
-                  <a:extLst>
-                    <a:ext uri="{9D8B030D-6E8A-4147-A177-3AD203B41FA5}">
-                      <a16:colId xmlns:a16="http://schemas.microsoft.com/office/drawing/2014/main" val="20002"/>
-                    </a:ext>
-                  </a:extLst>
-                </a:gridCol>
-              </a:tblGrid>
-              <a:tr h="884311">
-                <a:tc>
-                  <a:txBody>
-                    <a:bodyPr/>
-                    <a:lstStyle/>
-                    <a:p>
-                      <a:r>
-                        <a:rPr lang="en-US" sz="2800" dirty="0">
-                          <a:solidFill>
-                            <a:srgbClr val="FF0000"/>
-                          </a:solidFill>
-                        </a:rPr>
-                        <a:t>Scarlet’s Matrix</a:t>
-                      </a:r>
-                      <a:endParaRPr lang="en-US" dirty="0">
-                        <a:solidFill>
-                          <a:srgbClr val="FF0000"/>
-                        </a:solidFill>
-                      </a:endParaRPr>
-                    </a:p>
-                  </a:txBody>
-                  <a:tcPr>
-                    <a:lnL w="12700" cap="flat" cmpd="sng" algn="ctr">
-                      <a:solidFill>
-                        <a:schemeClr val="tx1"/>
-                      </a:solidFill>
-                      <a:prstDash val="solid"/>
-                      <a:round/>
-                      <a:headEnd type="none" w="med" len="med"/>
-                      <a:tailEnd type="none" w="med" len="med"/>
-                    </a:lnL>
-                    <a:lnR w="12700" cap="flat" cmpd="sng" algn="ctr">
-                      <a:solidFill>
-                        <a:schemeClr val="tx1"/>
-                      </a:solidFill>
-                      <a:prstDash val="solid"/>
-                      <a:round/>
-                      <a:headEnd type="none" w="med" len="med"/>
-                      <a:tailEnd type="none" w="med" len="med"/>
-                    </a:lnR>
-                    <a:lnT w="12700" cap="flat" cmpd="sng" algn="ctr">
-                      <a:solidFill>
-                        <a:schemeClr val="tx1"/>
-                      </a:solidFill>
-                      <a:prstDash val="solid"/>
-                      <a:round/>
-                      <a:headEnd type="none" w="med" len="med"/>
-                      <a:tailEnd type="none" w="med" len="med"/>
-                    </a:lnT>
-                    <a:lnB w="12700" cap="flat" cmpd="sng" algn="ctr">
-                      <a:solidFill>
-                        <a:schemeClr val="tx1"/>
-                      </a:solidFill>
-                      <a:prstDash val="solid"/>
-                      <a:round/>
-                      <a:headEnd type="none" w="med" len="med"/>
-                      <a:tailEnd type="none" w="med" len="med"/>
-                    </a:lnB>
-                    <a:solidFill>
-                      <a:schemeClr val="bg1"/>
-                    </a:solidFill>
-                  </a:tcPr>
-                </a:tc>
-                <a:tc>
-                  <a:txBody>
-                    <a:bodyPr/>
-                    <a:lstStyle/>
-                    <a:p>
-                      <a:r>
-                        <a:rPr lang="en-US" sz="2800" baseline="0" dirty="0">
-                          <a:solidFill>
-                            <a:schemeClr val="tx1"/>
-                          </a:solidFill>
-                        </a:rPr>
-                        <a:t>Azure = Silent </a:t>
-                      </a:r>
-                    </a:p>
-                  </a:txBody>
-                  <a:tcPr>
-                    <a:lnL w="12700" cap="flat" cmpd="sng" algn="ctr">
-                      <a:solidFill>
-                        <a:schemeClr val="tx1"/>
-                      </a:solidFill>
-                      <a:prstDash val="solid"/>
-                      <a:round/>
-                      <a:headEnd type="none" w="med" len="med"/>
-                      <a:tailEnd type="none" w="med" len="med"/>
-                    </a:lnL>
-                    <a:lnR w="12700" cap="flat" cmpd="sng" algn="ctr">
-                      <a:solidFill>
-                        <a:schemeClr val="tx1"/>
-                      </a:solidFill>
-                      <a:prstDash val="solid"/>
-                      <a:round/>
-                      <a:headEnd type="none" w="med" len="med"/>
-                      <a:tailEnd type="none" w="med" len="med"/>
-                    </a:lnR>
-                    <a:lnT w="12700" cap="flat" cmpd="sng" algn="ctr">
-                      <a:solidFill>
-                        <a:schemeClr val="tx1"/>
-                      </a:solidFill>
-                      <a:prstDash val="solid"/>
-                      <a:round/>
-                      <a:headEnd type="none" w="med" len="med"/>
-                      <a:tailEnd type="none" w="med" len="med"/>
-                    </a:lnT>
-                    <a:lnB w="12700" cap="flat" cmpd="sng" algn="ctr">
-                      <a:solidFill>
-                        <a:schemeClr val="tx1"/>
-                      </a:solidFill>
-                      <a:prstDash val="solid"/>
-                      <a:round/>
-                      <a:headEnd type="none" w="med" len="med"/>
-                      <a:tailEnd type="none" w="med" len="med"/>
-                    </a:lnB>
-                    <a:noFill/>
-                  </a:tcPr>
-                </a:tc>
-                <a:tc>
-                  <a:txBody>
-                    <a:bodyPr/>
-                    <a:lstStyle/>
-                    <a:p>
-                      <a:r>
-                        <a:rPr lang="en-US" sz="2800" baseline="0" dirty="0">
-                          <a:solidFill>
-                            <a:schemeClr val="tx1"/>
-                          </a:solidFill>
-                        </a:rPr>
-                        <a:t>Azure = Rat</a:t>
-                      </a:r>
-                    </a:p>
-                  </a:txBody>
-                  <a:tcPr>
-                    <a:lnL w="12700" cap="flat" cmpd="sng" algn="ctr">
-                      <a:solidFill>
-                        <a:schemeClr val="tx1"/>
-                      </a:solidFill>
-                      <a:prstDash val="solid"/>
-                      <a:round/>
-                      <a:headEnd type="none" w="med" len="med"/>
-                      <a:tailEnd type="none" w="med" len="med"/>
-                    </a:lnL>
-                    <a:lnR w="12700" cap="flat" cmpd="sng" algn="ctr">
-                      <a:solidFill>
-                        <a:schemeClr val="tx1"/>
-                      </a:solidFill>
-                      <a:prstDash val="solid"/>
-                      <a:round/>
-                      <a:headEnd type="none" w="med" len="med"/>
-                      <a:tailEnd type="none" w="med" len="med"/>
-                    </a:lnR>
-                    <a:lnT w="12700" cap="flat" cmpd="sng" algn="ctr">
-                      <a:solidFill>
-                        <a:schemeClr val="tx1"/>
-                      </a:solidFill>
-                      <a:prstDash val="solid"/>
-                      <a:round/>
-                      <a:headEnd type="none" w="med" len="med"/>
-                      <a:tailEnd type="none" w="med" len="med"/>
-                    </a:lnT>
-                    <a:lnB w="12700" cap="flat" cmpd="sng" algn="ctr">
-                      <a:solidFill>
-                        <a:schemeClr val="tx1"/>
-                      </a:solidFill>
-                      <a:prstDash val="solid"/>
-                      <a:round/>
-                      <a:headEnd type="none" w="med" len="med"/>
-                      <a:tailEnd type="none" w="med" len="med"/>
-                    </a:lnB>
-                    <a:noFill/>
-                  </a:tcPr>
-                </a:tc>
-                <a:extLst>
-                  <a:ext uri="{0D108BD9-81ED-4DB2-BD59-A6C34878D82A}">
-                    <a16:rowId xmlns:a16="http://schemas.microsoft.com/office/drawing/2014/main" val="10000"/>
-                  </a:ext>
-                </a:extLst>
-              </a:tr>
-              <a:tr h="1526345">
-                <a:tc>
-                  <a:txBody>
-                    <a:bodyPr/>
-                    <a:lstStyle/>
-                    <a:p>
-                      <a:r>
-                        <a:rPr lang="en-US" sz="2800" b="1" dirty="0"/>
-                        <a:t>Scarlet</a:t>
-                      </a:r>
-                      <a:r>
-                        <a:rPr lang="en-US" sz="2800" b="1" baseline="0" dirty="0"/>
-                        <a:t> = Silent</a:t>
-                      </a:r>
-                      <a:endParaRPr lang="en-US" sz="2800" b="1" dirty="0"/>
-                    </a:p>
-                  </a:txBody>
-                  <a:tcPr>
-                    <a:lnL w="12700" cap="flat" cmpd="sng" algn="ctr">
-                      <a:solidFill>
-                        <a:schemeClr val="tx1"/>
-                      </a:solidFill>
-                      <a:prstDash val="solid"/>
-                      <a:round/>
-                      <a:headEnd type="none" w="med" len="med"/>
-                      <a:tailEnd type="none" w="med" len="med"/>
-                    </a:lnL>
-                    <a:lnR w="12700" cap="flat" cmpd="sng" algn="ctr">
-                      <a:solidFill>
-                        <a:schemeClr val="tx1"/>
-                      </a:solidFill>
-                      <a:prstDash val="solid"/>
-                      <a:round/>
-                      <a:headEnd type="none" w="med" len="med"/>
-                      <a:tailEnd type="none" w="med" len="med"/>
-                    </a:lnR>
-                    <a:lnT w="12700" cap="flat" cmpd="sng" algn="ctr">
-                      <a:solidFill>
-                        <a:schemeClr val="tx1"/>
-                      </a:solidFill>
-                      <a:prstDash val="solid"/>
-                      <a:round/>
-                      <a:headEnd type="none" w="med" len="med"/>
-                      <a:tailEnd type="none" w="med" len="med"/>
-                    </a:lnT>
-                    <a:lnB w="12700" cap="flat" cmpd="sng" algn="ctr">
-                      <a:solidFill>
-                        <a:schemeClr val="tx1"/>
-                      </a:solidFill>
-                      <a:prstDash val="solid"/>
-                      <a:round/>
-                      <a:headEnd type="none" w="med" len="med"/>
-                      <a:tailEnd type="none" w="med" len="med"/>
-                    </a:lnB>
-                  </a:tcPr>
-                </a:tc>
-                <a:tc>
-                  <a:txBody>
-                    <a:bodyPr/>
-                    <a:lstStyle/>
-                    <a:p>
-                      <a:r>
-                        <a:rPr lang="en-US" dirty="0"/>
-                        <a:t>Scarlet = 5</a:t>
-                      </a:r>
-                      <a:r>
-                        <a:rPr lang="en-US" baseline="0" dirty="0"/>
-                        <a:t> years</a:t>
-                      </a:r>
-                      <a:endParaRPr lang="en-US" dirty="0"/>
-                    </a:p>
-                    <a:p>
-                      <a:r>
-                        <a:rPr lang="en-US" b="1" dirty="0">
-                          <a:solidFill>
-                            <a:srgbClr val="C00000"/>
-                          </a:solidFill>
-                        </a:rPr>
-                        <a:t>2</a:t>
-                      </a:r>
-                      <a:r>
-                        <a:rPr lang="en-US" b="1" baseline="30000" dirty="0">
-                          <a:solidFill>
-                            <a:srgbClr val="C00000"/>
-                          </a:solidFill>
-                        </a:rPr>
-                        <a:t>nd</a:t>
-                      </a:r>
-                      <a:r>
-                        <a:rPr lang="en-US" b="1" baseline="0" dirty="0">
-                          <a:solidFill>
-                            <a:srgbClr val="C00000"/>
-                          </a:solidFill>
-                        </a:rPr>
-                        <a:t> Best for Scarlet</a:t>
-                      </a:r>
-                      <a:endParaRPr lang="en-US" b="1" dirty="0">
-                        <a:solidFill>
-                          <a:srgbClr val="C00000"/>
-                        </a:solidFill>
-                      </a:endParaRPr>
-                    </a:p>
-                  </a:txBody>
-                  <a:tcPr>
-                    <a:lnL w="12700" cap="flat" cmpd="sng" algn="ctr">
-                      <a:solidFill>
-                        <a:schemeClr val="tx1"/>
-                      </a:solidFill>
-                      <a:prstDash val="solid"/>
-                      <a:round/>
-                      <a:headEnd type="none" w="med" len="med"/>
-                      <a:tailEnd type="none" w="med" len="med"/>
-                    </a:lnL>
-                    <a:lnR w="12700" cap="flat" cmpd="sng" algn="ctr">
-                      <a:solidFill>
-                        <a:schemeClr val="tx1"/>
-                      </a:solidFill>
-                      <a:prstDash val="solid"/>
-                      <a:round/>
-                      <a:headEnd type="none" w="med" len="med"/>
-                      <a:tailEnd type="none" w="med" len="med"/>
-                    </a:lnR>
-                    <a:lnT w="12700" cap="flat" cmpd="sng" algn="ctr">
-                      <a:solidFill>
-                        <a:schemeClr val="tx1"/>
-                      </a:solidFill>
-                      <a:prstDash val="solid"/>
-                      <a:round/>
-                      <a:headEnd type="none" w="med" len="med"/>
-                      <a:tailEnd type="none" w="med" len="med"/>
-                    </a:lnT>
-                    <a:lnB w="12700" cap="flat" cmpd="sng" algn="ctr">
-                      <a:solidFill>
-                        <a:schemeClr val="tx1"/>
-                      </a:solidFill>
-                      <a:prstDash val="solid"/>
-                      <a:round/>
-                      <a:headEnd type="none" w="med" len="med"/>
-                      <a:tailEnd type="none" w="med" len="med"/>
-                    </a:lnB>
-                  </a:tcPr>
-                </a:tc>
-                <a:tc>
-                  <a:txBody>
-                    <a:bodyPr/>
-                    <a:lstStyle/>
-                    <a:p>
-                      <a:r>
-                        <a:rPr lang="en-US" dirty="0"/>
-                        <a:t>Scarlet</a:t>
-                      </a:r>
-                      <a:r>
-                        <a:rPr lang="en-US" baseline="0" dirty="0"/>
-                        <a:t> = 10 years</a:t>
-                      </a:r>
-                    </a:p>
-                    <a:p>
-                      <a:r>
-                        <a:rPr lang="en-US" b="1" baseline="0" dirty="0">
-                          <a:solidFill>
-                            <a:srgbClr val="C00000"/>
-                          </a:solidFill>
-                        </a:rPr>
-                        <a:t>2</a:t>
-                      </a:r>
-                      <a:r>
-                        <a:rPr lang="en-US" b="1" baseline="30000" dirty="0">
-                          <a:solidFill>
-                            <a:srgbClr val="C00000"/>
-                          </a:solidFill>
-                        </a:rPr>
-                        <a:t>nd</a:t>
-                      </a:r>
-                      <a:r>
-                        <a:rPr lang="en-US" b="1" baseline="0" dirty="0">
-                          <a:solidFill>
-                            <a:srgbClr val="C00000"/>
-                          </a:solidFill>
-                        </a:rPr>
-                        <a:t> Worst for Scarlet</a:t>
-                      </a:r>
-                      <a:endParaRPr lang="en-US" b="1" dirty="0">
-                        <a:solidFill>
-                          <a:srgbClr val="C00000"/>
-                        </a:solidFill>
-                      </a:endParaRPr>
-                    </a:p>
-                  </a:txBody>
-                  <a:tcPr>
-                    <a:lnL w="12700" cap="flat" cmpd="sng" algn="ctr">
-                      <a:solidFill>
-                        <a:schemeClr val="tx1"/>
-                      </a:solidFill>
-                      <a:prstDash val="solid"/>
-                      <a:round/>
-                      <a:headEnd type="none" w="med" len="med"/>
-                      <a:tailEnd type="none" w="med" len="med"/>
-                    </a:lnL>
-                    <a:lnR w="12700" cap="flat" cmpd="sng" algn="ctr">
-                      <a:solidFill>
-                        <a:schemeClr val="tx1"/>
-                      </a:solidFill>
-                      <a:prstDash val="solid"/>
-                      <a:round/>
-                      <a:headEnd type="none" w="med" len="med"/>
-                      <a:tailEnd type="none" w="med" len="med"/>
-                    </a:lnR>
-                    <a:lnT w="12700" cap="flat" cmpd="sng" algn="ctr">
-                      <a:solidFill>
-                        <a:schemeClr val="tx1"/>
-                      </a:solidFill>
-                      <a:prstDash val="solid"/>
-                      <a:round/>
-                      <a:headEnd type="none" w="med" len="med"/>
-                      <a:tailEnd type="none" w="med" len="med"/>
-                    </a:lnT>
-                    <a:lnB w="12700" cap="flat" cmpd="sng" algn="ctr">
-                      <a:solidFill>
-                        <a:schemeClr val="tx1"/>
-                      </a:solidFill>
-                      <a:prstDash val="solid"/>
-                      <a:round/>
-                      <a:headEnd type="none" w="med" len="med"/>
-                      <a:tailEnd type="none" w="med" len="med"/>
-                    </a:lnB>
-                  </a:tcPr>
-                </a:tc>
-                <a:extLst>
-                  <a:ext uri="{0D108BD9-81ED-4DB2-BD59-A6C34878D82A}">
-                    <a16:rowId xmlns:a16="http://schemas.microsoft.com/office/drawing/2014/main" val="10001"/>
-                  </a:ext>
-                </a:extLst>
-              </a:tr>
-              <a:tr h="1526345">
-                <a:tc>
-                  <a:txBody>
-                    <a:bodyPr/>
-                    <a:lstStyle/>
-                    <a:p>
-                      <a:r>
-                        <a:rPr lang="en-US" sz="2800" b="1" dirty="0"/>
-                        <a:t>Scarlet = Rat</a:t>
-                      </a:r>
-                    </a:p>
-                  </a:txBody>
-                  <a:tcPr>
-                    <a:lnL w="12700" cap="flat" cmpd="sng" algn="ctr">
-                      <a:solidFill>
-                        <a:schemeClr val="tx1"/>
-                      </a:solidFill>
-                      <a:prstDash val="solid"/>
-                      <a:round/>
-                      <a:headEnd type="none" w="med" len="med"/>
-                      <a:tailEnd type="none" w="med" len="med"/>
-                    </a:lnL>
-                    <a:lnR w="12700" cap="flat" cmpd="sng" algn="ctr">
-                      <a:solidFill>
-                        <a:schemeClr val="tx1"/>
-                      </a:solidFill>
-                      <a:prstDash val="solid"/>
-                      <a:round/>
-                      <a:headEnd type="none" w="med" len="med"/>
-                      <a:tailEnd type="none" w="med" len="med"/>
-                    </a:lnR>
-                    <a:lnT w="12700" cap="flat" cmpd="sng" algn="ctr">
-                      <a:solidFill>
-                        <a:schemeClr val="tx1"/>
-                      </a:solidFill>
-                      <a:prstDash val="solid"/>
-                      <a:round/>
-                      <a:headEnd type="none" w="med" len="med"/>
-                      <a:tailEnd type="none" w="med" len="med"/>
-                    </a:lnT>
-                    <a:lnB w="12700" cap="flat" cmpd="sng" algn="ctr">
-                      <a:solidFill>
-                        <a:schemeClr val="tx1"/>
-                      </a:solidFill>
-                      <a:prstDash val="solid"/>
-                      <a:round/>
-                      <a:headEnd type="none" w="med" len="med"/>
-                      <a:tailEnd type="none" w="med" len="med"/>
-                    </a:lnB>
-                  </a:tcPr>
-                </a:tc>
-                <a:tc>
-                  <a:txBody>
-                    <a:bodyPr/>
-                    <a:lstStyle/>
-                    <a:p>
-                      <a:r>
-                        <a:rPr lang="en-US" dirty="0"/>
-                        <a:t>Scarlet</a:t>
-                      </a:r>
-                      <a:r>
-                        <a:rPr lang="en-US" baseline="0" dirty="0"/>
-                        <a:t> = 1 year</a:t>
-                      </a:r>
-                    </a:p>
-                    <a:p>
-                      <a:r>
-                        <a:rPr lang="en-US" b="1" baseline="0" dirty="0">
-                          <a:solidFill>
-                            <a:srgbClr val="C00000"/>
-                          </a:solidFill>
-                        </a:rPr>
-                        <a:t>Best for Scarlet</a:t>
-                      </a:r>
-                      <a:endParaRPr lang="en-US" b="1" dirty="0">
-                        <a:solidFill>
-                          <a:srgbClr val="C00000"/>
-                        </a:solidFill>
-                      </a:endParaRPr>
-                    </a:p>
-                  </a:txBody>
-                  <a:tcPr>
-                    <a:lnL w="12700" cap="flat" cmpd="sng" algn="ctr">
-                      <a:solidFill>
-                        <a:schemeClr val="tx1"/>
-                      </a:solidFill>
-                      <a:prstDash val="solid"/>
-                      <a:round/>
-                      <a:headEnd type="none" w="med" len="med"/>
-                      <a:tailEnd type="none" w="med" len="med"/>
-                    </a:lnL>
-                    <a:lnR w="12700" cap="flat" cmpd="sng" algn="ctr">
-                      <a:solidFill>
-                        <a:schemeClr val="tx1"/>
-                      </a:solidFill>
-                      <a:prstDash val="solid"/>
-                      <a:round/>
-                      <a:headEnd type="none" w="med" len="med"/>
-                      <a:tailEnd type="none" w="med" len="med"/>
-                    </a:lnR>
-                    <a:lnT w="12700" cap="flat" cmpd="sng" algn="ctr">
-                      <a:solidFill>
-                        <a:schemeClr val="tx1"/>
-                      </a:solidFill>
-                      <a:prstDash val="solid"/>
-                      <a:round/>
-                      <a:headEnd type="none" w="med" len="med"/>
-                      <a:tailEnd type="none" w="med" len="med"/>
-                    </a:lnT>
-                    <a:lnB w="12700" cap="flat" cmpd="sng" algn="ctr">
-                      <a:solidFill>
-                        <a:schemeClr val="tx1"/>
-                      </a:solidFill>
-                      <a:prstDash val="solid"/>
-                      <a:round/>
-                      <a:headEnd type="none" w="med" len="med"/>
-                      <a:tailEnd type="none" w="med" len="med"/>
-                    </a:lnB>
-                  </a:tcPr>
-                </a:tc>
-                <a:tc>
-                  <a:txBody>
-                    <a:bodyPr/>
-                    <a:lstStyle/>
-                    <a:p>
-                      <a:r>
-                        <a:rPr lang="en-US" dirty="0"/>
-                        <a:t>Scarlet =</a:t>
-                      </a:r>
-                      <a:r>
-                        <a:rPr lang="en-US" baseline="0" dirty="0"/>
-                        <a:t> 15 years</a:t>
-                      </a:r>
-                    </a:p>
-                    <a:p>
-                      <a:r>
-                        <a:rPr lang="en-US" b="1" baseline="0" dirty="0">
-                          <a:solidFill>
-                            <a:srgbClr val="C00000"/>
-                          </a:solidFill>
-                        </a:rPr>
-                        <a:t>Worst for Scarlet</a:t>
-                      </a:r>
-                      <a:endParaRPr lang="en-US" b="1" dirty="0">
-                        <a:solidFill>
-                          <a:srgbClr val="C00000"/>
-                        </a:solidFill>
-                      </a:endParaRPr>
-                    </a:p>
-                  </a:txBody>
-                  <a:tcPr>
-                    <a:lnL w="12700" cap="flat" cmpd="sng" algn="ctr">
-                      <a:solidFill>
-                        <a:schemeClr val="tx1"/>
-                      </a:solidFill>
-                      <a:prstDash val="solid"/>
-                      <a:round/>
-                      <a:headEnd type="none" w="med" len="med"/>
-                      <a:tailEnd type="none" w="med" len="med"/>
-                    </a:lnL>
-                    <a:lnR w="12700" cap="flat" cmpd="sng" algn="ctr">
-                      <a:solidFill>
-                        <a:schemeClr val="tx1"/>
-                      </a:solidFill>
-                      <a:prstDash val="solid"/>
-                      <a:round/>
-                      <a:headEnd type="none" w="med" len="med"/>
-                      <a:tailEnd type="none" w="med" len="med"/>
-                    </a:lnR>
-                    <a:lnT w="12700" cap="flat" cmpd="sng" algn="ctr">
-                      <a:solidFill>
-                        <a:schemeClr val="tx1"/>
-                      </a:solidFill>
-                      <a:prstDash val="solid"/>
-                      <a:round/>
-                      <a:headEnd type="none" w="med" len="med"/>
-                      <a:tailEnd type="none" w="med" len="med"/>
-                    </a:lnT>
-                    <a:lnB w="12700" cap="flat" cmpd="sng" algn="ctr">
-                      <a:solidFill>
-                        <a:schemeClr val="tx1"/>
-                      </a:solidFill>
-                      <a:prstDash val="solid"/>
-                      <a:round/>
-                      <a:headEnd type="none" w="med" len="med"/>
-                      <a:tailEnd type="none" w="med" len="med"/>
-                    </a:lnB>
-                  </a:tcPr>
-                </a:tc>
-                <a:extLst>
-                  <a:ext uri="{0D108BD9-81ED-4DB2-BD59-A6C34878D82A}">
-                    <a16:rowId xmlns:a16="http://schemas.microsoft.com/office/drawing/2014/main" val="10002"/>
-                  </a:ext>
-                </a:extLst>
-              </a:tr>
-            </a:tbl>
-          </a:graphicData>
-        </a:graphic>
-      </p:graphicFrame>
-    </p:spTree>
-  </p:cSld>
-  <p:clrMapOvr>
-    <a:masterClrMapping/>
-  </p:clrMapOvr>
-  <p:transition/>
-</p:sld>
-</file>
-
-<file path=ppt/slides/slide37.xml><?xml version="1.0" encoding="utf-8"?>
-<p:sld xmlns:a="http://schemas.openxmlformats.org/drawingml/2006/main" xmlns:r="http://schemas.openxmlformats.org/officeDocument/2006/relationships" xmlns:p="http://schemas.openxmlformats.org/presentationml/2006/main" show="0">
-  <p:cSld>
-    <p:spTree>
-      <p:nvGrpSpPr>
-        <p:cNvPr id="1" name=""/>
-        <p:cNvGrpSpPr/>
-        <p:nvPr/>
-      </p:nvGrpSpPr>
-      <p:grpSpPr>
-        <a:xfrm>
-          <a:off x="0" y="0"/>
-          <a:ext cx="0" cy="0"/>
-          <a:chOff x="0" y="0"/>
-          <a:chExt cx="0" cy="0"/>
-        </a:xfrm>
-      </p:grpSpPr>
-      <p:sp>
-        <p:nvSpPr>
-          <p:cNvPr id="2" name="Title 1"/>
-          <p:cNvSpPr>
-            <a:spLocks noGrp="1"/>
-          </p:cNvSpPr>
-          <p:nvPr>
-            <p:ph type="title"/>
-          </p:nvPr>
-        </p:nvSpPr>
-        <p:spPr/>
-        <p:txBody>
-          <a:bodyPr/>
-          <a:lstStyle/>
-          <a:p>
-            <a:r>
-              <a:rPr lang="en-US" dirty="0"/>
-              <a:t>Scarlet’s reasoning: RAT</a:t>
-            </a:r>
-          </a:p>
-        </p:txBody>
-      </p:sp>
-      <p:sp>
-        <p:nvSpPr>
-          <p:cNvPr id="3" name="Content Placeholder 2"/>
-          <p:cNvSpPr>
-            <a:spLocks noGrp="1"/>
-          </p:cNvSpPr>
-          <p:nvPr>
-            <p:ph idx="1"/>
-          </p:nvPr>
-        </p:nvSpPr>
-        <p:spPr/>
-        <p:txBody>
-          <a:bodyPr>
-            <a:normAutofit/>
-          </a:bodyPr>
-          <a:lstStyle/>
-          <a:p>
-            <a:r>
-              <a:rPr lang="en-US" dirty="0"/>
-              <a:t>Ranking of outcomes:</a:t>
-            </a:r>
-          </a:p>
-          <a:p>
-            <a:pPr lvl="1">
-              <a:buFont typeface="Arial"/>
-              <a:buChar char="•"/>
-            </a:pPr>
-            <a:r>
-              <a:rPr lang="en-US" dirty="0"/>
-              <a:t>Best: 1 year (Rat)</a:t>
-            </a:r>
-          </a:p>
-          <a:p>
-            <a:pPr lvl="1">
-              <a:buFont typeface="Arial"/>
-              <a:buChar char="•"/>
-            </a:pPr>
-            <a:r>
-              <a:rPr lang="en-US" dirty="0"/>
-              <a:t>2</a:t>
-            </a:r>
-            <a:r>
-              <a:rPr lang="en-US" baseline="30000" dirty="0"/>
-              <a:t>nd</a:t>
-            </a:r>
-            <a:r>
-              <a:rPr lang="en-US" dirty="0"/>
-              <a:t> best: 5 years (Silent)</a:t>
-            </a:r>
-          </a:p>
-          <a:p>
-            <a:pPr lvl="1">
-              <a:buFont typeface="Arial"/>
-              <a:buChar char="•"/>
-            </a:pPr>
-            <a:r>
-              <a:rPr lang="en-US" dirty="0"/>
-              <a:t>2</a:t>
-            </a:r>
-            <a:r>
-              <a:rPr lang="en-US" baseline="30000" dirty="0"/>
-              <a:t>nd</a:t>
-            </a:r>
-            <a:r>
-              <a:rPr lang="en-US" dirty="0"/>
-              <a:t> worst: 10 years (Silent)</a:t>
-            </a:r>
-          </a:p>
-          <a:p>
-            <a:pPr lvl="1">
-              <a:buFont typeface="Arial"/>
-              <a:buChar char="•"/>
-            </a:pPr>
-            <a:r>
-              <a:rPr lang="en-US" dirty="0"/>
-              <a:t>Worst: 25 years (Rat)</a:t>
-            </a:r>
-          </a:p>
-          <a:p>
-            <a:pPr lvl="0">
-              <a:buFont typeface="Arial"/>
-              <a:buChar char="•"/>
-            </a:pPr>
-            <a:r>
-              <a:rPr lang="en-US" dirty="0"/>
-              <a:t>My self interest= Serve the least amount of time.</a:t>
-            </a:r>
-          </a:p>
-          <a:p>
-            <a:pPr lvl="0">
-              <a:buFont typeface="Arial"/>
-              <a:buChar char="•"/>
-            </a:pPr>
-            <a:r>
-              <a:rPr lang="en-US" dirty="0"/>
-              <a:t>Therefore, I should Rat</a:t>
-            </a:r>
-          </a:p>
-          <a:p>
-            <a:pPr lvl="1">
-              <a:buFont typeface="Arial"/>
-              <a:buChar char="•"/>
-            </a:pPr>
-            <a:r>
-              <a:rPr lang="en-US" dirty="0"/>
-              <a:t>Indeed,, if we </a:t>
-            </a:r>
-          </a:p>
-          <a:p>
-            <a:pPr lvl="1"/>
-            <a:endParaRPr lang="en-US" dirty="0"/>
-          </a:p>
-        </p:txBody>
-      </p:sp>
-    </p:spTree>
-  </p:cSld>
-  <p:clrMapOvr>
-    <a:masterClrMapping/>
-  </p:clrMapOvr>
-  <p:transition/>
-</p:sld>
-</file>
-
-<file path=ppt/slides/slide38.xml><?xml version="1.0" encoding="utf-8"?>
-<p:sld xmlns:a="http://schemas.openxmlformats.org/drawingml/2006/main" xmlns:r="http://schemas.openxmlformats.org/officeDocument/2006/relationships" xmlns:p="http://schemas.openxmlformats.org/presentationml/2006/main" show="0">
-  <p:cSld>
-    <p:spTree>
-      <p:nvGrpSpPr>
-        <p:cNvPr id="1" name=""/>
-        <p:cNvGrpSpPr/>
-        <p:nvPr/>
-      </p:nvGrpSpPr>
-      <p:grpSpPr>
-        <a:xfrm>
-          <a:off x="0" y="0"/>
-          <a:ext cx="0" cy="0"/>
-          <a:chOff x="0" y="0"/>
-          <a:chExt cx="0" cy="0"/>
-        </a:xfrm>
-      </p:grpSpPr>
-      <p:sp>
-        <p:nvSpPr>
-          <p:cNvPr id="2" name="Title 1"/>
-          <p:cNvSpPr>
-            <a:spLocks noGrp="1"/>
-          </p:cNvSpPr>
-          <p:nvPr>
-            <p:ph type="title"/>
-          </p:nvPr>
-        </p:nvSpPr>
-        <p:spPr/>
-        <p:txBody>
-          <a:bodyPr/>
-          <a:lstStyle/>
-          <a:p>
-            <a:r>
-              <a:rPr lang="en-US" dirty="0"/>
-              <a:t>Scarlet’s reasoning: Rat</a:t>
-            </a:r>
-          </a:p>
-        </p:txBody>
-      </p:sp>
-      <p:sp>
-        <p:nvSpPr>
-          <p:cNvPr id="3" name="Content Placeholder 2"/>
-          <p:cNvSpPr>
-            <a:spLocks noGrp="1"/>
-          </p:cNvSpPr>
-          <p:nvPr>
-            <p:ph idx="1"/>
-          </p:nvPr>
-        </p:nvSpPr>
-        <p:spPr/>
-        <p:txBody>
-          <a:bodyPr/>
-          <a:lstStyle/>
-          <a:p>
-            <a:endParaRPr lang="en-US" dirty="0"/>
-          </a:p>
-        </p:txBody>
-      </p:sp>
-    </p:spTree>
-  </p:cSld>
-  <p:clrMapOvr>
-    <a:masterClrMapping/>
-  </p:clrMapOvr>
-  <p:transition/>
-</p:sld>
-</file>
-
-<file path=ppt/slides/slide39.xml><?xml version="1.0" encoding="utf-8"?>
-<p:sld xmlns:a="http://schemas.openxmlformats.org/drawingml/2006/main" xmlns:r="http://schemas.openxmlformats.org/officeDocument/2006/relationships" xmlns:p="http://schemas.openxmlformats.org/presentationml/2006/main" show="0">
-  <p:cSld>
-    <p:spTree>
-      <p:nvGrpSpPr>
-        <p:cNvPr id="1" name=""/>
-        <p:cNvGrpSpPr/>
-        <p:nvPr/>
-      </p:nvGrpSpPr>
-      <p:grpSpPr>
-        <a:xfrm>
-          <a:off x="0" y="0"/>
-          <a:ext cx="0" cy="0"/>
-          <a:chOff x="0" y="0"/>
-          <a:chExt cx="0" cy="0"/>
-        </a:xfrm>
-      </p:grpSpPr>
-      <p:sp>
-        <p:nvSpPr>
-          <p:cNvPr id="2" name="Title 1"/>
-          <p:cNvSpPr>
-            <a:spLocks noGrp="1"/>
-          </p:cNvSpPr>
-          <p:nvPr>
-            <p:ph type="title"/>
-          </p:nvPr>
-        </p:nvSpPr>
-        <p:spPr/>
-        <p:txBody>
-          <a:bodyPr/>
-          <a:lstStyle/>
-          <a:p>
-            <a:r>
-              <a:rPr lang="en-US" dirty="0"/>
-              <a:t>Not rat</a:t>
-            </a:r>
-          </a:p>
-        </p:txBody>
-      </p:sp>
-      <p:sp>
-        <p:nvSpPr>
-          <p:cNvPr id="3" name="Content Placeholder 2"/>
-          <p:cNvSpPr>
-            <a:spLocks noGrp="1"/>
-          </p:cNvSpPr>
-          <p:nvPr>
-            <p:ph idx="1"/>
-          </p:nvPr>
-        </p:nvSpPr>
-        <p:spPr/>
-        <p:txBody>
-          <a:bodyPr>
-            <a:normAutofit fontScale="62500" lnSpcReduction="20000"/>
-          </a:bodyPr>
-          <a:lstStyle/>
-          <a:p>
-            <a:pPr>
-              <a:buFont typeface="Arial"/>
-              <a:buChar char="•"/>
-            </a:pPr>
-            <a:r>
-              <a:rPr lang="en-US" dirty="0"/>
-              <a:t>But the choice shouldn’t be made by just looking at the numbers individually. Each choice has is a risk.</a:t>
-            </a:r>
-          </a:p>
-          <a:p>
-            <a:pPr>
-              <a:buFont typeface="Arial"/>
-              <a:buChar char="•"/>
-            </a:pPr>
-            <a:r>
-              <a:rPr lang="en-US" dirty="0"/>
-              <a:t>Ratting gives me either the best or worst outcome.</a:t>
-            </a:r>
-          </a:p>
-          <a:p>
-            <a:pPr>
-              <a:buFont typeface="Arial"/>
-              <a:buChar char="•"/>
-            </a:pPr>
-            <a:r>
-              <a:rPr lang="en-US" dirty="0"/>
-              <a:t>Both consequences of remaining silent are better than worst outcome.</a:t>
-            </a:r>
-          </a:p>
-          <a:p>
-            <a:pPr>
-              <a:buFont typeface="Arial"/>
-              <a:buChar char="•"/>
-            </a:pPr>
-            <a:r>
-              <a:rPr lang="en-US" dirty="0"/>
-              <a:t>Therefore, better to not rat.</a:t>
-            </a:r>
-          </a:p>
-          <a:p>
-            <a:pPr>
-              <a:buFont typeface="Arial"/>
-              <a:buChar char="•"/>
-            </a:pPr>
-            <a:endParaRPr lang="en-US" dirty="0"/>
-          </a:p>
-          <a:p>
-            <a:pPr>
-              <a:buFont typeface="Arial"/>
-              <a:buChar char="•"/>
-            </a:pPr>
-            <a:r>
-              <a:rPr lang="en-US" dirty="0"/>
-              <a:t>I know that Scarlet will decide to not rat. Therefore, I can get my best outcome if I rat.</a:t>
-            </a:r>
-          </a:p>
-          <a:p>
-            <a:pPr>
-              <a:buFont typeface="Arial"/>
-              <a:buChar char="•"/>
-            </a:pPr>
-            <a:r>
-              <a:rPr lang="en-US" dirty="0"/>
-              <a:t>But I know that the other person will reason in the same way.</a:t>
-            </a:r>
-          </a:p>
-          <a:p>
-            <a:pPr>
-              <a:buFont typeface="Arial"/>
-              <a:buChar char="•"/>
-            </a:pPr>
-            <a:r>
-              <a:rPr lang="en-US" dirty="0"/>
-              <a:t>Thus she knows I’ll stay silent.</a:t>
-            </a:r>
-          </a:p>
-          <a:p>
-            <a:pPr>
-              <a:buFont typeface="Arial"/>
-              <a:buChar char="•"/>
-            </a:pPr>
-            <a:r>
-              <a:rPr lang="en-US" dirty="0"/>
-              <a:t>Her best outcome is her ratting if I stay silent.</a:t>
-            </a:r>
-          </a:p>
-          <a:p>
-            <a:pPr>
-              <a:buFont typeface="Arial"/>
-              <a:buChar char="•"/>
-            </a:pPr>
-            <a:r>
-              <a:rPr lang="en-US" dirty="0"/>
-              <a:t>Therefore, I know that if I stay silent I will get my 2</a:t>
-            </a:r>
-            <a:r>
-              <a:rPr lang="en-US" baseline="30000" dirty="0"/>
-              <a:t>nd</a:t>
-            </a:r>
-            <a:r>
-              <a:rPr lang="en-US" dirty="0"/>
-              <a:t> worst outcome.</a:t>
-            </a:r>
-          </a:p>
-          <a:p>
-            <a:pPr>
-              <a:buFont typeface="Arial"/>
-              <a:buNone/>
-            </a:pPr>
-            <a:endParaRPr lang="en-US" dirty="0"/>
-          </a:p>
-          <a:p>
-            <a:pPr>
-              <a:buFont typeface="Arial"/>
-              <a:buChar char="•"/>
-            </a:pPr>
-            <a:r>
-              <a:rPr lang="en-US" dirty="0"/>
-              <a:t>So, I know that she will Rat because she knows that I want to avoid the worst outcome.</a:t>
-            </a:r>
-          </a:p>
-          <a:p>
-            <a:endParaRPr lang="en-US" dirty="0"/>
-          </a:p>
-        </p:txBody>
-      </p:sp>
-    </p:spTree>
-  </p:cSld>
-  <p:clrMapOvr>
-    <a:masterClrMapping/>
-  </p:clrMapOvr>
-  <p:transition/>
 </p:sld>
 </file>
 
@@ -15980,1471 +12326,6 @@
   <p:clrMapOvr>
     <a:masterClrMapping/>
   </p:clrMapOvr>
-</p:sld>
-</file>
-
-<file path=ppt/slides/slide40.xml><?xml version="1.0" encoding="utf-8"?>
-<p:sld xmlns:a="http://schemas.openxmlformats.org/drawingml/2006/main" xmlns:r="http://schemas.openxmlformats.org/officeDocument/2006/relationships" xmlns:p="http://schemas.openxmlformats.org/presentationml/2006/main" show="0">
-  <p:cSld>
-    <p:spTree>
-      <p:nvGrpSpPr>
-        <p:cNvPr id="1" name=""/>
-        <p:cNvGrpSpPr/>
-        <p:nvPr/>
-      </p:nvGrpSpPr>
-      <p:grpSpPr>
-        <a:xfrm>
-          <a:off x="0" y="0"/>
-          <a:ext cx="0" cy="0"/>
-          <a:chOff x="0" y="0"/>
-          <a:chExt cx="0" cy="0"/>
-        </a:xfrm>
-      </p:grpSpPr>
-      <p:graphicFrame>
-        <p:nvGraphicFramePr>
-          <p:cNvPr id="4" name="Table 3"/>
-          <p:cNvGraphicFramePr>
-            <a:graphicFrameLocks noGrp="1"/>
-          </p:cNvGraphicFramePr>
-          <p:nvPr/>
-        </p:nvGraphicFramePr>
-        <p:xfrm>
-          <a:off x="609600" y="1397000"/>
-          <a:ext cx="8001000" cy="3997569"/>
-        </p:xfrm>
-        <a:graphic>
-          <a:graphicData uri="http://schemas.openxmlformats.org/drawingml/2006/table">
-            <a:tbl>
-              <a:tblPr firstRow="1" bandRow="1">
-                <a:tableStyleId>{5C22544A-7EE6-4342-B048-85BDC9FD1C3A}</a:tableStyleId>
-              </a:tblPr>
-              <a:tblGrid>
-                <a:gridCol w="2667000">
-                  <a:extLst>
-                    <a:ext uri="{9D8B030D-6E8A-4147-A177-3AD203B41FA5}">
-                      <a16:colId xmlns:a16="http://schemas.microsoft.com/office/drawing/2014/main" val="20000"/>
-                    </a:ext>
-                  </a:extLst>
-                </a:gridCol>
-                <a:gridCol w="2667000">
-                  <a:extLst>
-                    <a:ext uri="{9D8B030D-6E8A-4147-A177-3AD203B41FA5}">
-                      <a16:colId xmlns:a16="http://schemas.microsoft.com/office/drawing/2014/main" val="20001"/>
-                    </a:ext>
-                  </a:extLst>
-                </a:gridCol>
-                <a:gridCol w="2667000">
-                  <a:extLst>
-                    <a:ext uri="{9D8B030D-6E8A-4147-A177-3AD203B41FA5}">
-                      <a16:colId xmlns:a16="http://schemas.microsoft.com/office/drawing/2014/main" val="20002"/>
-                    </a:ext>
-                  </a:extLst>
-                </a:gridCol>
-              </a:tblGrid>
-              <a:tr h="884311">
-                <a:tc>
-                  <a:txBody>
-                    <a:bodyPr/>
-                    <a:lstStyle/>
-                    <a:p>
-                      <a:r>
-                        <a:rPr lang="en-US" sz="2800" dirty="0">
-                          <a:solidFill>
-                            <a:srgbClr val="3366FF"/>
-                          </a:solidFill>
-                        </a:rPr>
-                        <a:t>Azure’s Matrix</a:t>
-                      </a:r>
-                      <a:endParaRPr lang="en-US" sz="2000" dirty="0">
-                        <a:solidFill>
-                          <a:srgbClr val="3366FF"/>
-                        </a:solidFill>
-                      </a:endParaRPr>
-                    </a:p>
-                  </a:txBody>
-                  <a:tcPr>
-                    <a:lnL w="12700" cap="flat" cmpd="sng" algn="ctr">
-                      <a:solidFill>
-                        <a:schemeClr val="tx1"/>
-                      </a:solidFill>
-                      <a:prstDash val="solid"/>
-                      <a:round/>
-                      <a:headEnd type="none" w="med" len="med"/>
-                      <a:tailEnd type="none" w="med" len="med"/>
-                    </a:lnL>
-                    <a:lnR w="12700" cap="flat" cmpd="sng" algn="ctr">
-                      <a:solidFill>
-                        <a:schemeClr val="tx1"/>
-                      </a:solidFill>
-                      <a:prstDash val="solid"/>
-                      <a:round/>
-                      <a:headEnd type="none" w="med" len="med"/>
-                      <a:tailEnd type="none" w="med" len="med"/>
-                    </a:lnR>
-                    <a:lnT w="12700" cap="flat" cmpd="sng" algn="ctr">
-                      <a:solidFill>
-                        <a:schemeClr val="tx1"/>
-                      </a:solidFill>
-                      <a:prstDash val="solid"/>
-                      <a:round/>
-                      <a:headEnd type="none" w="med" len="med"/>
-                      <a:tailEnd type="none" w="med" len="med"/>
-                    </a:lnT>
-                    <a:lnB w="12700" cap="flat" cmpd="sng" algn="ctr">
-                      <a:solidFill>
-                        <a:schemeClr val="tx1"/>
-                      </a:solidFill>
-                      <a:prstDash val="solid"/>
-                      <a:round/>
-                      <a:headEnd type="none" w="med" len="med"/>
-                      <a:tailEnd type="none" w="med" len="med"/>
-                    </a:lnB>
-                    <a:solidFill>
-                      <a:schemeClr val="bg1"/>
-                    </a:solidFill>
-                  </a:tcPr>
-                </a:tc>
-                <a:tc>
-                  <a:txBody>
-                    <a:bodyPr/>
-                    <a:lstStyle/>
-                    <a:p>
-                      <a:r>
-                        <a:rPr lang="en-US" sz="2800" baseline="0" dirty="0">
-                          <a:solidFill>
-                            <a:schemeClr val="tx1"/>
-                          </a:solidFill>
-                        </a:rPr>
-                        <a:t>Azure = Silent </a:t>
-                      </a:r>
-                    </a:p>
-                  </a:txBody>
-                  <a:tcPr>
-                    <a:lnL w="12700" cap="flat" cmpd="sng" algn="ctr">
-                      <a:solidFill>
-                        <a:schemeClr val="tx1"/>
-                      </a:solidFill>
-                      <a:prstDash val="solid"/>
-                      <a:round/>
-                      <a:headEnd type="none" w="med" len="med"/>
-                      <a:tailEnd type="none" w="med" len="med"/>
-                    </a:lnL>
-                    <a:lnR w="12700" cap="flat" cmpd="sng" algn="ctr">
-                      <a:solidFill>
-                        <a:schemeClr val="tx1"/>
-                      </a:solidFill>
-                      <a:prstDash val="solid"/>
-                      <a:round/>
-                      <a:headEnd type="none" w="med" len="med"/>
-                      <a:tailEnd type="none" w="med" len="med"/>
-                    </a:lnR>
-                    <a:lnT w="12700" cap="flat" cmpd="sng" algn="ctr">
-                      <a:solidFill>
-                        <a:schemeClr val="tx1"/>
-                      </a:solidFill>
-                      <a:prstDash val="solid"/>
-                      <a:round/>
-                      <a:headEnd type="none" w="med" len="med"/>
-                      <a:tailEnd type="none" w="med" len="med"/>
-                    </a:lnT>
-                    <a:lnB w="12700" cap="flat" cmpd="sng" algn="ctr">
-                      <a:solidFill>
-                        <a:schemeClr val="tx1"/>
-                      </a:solidFill>
-                      <a:prstDash val="solid"/>
-                      <a:round/>
-                      <a:headEnd type="none" w="med" len="med"/>
-                      <a:tailEnd type="none" w="med" len="med"/>
-                    </a:lnB>
-                    <a:noFill/>
-                  </a:tcPr>
-                </a:tc>
-                <a:tc>
-                  <a:txBody>
-                    <a:bodyPr/>
-                    <a:lstStyle/>
-                    <a:p>
-                      <a:r>
-                        <a:rPr lang="en-US" sz="2800" baseline="0" dirty="0">
-                          <a:solidFill>
-                            <a:schemeClr val="tx1"/>
-                          </a:solidFill>
-                        </a:rPr>
-                        <a:t>Azure = Rat</a:t>
-                      </a:r>
-                    </a:p>
-                  </a:txBody>
-                  <a:tcPr>
-                    <a:lnL w="12700" cap="flat" cmpd="sng" algn="ctr">
-                      <a:solidFill>
-                        <a:schemeClr val="tx1"/>
-                      </a:solidFill>
-                      <a:prstDash val="solid"/>
-                      <a:round/>
-                      <a:headEnd type="none" w="med" len="med"/>
-                      <a:tailEnd type="none" w="med" len="med"/>
-                    </a:lnL>
-                    <a:lnR w="12700" cap="flat" cmpd="sng" algn="ctr">
-                      <a:solidFill>
-                        <a:schemeClr val="tx1"/>
-                      </a:solidFill>
-                      <a:prstDash val="solid"/>
-                      <a:round/>
-                      <a:headEnd type="none" w="med" len="med"/>
-                      <a:tailEnd type="none" w="med" len="med"/>
-                    </a:lnR>
-                    <a:lnT w="12700" cap="flat" cmpd="sng" algn="ctr">
-                      <a:solidFill>
-                        <a:schemeClr val="tx1"/>
-                      </a:solidFill>
-                      <a:prstDash val="solid"/>
-                      <a:round/>
-                      <a:headEnd type="none" w="med" len="med"/>
-                      <a:tailEnd type="none" w="med" len="med"/>
-                    </a:lnT>
-                    <a:lnB w="12700" cap="flat" cmpd="sng" algn="ctr">
-                      <a:solidFill>
-                        <a:schemeClr val="tx1"/>
-                      </a:solidFill>
-                      <a:prstDash val="solid"/>
-                      <a:round/>
-                      <a:headEnd type="none" w="med" len="med"/>
-                      <a:tailEnd type="none" w="med" len="med"/>
-                    </a:lnB>
-                    <a:noFill/>
-                  </a:tcPr>
-                </a:tc>
-                <a:extLst>
-                  <a:ext uri="{0D108BD9-81ED-4DB2-BD59-A6C34878D82A}">
-                    <a16:rowId xmlns:a16="http://schemas.microsoft.com/office/drawing/2014/main" val="10000"/>
-                  </a:ext>
-                </a:extLst>
-              </a:tr>
-              <a:tr h="1526345">
-                <a:tc>
-                  <a:txBody>
-                    <a:bodyPr/>
-                    <a:lstStyle/>
-                    <a:p>
-                      <a:r>
-                        <a:rPr lang="en-US" sz="2800" b="1" dirty="0"/>
-                        <a:t>Scarlet</a:t>
-                      </a:r>
-                      <a:r>
-                        <a:rPr lang="en-US" sz="2800" b="1" baseline="0" dirty="0"/>
-                        <a:t> = Silent</a:t>
-                      </a:r>
-                      <a:endParaRPr lang="en-US" sz="2800" b="1" dirty="0"/>
-                    </a:p>
-                  </a:txBody>
-                  <a:tcPr>
-                    <a:lnL w="12700" cap="flat" cmpd="sng" algn="ctr">
-                      <a:solidFill>
-                        <a:schemeClr val="tx1"/>
-                      </a:solidFill>
-                      <a:prstDash val="solid"/>
-                      <a:round/>
-                      <a:headEnd type="none" w="med" len="med"/>
-                      <a:tailEnd type="none" w="med" len="med"/>
-                    </a:lnL>
-                    <a:lnR w="12700" cap="flat" cmpd="sng" algn="ctr">
-                      <a:solidFill>
-                        <a:schemeClr val="tx1"/>
-                      </a:solidFill>
-                      <a:prstDash val="solid"/>
-                      <a:round/>
-                      <a:headEnd type="none" w="med" len="med"/>
-                      <a:tailEnd type="none" w="med" len="med"/>
-                    </a:lnR>
-                    <a:lnT w="12700" cap="flat" cmpd="sng" algn="ctr">
-                      <a:solidFill>
-                        <a:schemeClr val="tx1"/>
-                      </a:solidFill>
-                      <a:prstDash val="solid"/>
-                      <a:round/>
-                      <a:headEnd type="none" w="med" len="med"/>
-                      <a:tailEnd type="none" w="med" len="med"/>
-                    </a:lnT>
-                    <a:lnB w="12700" cap="flat" cmpd="sng" algn="ctr">
-                      <a:solidFill>
-                        <a:schemeClr val="tx1"/>
-                      </a:solidFill>
-                      <a:prstDash val="solid"/>
-                      <a:round/>
-                      <a:headEnd type="none" w="med" len="med"/>
-                      <a:tailEnd type="none" w="med" len="med"/>
-                    </a:lnB>
-                  </a:tcPr>
-                </a:tc>
-                <a:tc>
-                  <a:txBody>
-                    <a:bodyPr/>
-                    <a:lstStyle/>
-                    <a:p>
-                      <a:r>
-                        <a:rPr lang="en-US" dirty="0"/>
-                        <a:t>Azure = 5 years</a:t>
-                      </a:r>
-                    </a:p>
-                    <a:p>
-                      <a:r>
-                        <a:rPr lang="en-US" b="1" dirty="0">
-                          <a:solidFill>
-                            <a:srgbClr val="C00000"/>
-                          </a:solidFill>
-                        </a:rPr>
-                        <a:t>2</a:t>
-                      </a:r>
-                      <a:r>
-                        <a:rPr lang="en-US" b="1" baseline="30000" dirty="0">
-                          <a:solidFill>
-                            <a:srgbClr val="C00000"/>
-                          </a:solidFill>
-                        </a:rPr>
-                        <a:t>nd</a:t>
-                      </a:r>
-                      <a:r>
-                        <a:rPr lang="en-US" b="1" baseline="0" dirty="0">
-                          <a:solidFill>
-                            <a:srgbClr val="C00000"/>
-                          </a:solidFill>
-                        </a:rPr>
-                        <a:t> Best for Azure</a:t>
-                      </a:r>
-                      <a:endParaRPr lang="en-US" b="1" dirty="0">
-                        <a:solidFill>
-                          <a:srgbClr val="C00000"/>
-                        </a:solidFill>
-                      </a:endParaRPr>
-                    </a:p>
-                  </a:txBody>
-                  <a:tcPr>
-                    <a:lnL w="12700" cap="flat" cmpd="sng" algn="ctr">
-                      <a:solidFill>
-                        <a:schemeClr val="tx1"/>
-                      </a:solidFill>
-                      <a:prstDash val="solid"/>
-                      <a:round/>
-                      <a:headEnd type="none" w="med" len="med"/>
-                      <a:tailEnd type="none" w="med" len="med"/>
-                    </a:lnL>
-                    <a:lnR w="12700" cap="flat" cmpd="sng" algn="ctr">
-                      <a:solidFill>
-                        <a:schemeClr val="tx1"/>
-                      </a:solidFill>
-                      <a:prstDash val="solid"/>
-                      <a:round/>
-                      <a:headEnd type="none" w="med" len="med"/>
-                      <a:tailEnd type="none" w="med" len="med"/>
-                    </a:lnR>
-                    <a:lnT w="12700" cap="flat" cmpd="sng" algn="ctr">
-                      <a:solidFill>
-                        <a:schemeClr val="tx1"/>
-                      </a:solidFill>
-                      <a:prstDash val="solid"/>
-                      <a:round/>
-                      <a:headEnd type="none" w="med" len="med"/>
-                      <a:tailEnd type="none" w="med" len="med"/>
-                    </a:lnT>
-                    <a:lnB w="12700" cap="flat" cmpd="sng" algn="ctr">
-                      <a:solidFill>
-                        <a:schemeClr val="tx1"/>
-                      </a:solidFill>
-                      <a:prstDash val="solid"/>
-                      <a:round/>
-                      <a:headEnd type="none" w="med" len="med"/>
-                      <a:tailEnd type="none" w="med" len="med"/>
-                    </a:lnB>
-                  </a:tcPr>
-                </a:tc>
-                <a:tc>
-                  <a:txBody>
-                    <a:bodyPr/>
-                    <a:lstStyle/>
-                    <a:p>
-                      <a:r>
-                        <a:rPr lang="en-US" baseline="0" dirty="0"/>
-                        <a:t>Azure = 1 year</a:t>
-                      </a:r>
-                    </a:p>
-                    <a:p>
-                      <a:r>
-                        <a:rPr lang="en-US" b="1" baseline="0" dirty="0">
-                          <a:solidFill>
-                            <a:srgbClr val="C00000"/>
-                          </a:solidFill>
-                        </a:rPr>
-                        <a:t>Best for Azure</a:t>
-                      </a:r>
-                      <a:endParaRPr lang="en-US" b="1" dirty="0">
-                        <a:solidFill>
-                          <a:srgbClr val="C00000"/>
-                        </a:solidFill>
-                      </a:endParaRPr>
-                    </a:p>
-                  </a:txBody>
-                  <a:tcPr>
-                    <a:lnL w="12700" cap="flat" cmpd="sng" algn="ctr">
-                      <a:solidFill>
-                        <a:schemeClr val="tx1"/>
-                      </a:solidFill>
-                      <a:prstDash val="solid"/>
-                      <a:round/>
-                      <a:headEnd type="none" w="med" len="med"/>
-                      <a:tailEnd type="none" w="med" len="med"/>
-                    </a:lnL>
-                    <a:lnR w="12700" cap="flat" cmpd="sng" algn="ctr">
-                      <a:solidFill>
-                        <a:schemeClr val="tx1"/>
-                      </a:solidFill>
-                      <a:prstDash val="solid"/>
-                      <a:round/>
-                      <a:headEnd type="none" w="med" len="med"/>
-                      <a:tailEnd type="none" w="med" len="med"/>
-                    </a:lnR>
-                    <a:lnT w="12700" cap="flat" cmpd="sng" algn="ctr">
-                      <a:solidFill>
-                        <a:schemeClr val="tx1"/>
-                      </a:solidFill>
-                      <a:prstDash val="solid"/>
-                      <a:round/>
-                      <a:headEnd type="none" w="med" len="med"/>
-                      <a:tailEnd type="none" w="med" len="med"/>
-                    </a:lnT>
-                    <a:lnB w="12700" cap="flat" cmpd="sng" algn="ctr">
-                      <a:solidFill>
-                        <a:schemeClr val="tx1"/>
-                      </a:solidFill>
-                      <a:prstDash val="solid"/>
-                      <a:round/>
-                      <a:headEnd type="none" w="med" len="med"/>
-                      <a:tailEnd type="none" w="med" len="med"/>
-                    </a:lnB>
-                  </a:tcPr>
-                </a:tc>
-                <a:extLst>
-                  <a:ext uri="{0D108BD9-81ED-4DB2-BD59-A6C34878D82A}">
-                    <a16:rowId xmlns:a16="http://schemas.microsoft.com/office/drawing/2014/main" val="10001"/>
-                  </a:ext>
-                </a:extLst>
-              </a:tr>
-              <a:tr h="1526345">
-                <a:tc>
-                  <a:txBody>
-                    <a:bodyPr/>
-                    <a:lstStyle/>
-                    <a:p>
-                      <a:r>
-                        <a:rPr lang="en-US" sz="2800" b="1" dirty="0"/>
-                        <a:t>Scarlet = Rat</a:t>
-                      </a:r>
-                    </a:p>
-                  </a:txBody>
-                  <a:tcPr>
-                    <a:lnL w="12700" cap="flat" cmpd="sng" algn="ctr">
-                      <a:solidFill>
-                        <a:schemeClr val="tx1"/>
-                      </a:solidFill>
-                      <a:prstDash val="solid"/>
-                      <a:round/>
-                      <a:headEnd type="none" w="med" len="med"/>
-                      <a:tailEnd type="none" w="med" len="med"/>
-                    </a:lnL>
-                    <a:lnR w="12700" cap="flat" cmpd="sng" algn="ctr">
-                      <a:solidFill>
-                        <a:schemeClr val="tx1"/>
-                      </a:solidFill>
-                      <a:prstDash val="solid"/>
-                      <a:round/>
-                      <a:headEnd type="none" w="med" len="med"/>
-                      <a:tailEnd type="none" w="med" len="med"/>
-                    </a:lnR>
-                    <a:lnT w="12700" cap="flat" cmpd="sng" algn="ctr">
-                      <a:solidFill>
-                        <a:schemeClr val="tx1"/>
-                      </a:solidFill>
-                      <a:prstDash val="solid"/>
-                      <a:round/>
-                      <a:headEnd type="none" w="med" len="med"/>
-                      <a:tailEnd type="none" w="med" len="med"/>
-                    </a:lnT>
-                    <a:lnB w="12700" cap="flat" cmpd="sng" algn="ctr">
-                      <a:solidFill>
-                        <a:schemeClr val="tx1"/>
-                      </a:solidFill>
-                      <a:prstDash val="solid"/>
-                      <a:round/>
-                      <a:headEnd type="none" w="med" len="med"/>
-                      <a:tailEnd type="none" w="med" len="med"/>
-                    </a:lnB>
-                  </a:tcPr>
-                </a:tc>
-                <a:tc>
-                  <a:txBody>
-                    <a:bodyPr/>
-                    <a:lstStyle/>
-                    <a:p>
-                      <a:r>
-                        <a:rPr lang="en-US" baseline="0" dirty="0"/>
-                        <a:t>Azure = 10 years</a:t>
-                      </a:r>
-                    </a:p>
-                    <a:p>
-                      <a:r>
-                        <a:rPr lang="en-US" b="1" baseline="0" dirty="0">
-                          <a:solidFill>
-                            <a:srgbClr val="C00000"/>
-                          </a:solidFill>
-                        </a:rPr>
-                        <a:t>2</a:t>
-                      </a:r>
-                      <a:r>
-                        <a:rPr lang="en-US" b="1" baseline="30000" dirty="0">
-                          <a:solidFill>
-                            <a:srgbClr val="C00000"/>
-                          </a:solidFill>
-                        </a:rPr>
-                        <a:t>nd</a:t>
-                      </a:r>
-                      <a:r>
-                        <a:rPr lang="en-US" b="1" baseline="0" dirty="0">
-                          <a:solidFill>
-                            <a:srgbClr val="C00000"/>
-                          </a:solidFill>
-                        </a:rPr>
-                        <a:t> worst for Azure</a:t>
-                      </a:r>
-                      <a:endParaRPr lang="en-US" b="1" dirty="0">
-                        <a:solidFill>
-                          <a:srgbClr val="C00000"/>
-                        </a:solidFill>
-                      </a:endParaRPr>
-                    </a:p>
-                  </a:txBody>
-                  <a:tcPr>
-                    <a:lnL w="12700" cap="flat" cmpd="sng" algn="ctr">
-                      <a:solidFill>
-                        <a:schemeClr val="tx1"/>
-                      </a:solidFill>
-                      <a:prstDash val="solid"/>
-                      <a:round/>
-                      <a:headEnd type="none" w="med" len="med"/>
-                      <a:tailEnd type="none" w="med" len="med"/>
-                    </a:lnL>
-                    <a:lnR w="12700" cap="flat" cmpd="sng" algn="ctr">
-                      <a:solidFill>
-                        <a:schemeClr val="tx1"/>
-                      </a:solidFill>
-                      <a:prstDash val="solid"/>
-                      <a:round/>
-                      <a:headEnd type="none" w="med" len="med"/>
-                      <a:tailEnd type="none" w="med" len="med"/>
-                    </a:lnR>
-                    <a:lnT w="12700" cap="flat" cmpd="sng" algn="ctr">
-                      <a:solidFill>
-                        <a:schemeClr val="tx1"/>
-                      </a:solidFill>
-                      <a:prstDash val="solid"/>
-                      <a:round/>
-                      <a:headEnd type="none" w="med" len="med"/>
-                      <a:tailEnd type="none" w="med" len="med"/>
-                    </a:lnT>
-                    <a:lnB w="12700" cap="flat" cmpd="sng" algn="ctr">
-                      <a:solidFill>
-                        <a:schemeClr val="tx1"/>
-                      </a:solidFill>
-                      <a:prstDash val="solid"/>
-                      <a:round/>
-                      <a:headEnd type="none" w="med" len="med"/>
-                      <a:tailEnd type="none" w="med" len="med"/>
-                    </a:lnB>
-                  </a:tcPr>
-                </a:tc>
-                <a:tc>
-                  <a:txBody>
-                    <a:bodyPr/>
-                    <a:lstStyle/>
-                    <a:p>
-                      <a:r>
-                        <a:rPr lang="en-US" baseline="0" dirty="0"/>
-                        <a:t>Azure =15 years</a:t>
-                      </a:r>
-                    </a:p>
-                    <a:p>
-                      <a:r>
-                        <a:rPr lang="en-US" b="1" baseline="0" dirty="0">
-                          <a:solidFill>
-                            <a:srgbClr val="C00000"/>
-                          </a:solidFill>
-                        </a:rPr>
-                        <a:t>Worst for Azure</a:t>
-                      </a:r>
-                      <a:endParaRPr lang="en-US" b="1" dirty="0">
-                        <a:solidFill>
-                          <a:srgbClr val="C00000"/>
-                        </a:solidFill>
-                      </a:endParaRPr>
-                    </a:p>
-                  </a:txBody>
-                  <a:tcPr>
-                    <a:lnL w="12700" cap="flat" cmpd="sng" algn="ctr">
-                      <a:solidFill>
-                        <a:schemeClr val="tx1"/>
-                      </a:solidFill>
-                      <a:prstDash val="solid"/>
-                      <a:round/>
-                      <a:headEnd type="none" w="med" len="med"/>
-                      <a:tailEnd type="none" w="med" len="med"/>
-                    </a:lnL>
-                    <a:lnR w="12700" cap="flat" cmpd="sng" algn="ctr">
-                      <a:solidFill>
-                        <a:schemeClr val="tx1"/>
-                      </a:solidFill>
-                      <a:prstDash val="solid"/>
-                      <a:round/>
-                      <a:headEnd type="none" w="med" len="med"/>
-                      <a:tailEnd type="none" w="med" len="med"/>
-                    </a:lnR>
-                    <a:lnT w="12700" cap="flat" cmpd="sng" algn="ctr">
-                      <a:solidFill>
-                        <a:schemeClr val="tx1"/>
-                      </a:solidFill>
-                      <a:prstDash val="solid"/>
-                      <a:round/>
-                      <a:headEnd type="none" w="med" len="med"/>
-                      <a:tailEnd type="none" w="med" len="med"/>
-                    </a:lnT>
-                    <a:lnB w="12700" cap="flat" cmpd="sng" algn="ctr">
-                      <a:solidFill>
-                        <a:schemeClr val="tx1"/>
-                      </a:solidFill>
-                      <a:prstDash val="solid"/>
-                      <a:round/>
-                      <a:headEnd type="none" w="med" len="med"/>
-                      <a:tailEnd type="none" w="med" len="med"/>
-                    </a:lnB>
-                  </a:tcPr>
-                </a:tc>
-                <a:extLst>
-                  <a:ext uri="{0D108BD9-81ED-4DB2-BD59-A6C34878D82A}">
-                    <a16:rowId xmlns:a16="http://schemas.microsoft.com/office/drawing/2014/main" val="10002"/>
-                  </a:ext>
-                </a:extLst>
-              </a:tr>
-            </a:tbl>
-          </a:graphicData>
-        </a:graphic>
-      </p:graphicFrame>
-    </p:spTree>
-  </p:cSld>
-  <p:clrMapOvr>
-    <a:masterClrMapping/>
-  </p:clrMapOvr>
-  <p:transition/>
-</p:sld>
-</file>
-
-<file path=ppt/slides/slide41.xml><?xml version="1.0" encoding="utf-8"?>
-<p:sld xmlns:a="http://schemas.openxmlformats.org/drawingml/2006/main" xmlns:r="http://schemas.openxmlformats.org/officeDocument/2006/relationships" xmlns:p="http://schemas.openxmlformats.org/presentationml/2006/main" show="0">
-  <p:cSld>
-    <p:spTree>
-      <p:nvGrpSpPr>
-        <p:cNvPr id="1" name=""/>
-        <p:cNvGrpSpPr/>
-        <p:nvPr/>
-      </p:nvGrpSpPr>
-      <p:grpSpPr>
-        <a:xfrm>
-          <a:off x="0" y="0"/>
-          <a:ext cx="0" cy="0"/>
-          <a:chOff x="0" y="0"/>
-          <a:chExt cx="0" cy="0"/>
-        </a:xfrm>
-      </p:grpSpPr>
-      <p:graphicFrame>
-        <p:nvGraphicFramePr>
-          <p:cNvPr id="2" name="Table 1"/>
-          <p:cNvGraphicFramePr>
-            <a:graphicFrameLocks noGrp="1"/>
-          </p:cNvGraphicFramePr>
-          <p:nvPr/>
-        </p:nvGraphicFramePr>
-        <p:xfrm>
-          <a:off x="609600" y="1397000"/>
-          <a:ext cx="8001000" cy="3997569"/>
-        </p:xfrm>
-        <a:graphic>
-          <a:graphicData uri="http://schemas.openxmlformats.org/drawingml/2006/table">
-            <a:tbl>
-              <a:tblPr firstRow="1" bandRow="1">
-                <a:tableStyleId>{5C22544A-7EE6-4342-B048-85BDC9FD1C3A}</a:tableStyleId>
-              </a:tblPr>
-              <a:tblGrid>
-                <a:gridCol w="2667000">
-                  <a:extLst>
-                    <a:ext uri="{9D8B030D-6E8A-4147-A177-3AD203B41FA5}">
-                      <a16:colId xmlns:a16="http://schemas.microsoft.com/office/drawing/2014/main" val="20000"/>
-                    </a:ext>
-                  </a:extLst>
-                </a:gridCol>
-                <a:gridCol w="2667000">
-                  <a:extLst>
-                    <a:ext uri="{9D8B030D-6E8A-4147-A177-3AD203B41FA5}">
-                      <a16:colId xmlns:a16="http://schemas.microsoft.com/office/drawing/2014/main" val="20001"/>
-                    </a:ext>
-                  </a:extLst>
-                </a:gridCol>
-                <a:gridCol w="2667000">
-                  <a:extLst>
-                    <a:ext uri="{9D8B030D-6E8A-4147-A177-3AD203B41FA5}">
-                      <a16:colId xmlns:a16="http://schemas.microsoft.com/office/drawing/2014/main" val="20002"/>
-                    </a:ext>
-                  </a:extLst>
-                </a:gridCol>
-              </a:tblGrid>
-              <a:tr h="884311">
-                <a:tc>
-                  <a:txBody>
-                    <a:bodyPr/>
-                    <a:lstStyle/>
-                    <a:p>
-                      <a:r>
-                        <a:rPr lang="en-US" sz="4400" dirty="0">
-                          <a:solidFill>
-                            <a:srgbClr val="008000"/>
-                          </a:solidFill>
-                        </a:rPr>
-                        <a:t>Both</a:t>
-                      </a:r>
-                    </a:p>
-                  </a:txBody>
-                  <a:tcPr>
-                    <a:lnL w="12700" cap="flat" cmpd="sng" algn="ctr">
-                      <a:solidFill>
-                        <a:schemeClr val="tx1"/>
-                      </a:solidFill>
-                      <a:prstDash val="solid"/>
-                      <a:round/>
-                      <a:headEnd type="none" w="med" len="med"/>
-                      <a:tailEnd type="none" w="med" len="med"/>
-                    </a:lnL>
-                    <a:lnR w="12700" cap="flat" cmpd="sng" algn="ctr">
-                      <a:solidFill>
-                        <a:schemeClr val="tx1"/>
-                      </a:solidFill>
-                      <a:prstDash val="solid"/>
-                      <a:round/>
-                      <a:headEnd type="none" w="med" len="med"/>
-                      <a:tailEnd type="none" w="med" len="med"/>
-                    </a:lnR>
-                    <a:lnT w="12700" cap="flat" cmpd="sng" algn="ctr">
-                      <a:solidFill>
-                        <a:schemeClr val="tx1"/>
-                      </a:solidFill>
-                      <a:prstDash val="solid"/>
-                      <a:round/>
-                      <a:headEnd type="none" w="med" len="med"/>
-                      <a:tailEnd type="none" w="med" len="med"/>
-                    </a:lnT>
-                    <a:lnB w="12700" cap="flat" cmpd="sng" algn="ctr">
-                      <a:solidFill>
-                        <a:schemeClr val="tx1"/>
-                      </a:solidFill>
-                      <a:prstDash val="solid"/>
-                      <a:round/>
-                      <a:headEnd type="none" w="med" len="med"/>
-                      <a:tailEnd type="none" w="med" len="med"/>
-                    </a:lnB>
-                    <a:solidFill>
-                      <a:schemeClr val="bg1"/>
-                    </a:solidFill>
-                  </a:tcPr>
-                </a:tc>
-                <a:tc>
-                  <a:txBody>
-                    <a:bodyPr/>
-                    <a:lstStyle/>
-                    <a:p>
-                      <a:r>
-                        <a:rPr lang="en-US" sz="2800" baseline="0" dirty="0">
-                          <a:solidFill>
-                            <a:schemeClr val="tx1"/>
-                          </a:solidFill>
-                        </a:rPr>
-                        <a:t>Azure = Silent </a:t>
-                      </a:r>
-                    </a:p>
-                  </a:txBody>
-                  <a:tcPr>
-                    <a:lnL w="12700" cap="flat" cmpd="sng" algn="ctr">
-                      <a:solidFill>
-                        <a:schemeClr val="tx1"/>
-                      </a:solidFill>
-                      <a:prstDash val="solid"/>
-                      <a:round/>
-                      <a:headEnd type="none" w="med" len="med"/>
-                      <a:tailEnd type="none" w="med" len="med"/>
-                    </a:lnL>
-                    <a:lnR w="12700" cap="flat" cmpd="sng" algn="ctr">
-                      <a:solidFill>
-                        <a:schemeClr val="tx1"/>
-                      </a:solidFill>
-                      <a:prstDash val="solid"/>
-                      <a:round/>
-                      <a:headEnd type="none" w="med" len="med"/>
-                      <a:tailEnd type="none" w="med" len="med"/>
-                    </a:lnR>
-                    <a:lnT w="12700" cap="flat" cmpd="sng" algn="ctr">
-                      <a:solidFill>
-                        <a:schemeClr val="tx1"/>
-                      </a:solidFill>
-                      <a:prstDash val="solid"/>
-                      <a:round/>
-                      <a:headEnd type="none" w="med" len="med"/>
-                      <a:tailEnd type="none" w="med" len="med"/>
-                    </a:lnT>
-                    <a:lnB w="12700" cap="flat" cmpd="sng" algn="ctr">
-                      <a:solidFill>
-                        <a:schemeClr val="tx1"/>
-                      </a:solidFill>
-                      <a:prstDash val="solid"/>
-                      <a:round/>
-                      <a:headEnd type="none" w="med" len="med"/>
-                      <a:tailEnd type="none" w="med" len="med"/>
-                    </a:lnB>
-                    <a:noFill/>
-                  </a:tcPr>
-                </a:tc>
-                <a:tc>
-                  <a:txBody>
-                    <a:bodyPr/>
-                    <a:lstStyle/>
-                    <a:p>
-                      <a:r>
-                        <a:rPr lang="en-US" sz="2800" baseline="0" dirty="0">
-                          <a:solidFill>
-                            <a:schemeClr val="tx1"/>
-                          </a:solidFill>
-                        </a:rPr>
-                        <a:t>Azure = Rat</a:t>
-                      </a:r>
-                    </a:p>
-                  </a:txBody>
-                  <a:tcPr>
-                    <a:lnL w="12700" cap="flat" cmpd="sng" algn="ctr">
-                      <a:solidFill>
-                        <a:schemeClr val="tx1"/>
-                      </a:solidFill>
-                      <a:prstDash val="solid"/>
-                      <a:round/>
-                      <a:headEnd type="none" w="med" len="med"/>
-                      <a:tailEnd type="none" w="med" len="med"/>
-                    </a:lnL>
-                    <a:lnR w="12700" cap="flat" cmpd="sng" algn="ctr">
-                      <a:solidFill>
-                        <a:schemeClr val="tx1"/>
-                      </a:solidFill>
-                      <a:prstDash val="solid"/>
-                      <a:round/>
-                      <a:headEnd type="none" w="med" len="med"/>
-                      <a:tailEnd type="none" w="med" len="med"/>
-                    </a:lnR>
-                    <a:lnT w="12700" cap="flat" cmpd="sng" algn="ctr">
-                      <a:solidFill>
-                        <a:schemeClr val="tx1"/>
-                      </a:solidFill>
-                      <a:prstDash val="solid"/>
-                      <a:round/>
-                      <a:headEnd type="none" w="med" len="med"/>
-                      <a:tailEnd type="none" w="med" len="med"/>
-                    </a:lnT>
-                    <a:lnB w="12700" cap="flat" cmpd="sng" algn="ctr">
-                      <a:solidFill>
-                        <a:schemeClr val="tx1"/>
-                      </a:solidFill>
-                      <a:prstDash val="solid"/>
-                      <a:round/>
-                      <a:headEnd type="none" w="med" len="med"/>
-                      <a:tailEnd type="none" w="med" len="med"/>
-                    </a:lnB>
-                    <a:noFill/>
-                  </a:tcPr>
-                </a:tc>
-                <a:extLst>
-                  <a:ext uri="{0D108BD9-81ED-4DB2-BD59-A6C34878D82A}">
-                    <a16:rowId xmlns:a16="http://schemas.microsoft.com/office/drawing/2014/main" val="10000"/>
-                  </a:ext>
-                </a:extLst>
-              </a:tr>
-              <a:tr h="1526345">
-                <a:tc>
-                  <a:txBody>
-                    <a:bodyPr/>
-                    <a:lstStyle/>
-                    <a:p>
-                      <a:r>
-                        <a:rPr lang="en-US" sz="2800" b="1" dirty="0"/>
-                        <a:t>Scarlet</a:t>
-                      </a:r>
-                      <a:r>
-                        <a:rPr lang="en-US" sz="2800" b="1" baseline="0" dirty="0"/>
-                        <a:t> = Silent</a:t>
-                      </a:r>
-                      <a:endParaRPr lang="en-US" sz="2800" b="1" dirty="0"/>
-                    </a:p>
-                  </a:txBody>
-                  <a:tcPr>
-                    <a:lnL w="12700" cap="flat" cmpd="sng" algn="ctr">
-                      <a:solidFill>
-                        <a:schemeClr val="tx1"/>
-                      </a:solidFill>
-                      <a:prstDash val="solid"/>
-                      <a:round/>
-                      <a:headEnd type="none" w="med" len="med"/>
-                      <a:tailEnd type="none" w="med" len="med"/>
-                    </a:lnL>
-                    <a:lnR w="12700" cap="flat" cmpd="sng" algn="ctr">
-                      <a:solidFill>
-                        <a:schemeClr val="tx1"/>
-                      </a:solidFill>
-                      <a:prstDash val="solid"/>
-                      <a:round/>
-                      <a:headEnd type="none" w="med" len="med"/>
-                      <a:tailEnd type="none" w="med" len="med"/>
-                    </a:lnR>
-                    <a:lnT w="12700" cap="flat" cmpd="sng" algn="ctr">
-                      <a:solidFill>
-                        <a:schemeClr val="tx1"/>
-                      </a:solidFill>
-                      <a:prstDash val="solid"/>
-                      <a:round/>
-                      <a:headEnd type="none" w="med" len="med"/>
-                      <a:tailEnd type="none" w="med" len="med"/>
-                    </a:lnT>
-                    <a:lnB w="12700" cap="flat" cmpd="sng" algn="ctr">
-                      <a:solidFill>
-                        <a:schemeClr val="tx1"/>
-                      </a:solidFill>
-                      <a:prstDash val="solid"/>
-                      <a:round/>
-                      <a:headEnd type="none" w="med" len="med"/>
-                      <a:tailEnd type="none" w="med" len="med"/>
-                    </a:lnB>
-                  </a:tcPr>
-                </a:tc>
-                <a:tc>
-                  <a:txBody>
-                    <a:bodyPr/>
-                    <a:lstStyle/>
-                    <a:p>
-                      <a:r>
-                        <a:rPr lang="en-US" dirty="0"/>
-                        <a:t>Scarlet = </a:t>
-                      </a:r>
-                      <a:r>
-                        <a:rPr lang="en-US" b="1" dirty="0">
-                          <a:solidFill>
-                            <a:srgbClr val="C00000"/>
-                          </a:solidFill>
-                        </a:rPr>
-                        <a:t>2</a:t>
-                      </a:r>
-                      <a:r>
-                        <a:rPr lang="en-US" b="1" baseline="30000" dirty="0">
-                          <a:solidFill>
-                            <a:srgbClr val="C00000"/>
-                          </a:solidFill>
-                        </a:rPr>
-                        <a:t>nd</a:t>
-                      </a:r>
-                      <a:r>
-                        <a:rPr lang="en-US" b="1" baseline="0" dirty="0">
-                          <a:solidFill>
-                            <a:srgbClr val="C00000"/>
-                          </a:solidFill>
-                        </a:rPr>
-                        <a:t> Best</a:t>
-                      </a:r>
-                      <a:endParaRPr lang="en-US" b="1" dirty="0">
-                        <a:solidFill>
-                          <a:srgbClr val="C00000"/>
-                        </a:solidFill>
-                      </a:endParaRPr>
-                    </a:p>
-                    <a:p>
-                      <a:r>
-                        <a:rPr lang="en-US" dirty="0"/>
-                        <a:t>Azure = </a:t>
-                      </a:r>
-                      <a:r>
-                        <a:rPr lang="en-US" b="1" dirty="0">
-                          <a:solidFill>
-                            <a:srgbClr val="C00000"/>
-                          </a:solidFill>
-                        </a:rPr>
-                        <a:t>2</a:t>
-                      </a:r>
-                      <a:r>
-                        <a:rPr lang="en-US" b="1" baseline="30000" dirty="0">
-                          <a:solidFill>
-                            <a:srgbClr val="C00000"/>
-                          </a:solidFill>
-                        </a:rPr>
-                        <a:t>nd</a:t>
-                      </a:r>
-                      <a:r>
-                        <a:rPr lang="en-US" b="1" baseline="0" dirty="0">
-                          <a:solidFill>
-                            <a:srgbClr val="C00000"/>
-                          </a:solidFill>
-                        </a:rPr>
-                        <a:t> Best</a:t>
-                      </a:r>
-                      <a:endParaRPr lang="en-US" b="1" dirty="0">
-                        <a:solidFill>
-                          <a:srgbClr val="C00000"/>
-                        </a:solidFill>
-                      </a:endParaRPr>
-                    </a:p>
-                  </a:txBody>
-                  <a:tcPr>
-                    <a:lnL w="12700" cap="flat" cmpd="sng" algn="ctr">
-                      <a:solidFill>
-                        <a:schemeClr val="tx1"/>
-                      </a:solidFill>
-                      <a:prstDash val="solid"/>
-                      <a:round/>
-                      <a:headEnd type="none" w="med" len="med"/>
-                      <a:tailEnd type="none" w="med" len="med"/>
-                    </a:lnL>
-                    <a:lnR w="12700" cap="flat" cmpd="sng" algn="ctr">
-                      <a:solidFill>
-                        <a:schemeClr val="tx1"/>
-                      </a:solidFill>
-                      <a:prstDash val="solid"/>
-                      <a:round/>
-                      <a:headEnd type="none" w="med" len="med"/>
-                      <a:tailEnd type="none" w="med" len="med"/>
-                    </a:lnR>
-                    <a:lnT w="12700" cap="flat" cmpd="sng" algn="ctr">
-                      <a:solidFill>
-                        <a:schemeClr val="tx1"/>
-                      </a:solidFill>
-                      <a:prstDash val="solid"/>
-                      <a:round/>
-                      <a:headEnd type="none" w="med" len="med"/>
-                      <a:tailEnd type="none" w="med" len="med"/>
-                    </a:lnT>
-                    <a:lnB w="12700" cap="flat" cmpd="sng" algn="ctr">
-                      <a:solidFill>
-                        <a:schemeClr val="tx1"/>
-                      </a:solidFill>
-                      <a:prstDash val="solid"/>
-                      <a:round/>
-                      <a:headEnd type="none" w="med" len="med"/>
-                      <a:tailEnd type="none" w="med" len="med"/>
-                    </a:lnB>
-                  </a:tcPr>
-                </a:tc>
-                <a:tc>
-                  <a:txBody>
-                    <a:bodyPr/>
-                    <a:lstStyle/>
-                    <a:p>
-                      <a:r>
-                        <a:rPr lang="en-US" dirty="0"/>
-                        <a:t>Scarlet</a:t>
-                      </a:r>
-                      <a:r>
-                        <a:rPr lang="en-US" baseline="0" dirty="0"/>
-                        <a:t> = </a:t>
-                      </a:r>
-                      <a:r>
-                        <a:rPr lang="en-US" b="1" baseline="0" dirty="0">
-                          <a:solidFill>
-                            <a:srgbClr val="C00000"/>
-                          </a:solidFill>
-                        </a:rPr>
-                        <a:t>2nd Worst</a:t>
-                      </a:r>
-                    </a:p>
-                    <a:p>
-                      <a:r>
-                        <a:rPr lang="en-US" baseline="0" dirty="0"/>
-                        <a:t>Azure = </a:t>
-                      </a:r>
-                      <a:r>
-                        <a:rPr lang="en-US" b="1" baseline="0" dirty="0">
-                          <a:solidFill>
-                            <a:srgbClr val="C00000"/>
-                          </a:solidFill>
-                        </a:rPr>
-                        <a:t>Best</a:t>
-                      </a:r>
-                      <a:endParaRPr lang="en-US" b="1" dirty="0">
-                        <a:solidFill>
-                          <a:srgbClr val="C00000"/>
-                        </a:solidFill>
-                      </a:endParaRPr>
-                    </a:p>
-                  </a:txBody>
-                  <a:tcPr>
-                    <a:lnL w="12700" cap="flat" cmpd="sng" algn="ctr">
-                      <a:solidFill>
-                        <a:schemeClr val="tx1"/>
-                      </a:solidFill>
-                      <a:prstDash val="solid"/>
-                      <a:round/>
-                      <a:headEnd type="none" w="med" len="med"/>
-                      <a:tailEnd type="none" w="med" len="med"/>
-                    </a:lnL>
-                    <a:lnR w="12700" cap="flat" cmpd="sng" algn="ctr">
-                      <a:solidFill>
-                        <a:schemeClr val="tx1"/>
-                      </a:solidFill>
-                      <a:prstDash val="solid"/>
-                      <a:round/>
-                      <a:headEnd type="none" w="med" len="med"/>
-                      <a:tailEnd type="none" w="med" len="med"/>
-                    </a:lnR>
-                    <a:lnT w="12700" cap="flat" cmpd="sng" algn="ctr">
-                      <a:solidFill>
-                        <a:schemeClr val="tx1"/>
-                      </a:solidFill>
-                      <a:prstDash val="solid"/>
-                      <a:round/>
-                      <a:headEnd type="none" w="med" len="med"/>
-                      <a:tailEnd type="none" w="med" len="med"/>
-                    </a:lnT>
-                    <a:lnB w="12700" cap="flat" cmpd="sng" algn="ctr">
-                      <a:solidFill>
-                        <a:schemeClr val="tx1"/>
-                      </a:solidFill>
-                      <a:prstDash val="solid"/>
-                      <a:round/>
-                      <a:headEnd type="none" w="med" len="med"/>
-                      <a:tailEnd type="none" w="med" len="med"/>
-                    </a:lnB>
-                  </a:tcPr>
-                </a:tc>
-                <a:extLst>
-                  <a:ext uri="{0D108BD9-81ED-4DB2-BD59-A6C34878D82A}">
-                    <a16:rowId xmlns:a16="http://schemas.microsoft.com/office/drawing/2014/main" val="10001"/>
-                  </a:ext>
-                </a:extLst>
-              </a:tr>
-              <a:tr h="1526345">
-                <a:tc>
-                  <a:txBody>
-                    <a:bodyPr/>
-                    <a:lstStyle/>
-                    <a:p>
-                      <a:r>
-                        <a:rPr lang="en-US" sz="2800" b="1" dirty="0"/>
-                        <a:t>Scarlet = Rat</a:t>
-                      </a:r>
-                    </a:p>
-                  </a:txBody>
-                  <a:tcPr>
-                    <a:lnL w="12700" cap="flat" cmpd="sng" algn="ctr">
-                      <a:solidFill>
-                        <a:schemeClr val="tx1"/>
-                      </a:solidFill>
-                      <a:prstDash val="solid"/>
-                      <a:round/>
-                      <a:headEnd type="none" w="med" len="med"/>
-                      <a:tailEnd type="none" w="med" len="med"/>
-                    </a:lnL>
-                    <a:lnR w="12700" cap="flat" cmpd="sng" algn="ctr">
-                      <a:solidFill>
-                        <a:schemeClr val="tx1"/>
-                      </a:solidFill>
-                      <a:prstDash val="solid"/>
-                      <a:round/>
-                      <a:headEnd type="none" w="med" len="med"/>
-                      <a:tailEnd type="none" w="med" len="med"/>
-                    </a:lnR>
-                    <a:lnT w="12700" cap="flat" cmpd="sng" algn="ctr">
-                      <a:solidFill>
-                        <a:schemeClr val="tx1"/>
-                      </a:solidFill>
-                      <a:prstDash val="solid"/>
-                      <a:round/>
-                      <a:headEnd type="none" w="med" len="med"/>
-                      <a:tailEnd type="none" w="med" len="med"/>
-                    </a:lnT>
-                    <a:lnB w="12700" cap="flat" cmpd="sng" algn="ctr">
-                      <a:solidFill>
-                        <a:schemeClr val="tx1"/>
-                      </a:solidFill>
-                      <a:prstDash val="solid"/>
-                      <a:round/>
-                      <a:headEnd type="none" w="med" len="med"/>
-                      <a:tailEnd type="none" w="med" len="med"/>
-                    </a:lnB>
-                  </a:tcPr>
-                </a:tc>
-                <a:tc>
-                  <a:txBody>
-                    <a:bodyPr/>
-                    <a:lstStyle/>
-                    <a:p>
-                      <a:r>
-                        <a:rPr lang="en-US" dirty="0"/>
-                        <a:t>Scarlet</a:t>
-                      </a:r>
-                      <a:r>
-                        <a:rPr lang="en-US" baseline="0" dirty="0"/>
-                        <a:t> = </a:t>
-                      </a:r>
-                      <a:r>
-                        <a:rPr lang="en-US" b="1" baseline="0" dirty="0">
-                          <a:solidFill>
-                            <a:srgbClr val="C00000"/>
-                          </a:solidFill>
-                        </a:rPr>
-                        <a:t>Best</a:t>
-                      </a:r>
-                    </a:p>
-                    <a:p>
-                      <a:r>
-                        <a:rPr lang="en-US" baseline="0" dirty="0"/>
-                        <a:t>Azure = </a:t>
-                      </a:r>
-                      <a:r>
-                        <a:rPr lang="en-US" b="1" baseline="0" dirty="0">
-                          <a:solidFill>
-                            <a:srgbClr val="C00000"/>
-                          </a:solidFill>
-                        </a:rPr>
-                        <a:t>2</a:t>
-                      </a:r>
-                      <a:r>
-                        <a:rPr lang="en-US" b="1" baseline="30000" dirty="0">
-                          <a:solidFill>
-                            <a:srgbClr val="C00000"/>
-                          </a:solidFill>
-                        </a:rPr>
-                        <a:t>nd</a:t>
-                      </a:r>
-                      <a:r>
-                        <a:rPr lang="en-US" b="1" baseline="0" dirty="0">
-                          <a:solidFill>
-                            <a:srgbClr val="C00000"/>
-                          </a:solidFill>
-                        </a:rPr>
-                        <a:t> Worst</a:t>
-                      </a:r>
-                      <a:endParaRPr lang="en-US" b="1" dirty="0">
-                        <a:solidFill>
-                          <a:srgbClr val="C00000"/>
-                        </a:solidFill>
-                      </a:endParaRPr>
-                    </a:p>
-                  </a:txBody>
-                  <a:tcPr>
-                    <a:lnL w="12700" cap="flat" cmpd="sng" algn="ctr">
-                      <a:solidFill>
-                        <a:schemeClr val="tx1"/>
-                      </a:solidFill>
-                      <a:prstDash val="solid"/>
-                      <a:round/>
-                      <a:headEnd type="none" w="med" len="med"/>
-                      <a:tailEnd type="none" w="med" len="med"/>
-                    </a:lnL>
-                    <a:lnR w="12700" cap="flat" cmpd="sng" algn="ctr">
-                      <a:solidFill>
-                        <a:schemeClr val="tx1"/>
-                      </a:solidFill>
-                      <a:prstDash val="solid"/>
-                      <a:round/>
-                      <a:headEnd type="none" w="med" len="med"/>
-                      <a:tailEnd type="none" w="med" len="med"/>
-                    </a:lnR>
-                    <a:lnT w="12700" cap="flat" cmpd="sng" algn="ctr">
-                      <a:solidFill>
-                        <a:schemeClr val="tx1"/>
-                      </a:solidFill>
-                      <a:prstDash val="solid"/>
-                      <a:round/>
-                      <a:headEnd type="none" w="med" len="med"/>
-                      <a:tailEnd type="none" w="med" len="med"/>
-                    </a:lnT>
-                    <a:lnB w="12700" cap="flat" cmpd="sng" algn="ctr">
-                      <a:solidFill>
-                        <a:schemeClr val="tx1"/>
-                      </a:solidFill>
-                      <a:prstDash val="solid"/>
-                      <a:round/>
-                      <a:headEnd type="none" w="med" len="med"/>
-                      <a:tailEnd type="none" w="med" len="med"/>
-                    </a:lnB>
-                  </a:tcPr>
-                </a:tc>
-                <a:tc>
-                  <a:txBody>
-                    <a:bodyPr/>
-                    <a:lstStyle/>
-                    <a:p>
-                      <a:r>
-                        <a:rPr lang="en-US" dirty="0"/>
-                        <a:t>Scarlet =</a:t>
-                      </a:r>
-                      <a:r>
-                        <a:rPr lang="en-US" baseline="0" dirty="0"/>
-                        <a:t> </a:t>
-                      </a:r>
-                      <a:r>
-                        <a:rPr lang="en-US" b="1" baseline="0" dirty="0">
-                          <a:solidFill>
-                            <a:srgbClr val="C00000"/>
-                          </a:solidFill>
-                        </a:rPr>
-                        <a:t>Worst</a:t>
-                      </a:r>
-                    </a:p>
-                    <a:p>
-                      <a:r>
-                        <a:rPr lang="en-US" baseline="0" dirty="0"/>
-                        <a:t>Azure = </a:t>
-                      </a:r>
-                      <a:r>
-                        <a:rPr lang="en-US" b="1" baseline="0" dirty="0">
-                          <a:solidFill>
-                            <a:srgbClr val="C00000"/>
-                          </a:solidFill>
-                        </a:rPr>
-                        <a:t>Worst</a:t>
-                      </a:r>
-                      <a:endParaRPr lang="en-US" b="1" dirty="0">
-                        <a:solidFill>
-                          <a:srgbClr val="C00000"/>
-                        </a:solidFill>
-                      </a:endParaRPr>
-                    </a:p>
-                  </a:txBody>
-                  <a:tcPr>
-                    <a:lnL w="12700" cap="flat" cmpd="sng" algn="ctr">
-                      <a:solidFill>
-                        <a:schemeClr val="tx1"/>
-                      </a:solidFill>
-                      <a:prstDash val="solid"/>
-                      <a:round/>
-                      <a:headEnd type="none" w="med" len="med"/>
-                      <a:tailEnd type="none" w="med" len="med"/>
-                    </a:lnL>
-                    <a:lnR w="12700" cap="flat" cmpd="sng" algn="ctr">
-                      <a:solidFill>
-                        <a:schemeClr val="tx1"/>
-                      </a:solidFill>
-                      <a:prstDash val="solid"/>
-                      <a:round/>
-                      <a:headEnd type="none" w="med" len="med"/>
-                      <a:tailEnd type="none" w="med" len="med"/>
-                    </a:lnR>
-                    <a:lnT w="12700" cap="flat" cmpd="sng" algn="ctr">
-                      <a:solidFill>
-                        <a:schemeClr val="tx1"/>
-                      </a:solidFill>
-                      <a:prstDash val="solid"/>
-                      <a:round/>
-                      <a:headEnd type="none" w="med" len="med"/>
-                      <a:tailEnd type="none" w="med" len="med"/>
-                    </a:lnT>
-                    <a:lnB w="12700" cap="flat" cmpd="sng" algn="ctr">
-                      <a:solidFill>
-                        <a:schemeClr val="tx1"/>
-                      </a:solidFill>
-                      <a:prstDash val="solid"/>
-                      <a:round/>
-                      <a:headEnd type="none" w="med" len="med"/>
-                      <a:tailEnd type="none" w="med" len="med"/>
-                    </a:lnB>
-                  </a:tcPr>
-                </a:tc>
-                <a:extLst>
-                  <a:ext uri="{0D108BD9-81ED-4DB2-BD59-A6C34878D82A}">
-                    <a16:rowId xmlns:a16="http://schemas.microsoft.com/office/drawing/2014/main" val="10002"/>
-                  </a:ext>
-                </a:extLst>
-              </a:tr>
-            </a:tbl>
-          </a:graphicData>
-        </a:graphic>
-      </p:graphicFrame>
-    </p:spTree>
-  </p:cSld>
-  <p:clrMapOvr>
-    <a:masterClrMapping/>
-  </p:clrMapOvr>
-  <p:transition/>
-</p:sld>
-</file>
-
-<file path=ppt/slides/slide42.xml><?xml version="1.0" encoding="utf-8"?>
-<p:sld xmlns:a="http://schemas.openxmlformats.org/drawingml/2006/main" xmlns:r="http://schemas.openxmlformats.org/officeDocument/2006/relationships" xmlns:p="http://schemas.openxmlformats.org/presentationml/2006/main" show="0">
-  <p:cSld>
-    <p:spTree>
-      <p:nvGrpSpPr>
-        <p:cNvPr id="1" name=""/>
-        <p:cNvGrpSpPr/>
-        <p:nvPr/>
-      </p:nvGrpSpPr>
-      <p:grpSpPr>
-        <a:xfrm>
-          <a:off x="0" y="0"/>
-          <a:ext cx="0" cy="0"/>
-          <a:chOff x="0" y="0"/>
-          <a:chExt cx="0" cy="0"/>
-        </a:xfrm>
-      </p:grpSpPr>
-      <p:sp>
-        <p:nvSpPr>
-          <p:cNvPr id="2" name="Title 1"/>
-          <p:cNvSpPr>
-            <a:spLocks noGrp="1"/>
-          </p:cNvSpPr>
-          <p:nvPr>
-            <p:ph type="ctrTitle"/>
-          </p:nvPr>
-        </p:nvSpPr>
-        <p:spPr/>
-        <p:txBody>
-          <a:bodyPr/>
-          <a:lstStyle/>
-          <a:p>
-            <a:r>
-              <a:rPr lang="en-US" dirty="0"/>
-              <a:t>Older</a:t>
-            </a:r>
-          </a:p>
-        </p:txBody>
-      </p:sp>
-      <p:sp>
-        <p:nvSpPr>
-          <p:cNvPr id="3" name="Subtitle 2"/>
-          <p:cNvSpPr>
-            <a:spLocks noGrp="1"/>
-          </p:cNvSpPr>
-          <p:nvPr>
-            <p:ph type="subTitle" idx="1"/>
-          </p:nvPr>
-        </p:nvSpPr>
-        <p:spPr/>
-        <p:txBody>
-          <a:bodyPr/>
-          <a:lstStyle/>
-          <a:p>
-            <a:endParaRPr lang="en-US"/>
-          </a:p>
-        </p:txBody>
-      </p:sp>
-    </p:spTree>
-  </p:cSld>
-  <p:clrMapOvr>
-    <a:masterClrMapping/>
-  </p:clrMapOvr>
-  <p:transition/>
 </p:sld>
 </file>
 

--- a/lectures/Prisoners dilemma.pptx
+++ b/lectures/Prisoners dilemma.pptx
@@ -10175,7 +10175,7 @@
 </file>
 
 <file path=ppt/slides/slide28.xml><?xml version="1.0" encoding="utf-8"?>
-<p:sld xmlns:a="http://schemas.openxmlformats.org/drawingml/2006/main" xmlns:r="http://schemas.openxmlformats.org/officeDocument/2006/relationships" xmlns:p="http://schemas.openxmlformats.org/presentationml/2006/main">
+<p:sld xmlns:a="http://schemas.openxmlformats.org/drawingml/2006/main" xmlns:r="http://schemas.openxmlformats.org/officeDocument/2006/relationships" xmlns:p="http://schemas.openxmlformats.org/presentationml/2006/main" show="0">
   <p:cSld>
     <p:spTree>
       <p:nvGrpSpPr>

--- a/lectures/Prisoners dilemma.pptx
+++ b/lectures/Prisoners dilemma.pptx
@@ -242,7 +242,7 @@
             <a:fld id="{353FB7D0-3F83-5B4A-9D51-DB191047E9A5}" type="datetimeFigureOut">
               <a:rPr lang="en-US" smtClean="0"/>
               <a:pPr/>
-              <a:t>9/21/19</a:t>
+              <a:t>10/10/19</a:t>
             </a:fld>
             <a:endParaRPr lang="en-US"/>
           </a:p>
@@ -3370,7 +3370,7 @@
             <a:fld id="{3224E3AE-F06B-384D-80BE-EAB0031E84E9}" type="datetimeFigureOut">
               <a:rPr lang="en-US" smtClean="0"/>
               <a:pPr/>
-              <a:t>9/21/19</a:t>
+              <a:t>10/10/19</a:t>
             </a:fld>
             <a:endParaRPr lang="en-US"/>
           </a:p>
@@ -3554,7 +3554,7 @@
             <a:fld id="{3224E3AE-F06B-384D-80BE-EAB0031E84E9}" type="datetimeFigureOut">
               <a:rPr lang="en-US" smtClean="0"/>
               <a:pPr/>
-              <a:t>9/21/19</a:t>
+              <a:t>10/10/19</a:t>
             </a:fld>
             <a:endParaRPr lang="en-US"/>
           </a:p>
@@ -3730,7 +3730,7 @@
             <a:fld id="{3224E3AE-F06B-384D-80BE-EAB0031E84E9}" type="datetimeFigureOut">
               <a:rPr lang="en-US" smtClean="0"/>
               <a:pPr/>
-              <a:t>9/21/19</a:t>
+              <a:t>10/10/19</a:t>
             </a:fld>
             <a:endParaRPr lang="en-US"/>
           </a:p>
@@ -3896,7 +3896,7 @@
             <a:fld id="{3224E3AE-F06B-384D-80BE-EAB0031E84E9}" type="datetimeFigureOut">
               <a:rPr lang="en-US" smtClean="0"/>
               <a:pPr/>
-              <a:t>9/21/19</a:t>
+              <a:t>10/10/19</a:t>
             </a:fld>
             <a:endParaRPr lang="en-US"/>
           </a:p>
@@ -4118,7 +4118,7 @@
             <a:fld id="{C3F416CD-67A3-4CF0-A210-F6AF31AC147F}" type="datetimeFigureOut">
               <a:rPr lang="en-US" smtClean="0"/>
               <a:pPr/>
-              <a:t>9/21/19</a:t>
+              <a:t>10/10/19</a:t>
             </a:fld>
             <a:endParaRPr lang="en-US"/>
           </a:p>
@@ -4378,7 +4378,7 @@
             <a:fld id="{3224E3AE-F06B-384D-80BE-EAB0031E84E9}" type="datetimeFigureOut">
               <a:rPr lang="en-US" smtClean="0"/>
               <a:pPr/>
-              <a:t>9/21/19</a:t>
+              <a:t>10/10/19</a:t>
             </a:fld>
             <a:endParaRPr lang="en-US"/>
           </a:p>
@@ -4783,7 +4783,7 @@
             <a:fld id="{3224E3AE-F06B-384D-80BE-EAB0031E84E9}" type="datetimeFigureOut">
               <a:rPr lang="en-US" smtClean="0"/>
               <a:pPr/>
-              <a:t>9/21/19</a:t>
+              <a:t>10/10/19</a:t>
             </a:fld>
             <a:endParaRPr lang="en-US"/>
           </a:p>
@@ -4915,7 +4915,7 @@
             <a:fld id="{3224E3AE-F06B-384D-80BE-EAB0031E84E9}" type="datetimeFigureOut">
               <a:rPr lang="en-US" smtClean="0"/>
               <a:pPr/>
-              <a:t>9/21/19</a:t>
+              <a:t>10/10/19</a:t>
             </a:fld>
             <a:endParaRPr lang="en-US"/>
           </a:p>
@@ -5017,7 +5017,7 @@
             <a:fld id="{3224E3AE-F06B-384D-80BE-EAB0031E84E9}" type="datetimeFigureOut">
               <a:rPr lang="en-US" smtClean="0"/>
               <a:pPr/>
-              <a:t>9/21/19</a:t>
+              <a:t>10/10/19</a:t>
             </a:fld>
             <a:endParaRPr lang="en-US"/>
           </a:p>
@@ -5263,7 +5263,7 @@
             <a:fld id="{3224E3AE-F06B-384D-80BE-EAB0031E84E9}" type="datetimeFigureOut">
               <a:rPr lang="en-US" smtClean="0"/>
               <a:pPr/>
-              <a:t>9/21/19</a:t>
+              <a:t>10/10/19</a:t>
             </a:fld>
             <a:endParaRPr lang="en-US"/>
           </a:p>
@@ -5508,7 +5508,7 @@
             <a:fld id="{3224E3AE-F06B-384D-80BE-EAB0031E84E9}" type="datetimeFigureOut">
               <a:rPr lang="en-US" smtClean="0"/>
               <a:pPr/>
-              <a:t>9/21/19</a:t>
+              <a:t>10/10/19</a:t>
             </a:fld>
             <a:endParaRPr lang="en-US"/>
           </a:p>
@@ -6332,7 +6332,7 @@
             <a:fld id="{3224E3AE-F06B-384D-80BE-EAB0031E84E9}" type="datetimeFigureOut">
               <a:rPr lang="en-US" smtClean="0"/>
               <a:pPr/>
-              <a:t>9/21/19</a:t>
+              <a:t>10/10/19</a:t>
             </a:fld>
             <a:endParaRPr lang="en-US"/>
           </a:p>
@@ -8685,10 +8685,10 @@
         </p:nvGrpSpPr>
         <p:grpSpPr>
           <a:xfrm>
-            <a:off x="868208" y="1344038"/>
-            <a:ext cx="7197028" cy="3371334"/>
-            <a:chOff x="868208" y="1344038"/>
-            <a:chExt cx="7197028" cy="3371334"/>
+            <a:off x="1474133" y="1344038"/>
+            <a:ext cx="6591103" cy="3371334"/>
+            <a:chOff x="1474133" y="1344038"/>
+            <a:chExt cx="6591103" cy="3371334"/>
           </a:xfrm>
         </p:grpSpPr>
         <p:cxnSp>
@@ -9010,7 +9010,7 @@
           </p:nvSpPr>
           <p:spPr>
             <a:xfrm rot="16200000">
-              <a:off x="107743" y="2626498"/>
+              <a:off x="713668" y="2986467"/>
               <a:ext cx="1890261" cy="369332"/>
             </a:xfrm>
             <a:prstGeom prst="rect">
@@ -9130,7 +9130,7 @@
           </p:nvSpPr>
           <p:spPr>
             <a:xfrm>
-              <a:off x="1709010" y="2701724"/>
+              <a:off x="1709010" y="2771806"/>
               <a:ext cx="431528" cy="523220"/>
             </a:xfrm>
             <a:prstGeom prst="rect">

--- a/lectures/Prisoners dilemma.pptx
+++ b/lectures/Prisoners dilemma.pptx
@@ -242,7 +242,7 @@
             <a:fld id="{353FB7D0-3F83-5B4A-9D51-DB191047E9A5}" type="datetimeFigureOut">
               <a:rPr lang="en-US" smtClean="0"/>
               <a:pPr/>
-              <a:t>10/10/19</a:t>
+              <a:t>1/25/20</a:t>
             </a:fld>
             <a:endParaRPr lang="en-US"/>
           </a:p>
@@ -3370,7 +3370,7 @@
             <a:fld id="{3224E3AE-F06B-384D-80BE-EAB0031E84E9}" type="datetimeFigureOut">
               <a:rPr lang="en-US" smtClean="0"/>
               <a:pPr/>
-              <a:t>10/10/19</a:t>
+              <a:t>1/25/20</a:t>
             </a:fld>
             <a:endParaRPr lang="en-US"/>
           </a:p>
@@ -3554,7 +3554,7 @@
             <a:fld id="{3224E3AE-F06B-384D-80BE-EAB0031E84E9}" type="datetimeFigureOut">
               <a:rPr lang="en-US" smtClean="0"/>
               <a:pPr/>
-              <a:t>10/10/19</a:t>
+              <a:t>1/25/20</a:t>
             </a:fld>
             <a:endParaRPr lang="en-US"/>
           </a:p>
@@ -3730,7 +3730,7 @@
             <a:fld id="{3224E3AE-F06B-384D-80BE-EAB0031E84E9}" type="datetimeFigureOut">
               <a:rPr lang="en-US" smtClean="0"/>
               <a:pPr/>
-              <a:t>10/10/19</a:t>
+              <a:t>1/25/20</a:t>
             </a:fld>
             <a:endParaRPr lang="en-US"/>
           </a:p>
@@ -3896,7 +3896,7 @@
             <a:fld id="{3224E3AE-F06B-384D-80BE-EAB0031E84E9}" type="datetimeFigureOut">
               <a:rPr lang="en-US" smtClean="0"/>
               <a:pPr/>
-              <a:t>10/10/19</a:t>
+              <a:t>1/25/20</a:t>
             </a:fld>
             <a:endParaRPr lang="en-US"/>
           </a:p>
@@ -4118,7 +4118,7 @@
             <a:fld id="{C3F416CD-67A3-4CF0-A210-F6AF31AC147F}" type="datetimeFigureOut">
               <a:rPr lang="en-US" smtClean="0"/>
               <a:pPr/>
-              <a:t>10/10/19</a:t>
+              <a:t>1/25/20</a:t>
             </a:fld>
             <a:endParaRPr lang="en-US"/>
           </a:p>
@@ -4378,7 +4378,7 @@
             <a:fld id="{3224E3AE-F06B-384D-80BE-EAB0031E84E9}" type="datetimeFigureOut">
               <a:rPr lang="en-US" smtClean="0"/>
               <a:pPr/>
-              <a:t>10/10/19</a:t>
+              <a:t>1/25/20</a:t>
             </a:fld>
             <a:endParaRPr lang="en-US"/>
           </a:p>
@@ -4783,7 +4783,7 @@
             <a:fld id="{3224E3AE-F06B-384D-80BE-EAB0031E84E9}" type="datetimeFigureOut">
               <a:rPr lang="en-US" smtClean="0"/>
               <a:pPr/>
-              <a:t>10/10/19</a:t>
+              <a:t>1/25/20</a:t>
             </a:fld>
             <a:endParaRPr lang="en-US"/>
           </a:p>
@@ -4915,7 +4915,7 @@
             <a:fld id="{3224E3AE-F06B-384D-80BE-EAB0031E84E9}" type="datetimeFigureOut">
               <a:rPr lang="en-US" smtClean="0"/>
               <a:pPr/>
-              <a:t>10/10/19</a:t>
+              <a:t>1/25/20</a:t>
             </a:fld>
             <a:endParaRPr lang="en-US"/>
           </a:p>
@@ -5017,7 +5017,7 @@
             <a:fld id="{3224E3AE-F06B-384D-80BE-EAB0031E84E9}" type="datetimeFigureOut">
               <a:rPr lang="en-US" smtClean="0"/>
               <a:pPr/>
-              <a:t>10/10/19</a:t>
+              <a:t>1/25/20</a:t>
             </a:fld>
             <a:endParaRPr lang="en-US"/>
           </a:p>
@@ -5263,7 +5263,7 @@
             <a:fld id="{3224E3AE-F06B-384D-80BE-EAB0031E84E9}" type="datetimeFigureOut">
               <a:rPr lang="en-US" smtClean="0"/>
               <a:pPr/>
-              <a:t>10/10/19</a:t>
+              <a:t>1/25/20</a:t>
             </a:fld>
             <a:endParaRPr lang="en-US"/>
           </a:p>
@@ -5508,7 +5508,7 @@
             <a:fld id="{3224E3AE-F06B-384D-80BE-EAB0031E84E9}" type="datetimeFigureOut">
               <a:rPr lang="en-US" smtClean="0"/>
               <a:pPr/>
-              <a:t>10/10/19</a:t>
+              <a:t>1/25/20</a:t>
             </a:fld>
             <a:endParaRPr lang="en-US"/>
           </a:p>
@@ -6332,7 +6332,7 @@
             <a:fld id="{3224E3AE-F06B-384D-80BE-EAB0031E84E9}" type="datetimeFigureOut">
               <a:rPr lang="en-US" smtClean="0"/>
               <a:pPr/>
-              <a:t>10/10/19</a:t>
+              <a:t>1/25/20</a:t>
             </a:fld>
             <a:endParaRPr lang="en-US"/>
           </a:p>
@@ -10370,11 +10370,17 @@
           <p:cNvGraphicFramePr>
             <a:graphicFrameLocks noGrp="1"/>
           </p:cNvGraphicFramePr>
-          <p:nvPr/>
+          <p:nvPr>
+            <p:extLst>
+              <p:ext uri="{D42A27DB-BD31-4B8C-83A1-F6EECF244321}">
+                <p14:modId xmlns:p14="http://schemas.microsoft.com/office/powerpoint/2010/main" val="743035953"/>
+              </p:ext>
+            </p:extLst>
+          </p:nvPr>
         </p:nvGraphicFramePr>
         <p:xfrm>
           <a:off x="609600" y="1397000"/>
-          <a:ext cx="8001000" cy="4269544"/>
+          <a:ext cx="8001000" cy="4543865"/>
         </p:xfrm>
         <a:graphic>
           <a:graphicData uri="http://schemas.openxmlformats.org/drawingml/2006/table">
@@ -11562,11 +11568,17 @@
           <p:cNvGraphicFramePr>
             <a:graphicFrameLocks noGrp="1"/>
           </p:cNvGraphicFramePr>
-          <p:nvPr/>
+          <p:nvPr>
+            <p:extLst>
+              <p:ext uri="{D42A27DB-BD31-4B8C-83A1-F6EECF244321}">
+                <p14:modId xmlns:p14="http://schemas.microsoft.com/office/powerpoint/2010/main" val="1342826935"/>
+              </p:ext>
+            </p:extLst>
+          </p:nvPr>
         </p:nvGraphicFramePr>
         <p:xfrm>
           <a:off x="609600" y="1397000"/>
-          <a:ext cx="8001000" cy="3997569"/>
+          <a:ext cx="8001000" cy="3997570"/>
         </p:xfrm>
         <a:graphic>
           <a:graphicData uri="http://schemas.openxmlformats.org/drawingml/2006/table">
@@ -12356,7 +12368,7 @@
         </p:nvGraphicFramePr>
         <p:xfrm>
           <a:off x="609600" y="1397000"/>
-          <a:ext cx="8001000" cy="3997569"/>
+          <a:ext cx="8001000" cy="3997570"/>
         </p:xfrm>
         <a:graphic>
           <a:graphicData uri="http://schemas.openxmlformats.org/drawingml/2006/table">
@@ -13683,7 +13695,7 @@
         </p:nvGraphicFramePr>
         <p:xfrm>
           <a:off x="609600" y="1397000"/>
-          <a:ext cx="8001000" cy="3997569"/>
+          <a:ext cx="8001000" cy="3997570"/>
         </p:xfrm>
         <a:graphic>
           <a:graphicData uri="http://schemas.openxmlformats.org/drawingml/2006/table">
